--- a/web/Perguntas_e_Respostas/Matemática/Aritmetica/Divisao/lista_001_exe/lista_001_exe.pptx
+++ b/web/Perguntas_e_Respostas/Matemática/Aritmetica/Divisao/lista_001_exe/lista_001_exe.pptx
@@ -5,7 +5,7 @@
     <p:sldMasterId id="2147483972" r:id="rId1"/>
   </p:sldMasterIdLst>
   <p:notesMasterIdLst>
-    <p:notesMasterId r:id="rId29"/>
+    <p:notesMasterId r:id="rId36"/>
   </p:notesMasterIdLst>
   <p:sldIdLst>
     <p:sldId id="293" r:id="rId2"/>
@@ -35,6 +35,13 @@
     <p:sldId id="342" r:id="rId26"/>
     <p:sldId id="340" r:id="rId27"/>
     <p:sldId id="343" r:id="rId28"/>
+    <p:sldId id="351" r:id="rId29"/>
+    <p:sldId id="352" r:id="rId30"/>
+    <p:sldId id="353" r:id="rId31"/>
+    <p:sldId id="354" r:id="rId32"/>
+    <p:sldId id="355" r:id="rId33"/>
+    <p:sldId id="356" r:id="rId34"/>
+    <p:sldId id="357" r:id="rId35"/>
   </p:sldIdLst>
   <p:sldSz cx="6840538" cy="3779838"/>
   <p:notesSz cx="6858000" cy="9144000"/>
@@ -168,6 +175,13 @@
             <p14:sldId id="342"/>
             <p14:sldId id="340"/>
             <p14:sldId id="343"/>
+            <p14:sldId id="351"/>
+            <p14:sldId id="352"/>
+            <p14:sldId id="353"/>
+            <p14:sldId id="354"/>
+            <p14:sldId id="355"/>
+            <p14:sldId id="356"/>
+            <p14:sldId id="357"/>
           </p14:sldIdLst>
         </p14:section>
       </p14:sectionLst>
@@ -285,7 +299,7 @@
           <a:p>
             <a:fld id="{8E16BBD4-8911-4A0F-AA6A-6D6D8349903B}" type="datetimeFigureOut">
               <a:rPr lang="pt-BR" smtClean="0"/>
-              <a:t>20/11/2019</a:t>
+              <a:t>16/12/2019</a:t>
             </a:fld>
             <a:endParaRPr lang="pt-BR"/>
           </a:p>
@@ -2374,6 +2388,188 @@
 </p:notes>
 </file>
 
+<file path=ppt/notesSlides/notesSlide28.xml><?xml version="1.0" encoding="utf-8"?>
+<p:notes xmlns:a="http://schemas.openxmlformats.org/drawingml/2006/main" xmlns:r="http://schemas.openxmlformats.org/officeDocument/2006/relationships" xmlns:p="http://schemas.openxmlformats.org/presentationml/2006/main">
+  <p:cSld>
+    <p:spTree>
+      <p:nvGrpSpPr>
+        <p:cNvPr id="1" name=""/>
+        <p:cNvGrpSpPr/>
+        <p:nvPr/>
+      </p:nvGrpSpPr>
+      <p:grpSpPr>
+        <a:xfrm>
+          <a:off x="0" y="0"/>
+          <a:ext cx="0" cy="0"/>
+          <a:chOff x="0" y="0"/>
+          <a:chExt cx="0" cy="0"/>
+        </a:xfrm>
+      </p:grpSpPr>
+      <p:sp>
+        <p:nvSpPr>
+          <p:cNvPr id="2" name="Espaço Reservado para Imagem de Slide 1"/>
+          <p:cNvSpPr>
+            <a:spLocks noGrp="1" noRot="1" noChangeAspect="1"/>
+          </p:cNvSpPr>
+          <p:nvPr>
+            <p:ph type="sldImg"/>
+          </p:nvPr>
+        </p:nvSpPr>
+        <p:spPr>
+          <a:xfrm>
+            <a:off x="327025" y="685800"/>
+            <a:ext cx="6203950" cy="3429000"/>
+          </a:xfrm>
+        </p:spPr>
+      </p:sp>
+      <p:sp>
+        <p:nvSpPr>
+          <p:cNvPr id="3" name="Espaço Reservado para Anotações 2"/>
+          <p:cNvSpPr>
+            <a:spLocks noGrp="1"/>
+          </p:cNvSpPr>
+          <p:nvPr>
+            <p:ph type="body" idx="1"/>
+          </p:nvPr>
+        </p:nvSpPr>
+        <p:spPr/>
+        <p:txBody>
+          <a:bodyPr>
+            <a:normAutofit/>
+          </a:bodyPr>
+          <a:lstStyle/>
+          <a:p>
+            <a:endParaRPr lang="pt-BR"/>
+          </a:p>
+        </p:txBody>
+      </p:sp>
+      <p:sp>
+        <p:nvSpPr>
+          <p:cNvPr id="4" name="Espaço Reservado para Número de Slide 3"/>
+          <p:cNvSpPr>
+            <a:spLocks noGrp="1"/>
+          </p:cNvSpPr>
+          <p:nvPr>
+            <p:ph type="sldNum" sz="quarter" idx="10"/>
+          </p:nvPr>
+        </p:nvSpPr>
+        <p:spPr/>
+        <p:txBody>
+          <a:bodyPr/>
+          <a:lstStyle/>
+          <a:p>
+            <a:fld id="{AA3BDF02-B96A-49DA-B87B-E5BEC32AF444}" type="slidenum">
+              <a:rPr lang="pt-BR" smtClean="0"/>
+              <a:t>28</a:t>
+            </a:fld>
+            <a:endParaRPr lang="pt-BR"/>
+          </a:p>
+        </p:txBody>
+      </p:sp>
+    </p:spTree>
+    <p:extLst>
+      <p:ext uri="{BB962C8B-B14F-4D97-AF65-F5344CB8AC3E}">
+        <p14:creationId xmlns:p14="http://schemas.microsoft.com/office/powerpoint/2010/main" val="458415007"/>
+      </p:ext>
+    </p:extLst>
+  </p:cSld>
+  <p:clrMapOvr>
+    <a:masterClrMapping/>
+  </p:clrMapOvr>
+</p:notes>
+</file>
+
+<file path=ppt/notesSlides/notesSlide29.xml><?xml version="1.0" encoding="utf-8"?>
+<p:notes xmlns:a="http://schemas.openxmlformats.org/drawingml/2006/main" xmlns:r="http://schemas.openxmlformats.org/officeDocument/2006/relationships" xmlns:p="http://schemas.openxmlformats.org/presentationml/2006/main">
+  <p:cSld>
+    <p:spTree>
+      <p:nvGrpSpPr>
+        <p:cNvPr id="1" name=""/>
+        <p:cNvGrpSpPr/>
+        <p:nvPr/>
+      </p:nvGrpSpPr>
+      <p:grpSpPr>
+        <a:xfrm>
+          <a:off x="0" y="0"/>
+          <a:ext cx="0" cy="0"/>
+          <a:chOff x="0" y="0"/>
+          <a:chExt cx="0" cy="0"/>
+        </a:xfrm>
+      </p:grpSpPr>
+      <p:sp>
+        <p:nvSpPr>
+          <p:cNvPr id="2" name="Espaço Reservado para Imagem de Slide 1"/>
+          <p:cNvSpPr>
+            <a:spLocks noGrp="1" noRot="1" noChangeAspect="1"/>
+          </p:cNvSpPr>
+          <p:nvPr>
+            <p:ph type="sldImg"/>
+          </p:nvPr>
+        </p:nvSpPr>
+        <p:spPr>
+          <a:xfrm>
+            <a:off x="327025" y="685800"/>
+            <a:ext cx="6203950" cy="3429000"/>
+          </a:xfrm>
+        </p:spPr>
+      </p:sp>
+      <p:sp>
+        <p:nvSpPr>
+          <p:cNvPr id="3" name="Espaço Reservado para Anotações 2"/>
+          <p:cNvSpPr>
+            <a:spLocks noGrp="1"/>
+          </p:cNvSpPr>
+          <p:nvPr>
+            <p:ph type="body" idx="1"/>
+          </p:nvPr>
+        </p:nvSpPr>
+        <p:spPr/>
+        <p:txBody>
+          <a:bodyPr>
+            <a:normAutofit/>
+          </a:bodyPr>
+          <a:lstStyle/>
+          <a:p>
+            <a:endParaRPr lang="pt-BR"/>
+          </a:p>
+        </p:txBody>
+      </p:sp>
+      <p:sp>
+        <p:nvSpPr>
+          <p:cNvPr id="4" name="Espaço Reservado para Número de Slide 3"/>
+          <p:cNvSpPr>
+            <a:spLocks noGrp="1"/>
+          </p:cNvSpPr>
+          <p:nvPr>
+            <p:ph type="sldNum" sz="quarter" idx="10"/>
+          </p:nvPr>
+        </p:nvSpPr>
+        <p:spPr/>
+        <p:txBody>
+          <a:bodyPr/>
+          <a:lstStyle/>
+          <a:p>
+            <a:fld id="{AA3BDF02-B96A-49DA-B87B-E5BEC32AF444}" type="slidenum">
+              <a:rPr lang="pt-BR" smtClean="0"/>
+              <a:t>29</a:t>
+            </a:fld>
+            <a:endParaRPr lang="pt-BR"/>
+          </a:p>
+        </p:txBody>
+      </p:sp>
+    </p:spTree>
+    <p:extLst>
+      <p:ext uri="{BB962C8B-B14F-4D97-AF65-F5344CB8AC3E}">
+        <p14:creationId xmlns:p14="http://schemas.microsoft.com/office/powerpoint/2010/main" val="1856392134"/>
+      </p:ext>
+    </p:extLst>
+  </p:cSld>
+  <p:clrMapOvr>
+    <a:masterClrMapping/>
+  </p:clrMapOvr>
+</p:notes>
+</file>
+
 <file path=ppt/notesSlides/notesSlide3.xml><?xml version="1.0" encoding="utf-8"?>
 <p:notes xmlns:a="http://schemas.openxmlformats.org/drawingml/2006/main" xmlns:r="http://schemas.openxmlformats.org/officeDocument/2006/relationships" xmlns:p="http://schemas.openxmlformats.org/presentationml/2006/main">
   <p:cSld>
@@ -2456,6 +2652,461 @@
     <p:extLst>
       <p:ext uri="{BB962C8B-B14F-4D97-AF65-F5344CB8AC3E}">
         <p14:creationId xmlns:p14="http://schemas.microsoft.com/office/powerpoint/2010/main" val="1724058937"/>
+      </p:ext>
+    </p:extLst>
+  </p:cSld>
+  <p:clrMapOvr>
+    <a:masterClrMapping/>
+  </p:clrMapOvr>
+</p:notes>
+</file>
+
+<file path=ppt/notesSlides/notesSlide30.xml><?xml version="1.0" encoding="utf-8"?>
+<p:notes xmlns:a="http://schemas.openxmlformats.org/drawingml/2006/main" xmlns:r="http://schemas.openxmlformats.org/officeDocument/2006/relationships" xmlns:p="http://schemas.openxmlformats.org/presentationml/2006/main">
+  <p:cSld>
+    <p:spTree>
+      <p:nvGrpSpPr>
+        <p:cNvPr id="1" name=""/>
+        <p:cNvGrpSpPr/>
+        <p:nvPr/>
+      </p:nvGrpSpPr>
+      <p:grpSpPr>
+        <a:xfrm>
+          <a:off x="0" y="0"/>
+          <a:ext cx="0" cy="0"/>
+          <a:chOff x="0" y="0"/>
+          <a:chExt cx="0" cy="0"/>
+        </a:xfrm>
+      </p:grpSpPr>
+      <p:sp>
+        <p:nvSpPr>
+          <p:cNvPr id="2" name="Espaço Reservado para Imagem de Slide 1"/>
+          <p:cNvSpPr>
+            <a:spLocks noGrp="1" noRot="1" noChangeAspect="1"/>
+          </p:cNvSpPr>
+          <p:nvPr>
+            <p:ph type="sldImg"/>
+          </p:nvPr>
+        </p:nvSpPr>
+        <p:spPr>
+          <a:xfrm>
+            <a:off x="327025" y="685800"/>
+            <a:ext cx="6203950" cy="3429000"/>
+          </a:xfrm>
+        </p:spPr>
+      </p:sp>
+      <p:sp>
+        <p:nvSpPr>
+          <p:cNvPr id="3" name="Espaço Reservado para Anotações 2"/>
+          <p:cNvSpPr>
+            <a:spLocks noGrp="1"/>
+          </p:cNvSpPr>
+          <p:nvPr>
+            <p:ph type="body" idx="1"/>
+          </p:nvPr>
+        </p:nvSpPr>
+        <p:spPr/>
+        <p:txBody>
+          <a:bodyPr>
+            <a:normAutofit/>
+          </a:bodyPr>
+          <a:lstStyle/>
+          <a:p>
+            <a:endParaRPr lang="pt-BR"/>
+          </a:p>
+        </p:txBody>
+      </p:sp>
+      <p:sp>
+        <p:nvSpPr>
+          <p:cNvPr id="4" name="Espaço Reservado para Número de Slide 3"/>
+          <p:cNvSpPr>
+            <a:spLocks noGrp="1"/>
+          </p:cNvSpPr>
+          <p:nvPr>
+            <p:ph type="sldNum" sz="quarter" idx="10"/>
+          </p:nvPr>
+        </p:nvSpPr>
+        <p:spPr/>
+        <p:txBody>
+          <a:bodyPr/>
+          <a:lstStyle/>
+          <a:p>
+            <a:fld id="{AA3BDF02-B96A-49DA-B87B-E5BEC32AF444}" type="slidenum">
+              <a:rPr lang="pt-BR" smtClean="0"/>
+              <a:t>30</a:t>
+            </a:fld>
+            <a:endParaRPr lang="pt-BR"/>
+          </a:p>
+        </p:txBody>
+      </p:sp>
+    </p:spTree>
+    <p:extLst>
+      <p:ext uri="{BB962C8B-B14F-4D97-AF65-F5344CB8AC3E}">
+        <p14:creationId xmlns:p14="http://schemas.microsoft.com/office/powerpoint/2010/main" val="1438559754"/>
+      </p:ext>
+    </p:extLst>
+  </p:cSld>
+  <p:clrMapOvr>
+    <a:masterClrMapping/>
+  </p:clrMapOvr>
+</p:notes>
+</file>
+
+<file path=ppt/notesSlides/notesSlide31.xml><?xml version="1.0" encoding="utf-8"?>
+<p:notes xmlns:a="http://schemas.openxmlformats.org/drawingml/2006/main" xmlns:r="http://schemas.openxmlformats.org/officeDocument/2006/relationships" xmlns:p="http://schemas.openxmlformats.org/presentationml/2006/main">
+  <p:cSld>
+    <p:spTree>
+      <p:nvGrpSpPr>
+        <p:cNvPr id="1" name=""/>
+        <p:cNvGrpSpPr/>
+        <p:nvPr/>
+      </p:nvGrpSpPr>
+      <p:grpSpPr>
+        <a:xfrm>
+          <a:off x="0" y="0"/>
+          <a:ext cx="0" cy="0"/>
+          <a:chOff x="0" y="0"/>
+          <a:chExt cx="0" cy="0"/>
+        </a:xfrm>
+      </p:grpSpPr>
+      <p:sp>
+        <p:nvSpPr>
+          <p:cNvPr id="2" name="Espaço Reservado para Imagem de Slide 1"/>
+          <p:cNvSpPr>
+            <a:spLocks noGrp="1" noRot="1" noChangeAspect="1"/>
+          </p:cNvSpPr>
+          <p:nvPr>
+            <p:ph type="sldImg"/>
+          </p:nvPr>
+        </p:nvSpPr>
+        <p:spPr>
+          <a:xfrm>
+            <a:off x="327025" y="685800"/>
+            <a:ext cx="6203950" cy="3429000"/>
+          </a:xfrm>
+        </p:spPr>
+      </p:sp>
+      <p:sp>
+        <p:nvSpPr>
+          <p:cNvPr id="3" name="Espaço Reservado para Anotações 2"/>
+          <p:cNvSpPr>
+            <a:spLocks noGrp="1"/>
+          </p:cNvSpPr>
+          <p:nvPr>
+            <p:ph type="body" idx="1"/>
+          </p:nvPr>
+        </p:nvSpPr>
+        <p:spPr/>
+        <p:txBody>
+          <a:bodyPr>
+            <a:normAutofit/>
+          </a:bodyPr>
+          <a:lstStyle/>
+          <a:p>
+            <a:endParaRPr lang="pt-BR"/>
+          </a:p>
+        </p:txBody>
+      </p:sp>
+      <p:sp>
+        <p:nvSpPr>
+          <p:cNvPr id="4" name="Espaço Reservado para Número de Slide 3"/>
+          <p:cNvSpPr>
+            <a:spLocks noGrp="1"/>
+          </p:cNvSpPr>
+          <p:nvPr>
+            <p:ph type="sldNum" sz="quarter" idx="10"/>
+          </p:nvPr>
+        </p:nvSpPr>
+        <p:spPr/>
+        <p:txBody>
+          <a:bodyPr/>
+          <a:lstStyle/>
+          <a:p>
+            <a:fld id="{AA3BDF02-B96A-49DA-B87B-E5BEC32AF444}" type="slidenum">
+              <a:rPr lang="pt-BR" smtClean="0"/>
+              <a:t>31</a:t>
+            </a:fld>
+            <a:endParaRPr lang="pt-BR"/>
+          </a:p>
+        </p:txBody>
+      </p:sp>
+    </p:spTree>
+    <p:extLst>
+      <p:ext uri="{BB962C8B-B14F-4D97-AF65-F5344CB8AC3E}">
+        <p14:creationId xmlns:p14="http://schemas.microsoft.com/office/powerpoint/2010/main" val="244907868"/>
+      </p:ext>
+    </p:extLst>
+  </p:cSld>
+  <p:clrMapOvr>
+    <a:masterClrMapping/>
+  </p:clrMapOvr>
+</p:notes>
+</file>
+
+<file path=ppt/notesSlides/notesSlide32.xml><?xml version="1.0" encoding="utf-8"?>
+<p:notes xmlns:a="http://schemas.openxmlformats.org/drawingml/2006/main" xmlns:r="http://schemas.openxmlformats.org/officeDocument/2006/relationships" xmlns:p="http://schemas.openxmlformats.org/presentationml/2006/main">
+  <p:cSld>
+    <p:spTree>
+      <p:nvGrpSpPr>
+        <p:cNvPr id="1" name=""/>
+        <p:cNvGrpSpPr/>
+        <p:nvPr/>
+      </p:nvGrpSpPr>
+      <p:grpSpPr>
+        <a:xfrm>
+          <a:off x="0" y="0"/>
+          <a:ext cx="0" cy="0"/>
+          <a:chOff x="0" y="0"/>
+          <a:chExt cx="0" cy="0"/>
+        </a:xfrm>
+      </p:grpSpPr>
+      <p:sp>
+        <p:nvSpPr>
+          <p:cNvPr id="2" name="Espaço Reservado para Imagem de Slide 1"/>
+          <p:cNvSpPr>
+            <a:spLocks noGrp="1" noRot="1" noChangeAspect="1"/>
+          </p:cNvSpPr>
+          <p:nvPr>
+            <p:ph type="sldImg"/>
+          </p:nvPr>
+        </p:nvSpPr>
+        <p:spPr>
+          <a:xfrm>
+            <a:off x="327025" y="685800"/>
+            <a:ext cx="6203950" cy="3429000"/>
+          </a:xfrm>
+        </p:spPr>
+      </p:sp>
+      <p:sp>
+        <p:nvSpPr>
+          <p:cNvPr id="3" name="Espaço Reservado para Anotações 2"/>
+          <p:cNvSpPr>
+            <a:spLocks noGrp="1"/>
+          </p:cNvSpPr>
+          <p:nvPr>
+            <p:ph type="body" idx="1"/>
+          </p:nvPr>
+        </p:nvSpPr>
+        <p:spPr/>
+        <p:txBody>
+          <a:bodyPr>
+            <a:normAutofit/>
+          </a:bodyPr>
+          <a:lstStyle/>
+          <a:p>
+            <a:endParaRPr lang="pt-BR"/>
+          </a:p>
+        </p:txBody>
+      </p:sp>
+      <p:sp>
+        <p:nvSpPr>
+          <p:cNvPr id="4" name="Espaço Reservado para Número de Slide 3"/>
+          <p:cNvSpPr>
+            <a:spLocks noGrp="1"/>
+          </p:cNvSpPr>
+          <p:nvPr>
+            <p:ph type="sldNum" sz="quarter" idx="10"/>
+          </p:nvPr>
+        </p:nvSpPr>
+        <p:spPr/>
+        <p:txBody>
+          <a:bodyPr/>
+          <a:lstStyle/>
+          <a:p>
+            <a:fld id="{AA3BDF02-B96A-49DA-B87B-E5BEC32AF444}" type="slidenum">
+              <a:rPr lang="pt-BR" smtClean="0"/>
+              <a:t>32</a:t>
+            </a:fld>
+            <a:endParaRPr lang="pt-BR"/>
+          </a:p>
+        </p:txBody>
+      </p:sp>
+    </p:spTree>
+    <p:extLst>
+      <p:ext uri="{BB962C8B-B14F-4D97-AF65-F5344CB8AC3E}">
+        <p14:creationId xmlns:p14="http://schemas.microsoft.com/office/powerpoint/2010/main" val="2263115170"/>
+      </p:ext>
+    </p:extLst>
+  </p:cSld>
+  <p:clrMapOvr>
+    <a:masterClrMapping/>
+  </p:clrMapOvr>
+</p:notes>
+</file>
+
+<file path=ppt/notesSlides/notesSlide33.xml><?xml version="1.0" encoding="utf-8"?>
+<p:notes xmlns:a="http://schemas.openxmlformats.org/drawingml/2006/main" xmlns:r="http://schemas.openxmlformats.org/officeDocument/2006/relationships" xmlns:p="http://schemas.openxmlformats.org/presentationml/2006/main">
+  <p:cSld>
+    <p:spTree>
+      <p:nvGrpSpPr>
+        <p:cNvPr id="1" name=""/>
+        <p:cNvGrpSpPr/>
+        <p:nvPr/>
+      </p:nvGrpSpPr>
+      <p:grpSpPr>
+        <a:xfrm>
+          <a:off x="0" y="0"/>
+          <a:ext cx="0" cy="0"/>
+          <a:chOff x="0" y="0"/>
+          <a:chExt cx="0" cy="0"/>
+        </a:xfrm>
+      </p:grpSpPr>
+      <p:sp>
+        <p:nvSpPr>
+          <p:cNvPr id="2" name="Espaço Reservado para Imagem de Slide 1"/>
+          <p:cNvSpPr>
+            <a:spLocks noGrp="1" noRot="1" noChangeAspect="1"/>
+          </p:cNvSpPr>
+          <p:nvPr>
+            <p:ph type="sldImg"/>
+          </p:nvPr>
+        </p:nvSpPr>
+        <p:spPr>
+          <a:xfrm>
+            <a:off x="327025" y="685800"/>
+            <a:ext cx="6203950" cy="3429000"/>
+          </a:xfrm>
+        </p:spPr>
+      </p:sp>
+      <p:sp>
+        <p:nvSpPr>
+          <p:cNvPr id="3" name="Espaço Reservado para Anotações 2"/>
+          <p:cNvSpPr>
+            <a:spLocks noGrp="1"/>
+          </p:cNvSpPr>
+          <p:nvPr>
+            <p:ph type="body" idx="1"/>
+          </p:nvPr>
+        </p:nvSpPr>
+        <p:spPr/>
+        <p:txBody>
+          <a:bodyPr>
+            <a:normAutofit/>
+          </a:bodyPr>
+          <a:lstStyle/>
+          <a:p>
+            <a:endParaRPr lang="pt-BR"/>
+          </a:p>
+        </p:txBody>
+      </p:sp>
+      <p:sp>
+        <p:nvSpPr>
+          <p:cNvPr id="4" name="Espaço Reservado para Número de Slide 3"/>
+          <p:cNvSpPr>
+            <a:spLocks noGrp="1"/>
+          </p:cNvSpPr>
+          <p:nvPr>
+            <p:ph type="sldNum" sz="quarter" idx="10"/>
+          </p:nvPr>
+        </p:nvSpPr>
+        <p:spPr/>
+        <p:txBody>
+          <a:bodyPr/>
+          <a:lstStyle/>
+          <a:p>
+            <a:fld id="{AA3BDF02-B96A-49DA-B87B-E5BEC32AF444}" type="slidenum">
+              <a:rPr lang="pt-BR" smtClean="0"/>
+              <a:t>33</a:t>
+            </a:fld>
+            <a:endParaRPr lang="pt-BR"/>
+          </a:p>
+        </p:txBody>
+      </p:sp>
+    </p:spTree>
+    <p:extLst>
+      <p:ext uri="{BB962C8B-B14F-4D97-AF65-F5344CB8AC3E}">
+        <p14:creationId xmlns:p14="http://schemas.microsoft.com/office/powerpoint/2010/main" val="2476434661"/>
+      </p:ext>
+    </p:extLst>
+  </p:cSld>
+  <p:clrMapOvr>
+    <a:masterClrMapping/>
+  </p:clrMapOvr>
+</p:notes>
+</file>
+
+<file path=ppt/notesSlides/notesSlide34.xml><?xml version="1.0" encoding="utf-8"?>
+<p:notes xmlns:a="http://schemas.openxmlformats.org/drawingml/2006/main" xmlns:r="http://schemas.openxmlformats.org/officeDocument/2006/relationships" xmlns:p="http://schemas.openxmlformats.org/presentationml/2006/main">
+  <p:cSld>
+    <p:spTree>
+      <p:nvGrpSpPr>
+        <p:cNvPr id="1" name=""/>
+        <p:cNvGrpSpPr/>
+        <p:nvPr/>
+      </p:nvGrpSpPr>
+      <p:grpSpPr>
+        <a:xfrm>
+          <a:off x="0" y="0"/>
+          <a:ext cx="0" cy="0"/>
+          <a:chOff x="0" y="0"/>
+          <a:chExt cx="0" cy="0"/>
+        </a:xfrm>
+      </p:grpSpPr>
+      <p:sp>
+        <p:nvSpPr>
+          <p:cNvPr id="2" name="Espaço Reservado para Imagem de Slide 1"/>
+          <p:cNvSpPr>
+            <a:spLocks noGrp="1" noRot="1" noChangeAspect="1"/>
+          </p:cNvSpPr>
+          <p:nvPr>
+            <p:ph type="sldImg"/>
+          </p:nvPr>
+        </p:nvSpPr>
+        <p:spPr>
+          <a:xfrm>
+            <a:off x="327025" y="685800"/>
+            <a:ext cx="6203950" cy="3429000"/>
+          </a:xfrm>
+        </p:spPr>
+      </p:sp>
+      <p:sp>
+        <p:nvSpPr>
+          <p:cNvPr id="3" name="Espaço Reservado para Anotações 2"/>
+          <p:cNvSpPr>
+            <a:spLocks noGrp="1"/>
+          </p:cNvSpPr>
+          <p:nvPr>
+            <p:ph type="body" idx="1"/>
+          </p:nvPr>
+        </p:nvSpPr>
+        <p:spPr/>
+        <p:txBody>
+          <a:bodyPr>
+            <a:normAutofit/>
+          </a:bodyPr>
+          <a:lstStyle/>
+          <a:p>
+            <a:endParaRPr lang="pt-BR"/>
+          </a:p>
+        </p:txBody>
+      </p:sp>
+      <p:sp>
+        <p:nvSpPr>
+          <p:cNvPr id="4" name="Espaço Reservado para Número de Slide 3"/>
+          <p:cNvSpPr>
+            <a:spLocks noGrp="1"/>
+          </p:cNvSpPr>
+          <p:nvPr>
+            <p:ph type="sldNum" sz="quarter" idx="10"/>
+          </p:nvPr>
+        </p:nvSpPr>
+        <p:spPr/>
+        <p:txBody>
+          <a:bodyPr/>
+          <a:lstStyle/>
+          <a:p>
+            <a:fld id="{AA3BDF02-B96A-49DA-B87B-E5BEC32AF444}" type="slidenum">
+              <a:rPr lang="pt-BR" smtClean="0"/>
+              <a:t>34</a:t>
+            </a:fld>
+            <a:endParaRPr lang="pt-BR"/>
+          </a:p>
+        </p:txBody>
+      </p:sp>
+    </p:spTree>
+    <p:extLst>
+      <p:ext uri="{BB962C8B-B14F-4D97-AF65-F5344CB8AC3E}">
+        <p14:creationId xmlns:p14="http://schemas.microsoft.com/office/powerpoint/2010/main" val="1685426376"/>
       </p:ext>
     </p:extLst>
   </p:cSld>
@@ -3143,7 +3794,7 @@
             <a:fld id="{F8BDB6AA-63F8-4F31-8EA3-CB6FE8D9515C}" type="datetimeFigureOut">
               <a:rPr lang="pt-BR" smtClean="0"/>
               <a:pPr/>
-              <a:t>20/11/2019</a:t>
+              <a:t>16/12/2019</a:t>
             </a:fld>
             <a:endParaRPr lang="pt-BR"/>
           </a:p>
@@ -3322,7 +3973,7 @@
             <a:fld id="{F8BDB6AA-63F8-4F31-8EA3-CB6FE8D9515C}" type="datetimeFigureOut">
               <a:rPr lang="pt-BR" smtClean="0"/>
               <a:pPr/>
-              <a:t>20/11/2019</a:t>
+              <a:t>16/12/2019</a:t>
             </a:fld>
             <a:endParaRPr lang="pt-BR"/>
           </a:p>
@@ -3511,7 +4162,7 @@
             <a:fld id="{F8BDB6AA-63F8-4F31-8EA3-CB6FE8D9515C}" type="datetimeFigureOut">
               <a:rPr lang="pt-BR" smtClean="0"/>
               <a:pPr/>
-              <a:t>20/11/2019</a:t>
+              <a:t>16/12/2019</a:t>
             </a:fld>
             <a:endParaRPr lang="pt-BR"/>
           </a:p>
@@ -3690,7 +4341,7 @@
             <a:fld id="{F8BDB6AA-63F8-4F31-8EA3-CB6FE8D9515C}" type="datetimeFigureOut">
               <a:rPr lang="pt-BR" smtClean="0"/>
               <a:pPr/>
-              <a:t>20/11/2019</a:t>
+              <a:t>16/12/2019</a:t>
             </a:fld>
             <a:endParaRPr lang="pt-BR"/>
           </a:p>
@@ -3945,7 +4596,7 @@
             <a:fld id="{F8BDB6AA-63F8-4F31-8EA3-CB6FE8D9515C}" type="datetimeFigureOut">
               <a:rPr lang="pt-BR" smtClean="0"/>
               <a:pPr/>
-              <a:t>20/11/2019</a:t>
+              <a:t>16/12/2019</a:t>
             </a:fld>
             <a:endParaRPr lang="pt-BR"/>
           </a:p>
@@ -4186,7 +4837,7 @@
             <a:fld id="{F8BDB6AA-63F8-4F31-8EA3-CB6FE8D9515C}" type="datetimeFigureOut">
               <a:rPr lang="pt-BR" smtClean="0"/>
               <a:pPr/>
-              <a:t>20/11/2019</a:t>
+              <a:t>16/12/2019</a:t>
             </a:fld>
             <a:endParaRPr lang="pt-BR"/>
           </a:p>
@@ -4562,7 +5213,7 @@
             <a:fld id="{F8BDB6AA-63F8-4F31-8EA3-CB6FE8D9515C}" type="datetimeFigureOut">
               <a:rPr lang="pt-BR" smtClean="0"/>
               <a:pPr/>
-              <a:t>20/11/2019</a:t>
+              <a:t>16/12/2019</a:t>
             </a:fld>
             <a:endParaRPr lang="pt-BR"/>
           </a:p>
@@ -4689,7 +5340,7 @@
             <a:fld id="{F8BDB6AA-63F8-4F31-8EA3-CB6FE8D9515C}" type="datetimeFigureOut">
               <a:rPr lang="pt-BR" smtClean="0"/>
               <a:pPr/>
-              <a:t>20/11/2019</a:t>
+              <a:t>16/12/2019</a:t>
             </a:fld>
             <a:endParaRPr lang="pt-BR"/>
           </a:p>
@@ -4793,7 +5444,7 @@
             <a:fld id="{F8BDB6AA-63F8-4F31-8EA3-CB6FE8D9515C}" type="datetimeFigureOut">
               <a:rPr lang="pt-BR" smtClean="0"/>
               <a:pPr/>
-              <a:t>20/11/2019</a:t>
+              <a:t>16/12/2019</a:t>
             </a:fld>
             <a:endParaRPr lang="pt-BR"/>
           </a:p>
@@ -5079,7 +5730,7 @@
             <a:fld id="{F8BDB6AA-63F8-4F31-8EA3-CB6FE8D9515C}" type="datetimeFigureOut">
               <a:rPr lang="pt-BR" smtClean="0"/>
               <a:pPr/>
-              <a:t>20/11/2019</a:t>
+              <a:t>16/12/2019</a:t>
             </a:fld>
             <a:endParaRPr lang="pt-BR"/>
           </a:p>
@@ -5345,7 +5996,7 @@
             <a:fld id="{F8BDB6AA-63F8-4F31-8EA3-CB6FE8D9515C}" type="datetimeFigureOut">
               <a:rPr lang="pt-BR" smtClean="0"/>
               <a:pPr/>
-              <a:t>20/11/2019</a:t>
+              <a:t>16/12/2019</a:t>
             </a:fld>
             <a:endParaRPr lang="pt-BR"/>
           </a:p>
@@ -5567,7 +6218,7 @@
             <a:fld id="{F8BDB6AA-63F8-4F31-8EA3-CB6FE8D9515C}" type="datetimeFigureOut">
               <a:rPr lang="pt-BR" smtClean="0"/>
               <a:pPr/>
-              <a:t>20/11/2019</a:t>
+              <a:t>16/12/2019</a:t>
             </a:fld>
             <a:endParaRPr lang="pt-BR"/>
           </a:p>
@@ -5999,7 +6650,7 @@
           <p:cNvPr id="2" name="Rectangle 1">
             <a:extLst>
               <a:ext uri="{FF2B5EF4-FFF2-40B4-BE49-F238E27FC236}">
-                <a16:creationId xmlns="" xmlns:a16="http://schemas.microsoft.com/office/drawing/2014/main" id="{4F38584F-66B2-464F-9BA7-6F9A856D602F}"/>
+                <a16:creationId xmlns:a16="http://schemas.microsoft.com/office/drawing/2014/main" xmlns="" id="{4F38584F-66B2-464F-9BA7-6F9A856D602F}"/>
               </a:ext>
             </a:extLst>
           </p:cNvPr>
@@ -6161,7 +6812,7 @@
           <p:cNvPr id="2" name="Rectangle 1">
             <a:extLst>
               <a:ext uri="{FF2B5EF4-FFF2-40B4-BE49-F238E27FC236}">
-                <a16:creationId xmlns="" xmlns:a16="http://schemas.microsoft.com/office/drawing/2014/main" id="{4F38584F-66B2-464F-9BA7-6F9A856D602F}"/>
+                <a16:creationId xmlns:a16="http://schemas.microsoft.com/office/drawing/2014/main" xmlns="" id="{4F38584F-66B2-464F-9BA7-6F9A856D602F}"/>
               </a:ext>
             </a:extLst>
           </p:cNvPr>
@@ -6237,7 +6888,7 @@
           <p:cNvPr id="15" name="Rectangle 14">
             <a:extLst>
               <a:ext uri="{FF2B5EF4-FFF2-40B4-BE49-F238E27FC236}">
-                <a16:creationId xmlns="" xmlns:a16="http://schemas.microsoft.com/office/drawing/2014/main" id="{88C45C25-BF1B-4018-8A33-8F627F02D4A4}"/>
+                <a16:creationId xmlns:a16="http://schemas.microsoft.com/office/drawing/2014/main" xmlns="" id="{88C45C25-BF1B-4018-8A33-8F627F02D4A4}"/>
               </a:ext>
             </a:extLst>
           </p:cNvPr>
@@ -6325,7 +6976,7 @@
           <p:cNvPr id="9" name="Rectangle 14">
             <a:extLst>
               <a:ext uri="{FF2B5EF4-FFF2-40B4-BE49-F238E27FC236}">
-                <a16:creationId xmlns="" xmlns:a16="http://schemas.microsoft.com/office/drawing/2014/main" id="{88C45C25-BF1B-4018-8A33-8F627F02D4A4}"/>
+                <a16:creationId xmlns:a16="http://schemas.microsoft.com/office/drawing/2014/main" xmlns="" id="{88C45C25-BF1B-4018-8A33-8F627F02D4A4}"/>
               </a:ext>
             </a:extLst>
           </p:cNvPr>
@@ -6413,7 +7064,7 @@
           <p:cNvPr id="10" name="Rectangle 14">
             <a:extLst>
               <a:ext uri="{FF2B5EF4-FFF2-40B4-BE49-F238E27FC236}">
-                <a16:creationId xmlns="" xmlns:a16="http://schemas.microsoft.com/office/drawing/2014/main" id="{88C45C25-BF1B-4018-8A33-8F627F02D4A4}"/>
+                <a16:creationId xmlns:a16="http://schemas.microsoft.com/office/drawing/2014/main" xmlns="" id="{88C45C25-BF1B-4018-8A33-8F627F02D4A4}"/>
               </a:ext>
             </a:extLst>
           </p:cNvPr>
@@ -6501,7 +7152,7 @@
           <p:cNvPr id="11" name="Rectangle 14">
             <a:extLst>
               <a:ext uri="{FF2B5EF4-FFF2-40B4-BE49-F238E27FC236}">
-                <a16:creationId xmlns="" xmlns:a16="http://schemas.microsoft.com/office/drawing/2014/main" id="{88C45C25-BF1B-4018-8A33-8F627F02D4A4}"/>
+                <a16:creationId xmlns:a16="http://schemas.microsoft.com/office/drawing/2014/main" xmlns="" id="{88C45C25-BF1B-4018-8A33-8F627F02D4A4}"/>
               </a:ext>
             </a:extLst>
           </p:cNvPr>
@@ -6633,7 +7284,7 @@
           <p:cNvPr id="2" name="Rectangle 1">
             <a:extLst>
               <a:ext uri="{FF2B5EF4-FFF2-40B4-BE49-F238E27FC236}">
-                <a16:creationId xmlns="" xmlns:a16="http://schemas.microsoft.com/office/drawing/2014/main" id="{4F38584F-66B2-464F-9BA7-6F9A856D602F}"/>
+                <a16:creationId xmlns:a16="http://schemas.microsoft.com/office/drawing/2014/main" xmlns="" id="{4F38584F-66B2-464F-9BA7-6F9A856D602F}"/>
               </a:ext>
             </a:extLst>
           </p:cNvPr>
@@ -6709,7 +7360,7 @@
           <p:cNvPr id="15" name="Rectangle 14">
             <a:extLst>
               <a:ext uri="{FF2B5EF4-FFF2-40B4-BE49-F238E27FC236}">
-                <a16:creationId xmlns="" xmlns:a16="http://schemas.microsoft.com/office/drawing/2014/main" id="{88C45C25-BF1B-4018-8A33-8F627F02D4A4}"/>
+                <a16:creationId xmlns:a16="http://schemas.microsoft.com/office/drawing/2014/main" xmlns="" id="{88C45C25-BF1B-4018-8A33-8F627F02D4A4}"/>
               </a:ext>
             </a:extLst>
           </p:cNvPr>
@@ -6787,7 +7438,7 @@
           <p:cNvPr id="9" name="Rectangle 14">
             <a:extLst>
               <a:ext uri="{FF2B5EF4-FFF2-40B4-BE49-F238E27FC236}">
-                <a16:creationId xmlns="" xmlns:a16="http://schemas.microsoft.com/office/drawing/2014/main" id="{88C45C25-BF1B-4018-8A33-8F627F02D4A4}"/>
+                <a16:creationId xmlns:a16="http://schemas.microsoft.com/office/drawing/2014/main" xmlns="" id="{88C45C25-BF1B-4018-8A33-8F627F02D4A4}"/>
               </a:ext>
             </a:extLst>
           </p:cNvPr>
@@ -6849,7 +7500,7 @@
           <p:cNvPr id="10" name="Rectangle 14">
             <a:extLst>
               <a:ext uri="{FF2B5EF4-FFF2-40B4-BE49-F238E27FC236}">
-                <a16:creationId xmlns="" xmlns:a16="http://schemas.microsoft.com/office/drawing/2014/main" id="{88C45C25-BF1B-4018-8A33-8F627F02D4A4}"/>
+                <a16:creationId xmlns:a16="http://schemas.microsoft.com/office/drawing/2014/main" xmlns="" id="{88C45C25-BF1B-4018-8A33-8F627F02D4A4}"/>
               </a:ext>
             </a:extLst>
           </p:cNvPr>
@@ -6937,7 +7588,7 @@
           <p:cNvPr id="11" name="Rectangle 14">
             <a:extLst>
               <a:ext uri="{FF2B5EF4-FFF2-40B4-BE49-F238E27FC236}">
-                <a16:creationId xmlns="" xmlns:a16="http://schemas.microsoft.com/office/drawing/2014/main" id="{88C45C25-BF1B-4018-8A33-8F627F02D4A4}"/>
+                <a16:creationId xmlns:a16="http://schemas.microsoft.com/office/drawing/2014/main" xmlns="" id="{88C45C25-BF1B-4018-8A33-8F627F02D4A4}"/>
               </a:ext>
             </a:extLst>
           </p:cNvPr>
@@ -7059,7 +7710,7 @@
           <p:cNvPr id="2" name="Rectangle 1">
             <a:extLst>
               <a:ext uri="{FF2B5EF4-FFF2-40B4-BE49-F238E27FC236}">
-                <a16:creationId xmlns="" xmlns:a16="http://schemas.microsoft.com/office/drawing/2014/main" id="{4F38584F-66B2-464F-9BA7-6F9A856D602F}"/>
+                <a16:creationId xmlns:a16="http://schemas.microsoft.com/office/drawing/2014/main" xmlns="" id="{4F38584F-66B2-464F-9BA7-6F9A856D602F}"/>
               </a:ext>
             </a:extLst>
           </p:cNvPr>
@@ -7115,7 +7766,7 @@
           <p:cNvPr id="15" name="Rectangle 14">
             <a:extLst>
               <a:ext uri="{FF2B5EF4-FFF2-40B4-BE49-F238E27FC236}">
-                <a16:creationId xmlns="" xmlns:a16="http://schemas.microsoft.com/office/drawing/2014/main" id="{88C45C25-BF1B-4018-8A33-8F627F02D4A4}"/>
+                <a16:creationId xmlns:a16="http://schemas.microsoft.com/office/drawing/2014/main" xmlns="" id="{88C45C25-BF1B-4018-8A33-8F627F02D4A4}"/>
               </a:ext>
             </a:extLst>
           </p:cNvPr>
@@ -7203,7 +7854,7 @@
           <p:cNvPr id="9" name="Rectangle 14">
             <a:extLst>
               <a:ext uri="{FF2B5EF4-FFF2-40B4-BE49-F238E27FC236}">
-                <a16:creationId xmlns="" xmlns:a16="http://schemas.microsoft.com/office/drawing/2014/main" id="{88C45C25-BF1B-4018-8A33-8F627F02D4A4}"/>
+                <a16:creationId xmlns:a16="http://schemas.microsoft.com/office/drawing/2014/main" xmlns="" id="{88C45C25-BF1B-4018-8A33-8F627F02D4A4}"/>
               </a:ext>
             </a:extLst>
           </p:cNvPr>
@@ -7291,7 +7942,7 @@
           <p:cNvPr id="10" name="Rectangle 14">
             <a:extLst>
               <a:ext uri="{FF2B5EF4-FFF2-40B4-BE49-F238E27FC236}">
-                <a16:creationId xmlns="" xmlns:a16="http://schemas.microsoft.com/office/drawing/2014/main" id="{88C45C25-BF1B-4018-8A33-8F627F02D4A4}"/>
+                <a16:creationId xmlns:a16="http://schemas.microsoft.com/office/drawing/2014/main" xmlns="" id="{88C45C25-BF1B-4018-8A33-8F627F02D4A4}"/>
               </a:ext>
             </a:extLst>
           </p:cNvPr>
@@ -7379,7 +8030,7 @@
           <p:cNvPr id="11" name="Rectangle 14">
             <a:extLst>
               <a:ext uri="{FF2B5EF4-FFF2-40B4-BE49-F238E27FC236}">
-                <a16:creationId xmlns="" xmlns:a16="http://schemas.microsoft.com/office/drawing/2014/main" id="{88C45C25-BF1B-4018-8A33-8F627F02D4A4}"/>
+                <a16:creationId xmlns:a16="http://schemas.microsoft.com/office/drawing/2014/main" xmlns="" id="{88C45C25-BF1B-4018-8A33-8F627F02D4A4}"/>
               </a:ext>
             </a:extLst>
           </p:cNvPr>
@@ -7511,7 +8162,7 @@
           <p:cNvPr id="2" name="Rectangle 1">
             <a:extLst>
               <a:ext uri="{FF2B5EF4-FFF2-40B4-BE49-F238E27FC236}">
-                <a16:creationId xmlns="" xmlns:a16="http://schemas.microsoft.com/office/drawing/2014/main" id="{4F38584F-66B2-464F-9BA7-6F9A856D602F}"/>
+                <a16:creationId xmlns:a16="http://schemas.microsoft.com/office/drawing/2014/main" xmlns="" id="{4F38584F-66B2-464F-9BA7-6F9A856D602F}"/>
               </a:ext>
             </a:extLst>
           </p:cNvPr>
@@ -7567,7 +8218,7 @@
           <p:cNvPr id="15" name="Rectangle 14">
             <a:extLst>
               <a:ext uri="{FF2B5EF4-FFF2-40B4-BE49-F238E27FC236}">
-                <a16:creationId xmlns="" xmlns:a16="http://schemas.microsoft.com/office/drawing/2014/main" id="{88C45C25-BF1B-4018-8A33-8F627F02D4A4}"/>
+                <a16:creationId xmlns:a16="http://schemas.microsoft.com/office/drawing/2014/main" xmlns="" id="{88C45C25-BF1B-4018-8A33-8F627F02D4A4}"/>
               </a:ext>
             </a:extLst>
           </p:cNvPr>
@@ -7655,7 +8306,7 @@
           <p:cNvPr id="9" name="Rectangle 14">
             <a:extLst>
               <a:ext uri="{FF2B5EF4-FFF2-40B4-BE49-F238E27FC236}">
-                <a16:creationId xmlns="" xmlns:a16="http://schemas.microsoft.com/office/drawing/2014/main" id="{88C45C25-BF1B-4018-8A33-8F627F02D4A4}"/>
+                <a16:creationId xmlns:a16="http://schemas.microsoft.com/office/drawing/2014/main" xmlns="" id="{88C45C25-BF1B-4018-8A33-8F627F02D4A4}"/>
               </a:ext>
             </a:extLst>
           </p:cNvPr>
@@ -7733,7 +8384,7 @@
           <p:cNvPr id="10" name="Rectangle 14">
             <a:extLst>
               <a:ext uri="{FF2B5EF4-FFF2-40B4-BE49-F238E27FC236}">
-                <a16:creationId xmlns="" xmlns:a16="http://schemas.microsoft.com/office/drawing/2014/main" id="{88C45C25-BF1B-4018-8A33-8F627F02D4A4}"/>
+                <a16:creationId xmlns:a16="http://schemas.microsoft.com/office/drawing/2014/main" xmlns="" id="{88C45C25-BF1B-4018-8A33-8F627F02D4A4}"/>
               </a:ext>
             </a:extLst>
           </p:cNvPr>
@@ -7811,7 +8462,7 @@
           <p:cNvPr id="11" name="Rectangle 14">
             <a:extLst>
               <a:ext uri="{FF2B5EF4-FFF2-40B4-BE49-F238E27FC236}">
-                <a16:creationId xmlns="" xmlns:a16="http://schemas.microsoft.com/office/drawing/2014/main" id="{88C45C25-BF1B-4018-8A33-8F627F02D4A4}"/>
+                <a16:creationId xmlns:a16="http://schemas.microsoft.com/office/drawing/2014/main" xmlns="" id="{88C45C25-BF1B-4018-8A33-8F627F02D4A4}"/>
               </a:ext>
             </a:extLst>
           </p:cNvPr>
@@ -7933,7 +8584,7 @@
           <p:cNvPr id="2" name="Rectangle 1">
             <a:extLst>
               <a:ext uri="{FF2B5EF4-FFF2-40B4-BE49-F238E27FC236}">
-                <a16:creationId xmlns="" xmlns:a16="http://schemas.microsoft.com/office/drawing/2014/main" id="{4F38584F-66B2-464F-9BA7-6F9A856D602F}"/>
+                <a16:creationId xmlns:a16="http://schemas.microsoft.com/office/drawing/2014/main" xmlns="" id="{4F38584F-66B2-464F-9BA7-6F9A856D602F}"/>
               </a:ext>
             </a:extLst>
           </p:cNvPr>
@@ -7989,7 +8640,7 @@
           <p:cNvPr id="15" name="Rectangle 14">
             <a:extLst>
               <a:ext uri="{FF2B5EF4-FFF2-40B4-BE49-F238E27FC236}">
-                <a16:creationId xmlns="" xmlns:a16="http://schemas.microsoft.com/office/drawing/2014/main" id="{88C45C25-BF1B-4018-8A33-8F627F02D4A4}"/>
+                <a16:creationId xmlns:a16="http://schemas.microsoft.com/office/drawing/2014/main" xmlns="" id="{88C45C25-BF1B-4018-8A33-8F627F02D4A4}"/>
               </a:ext>
             </a:extLst>
           </p:cNvPr>
@@ -8077,7 +8728,7 @@
           <p:cNvPr id="9" name="Rectangle 14">
             <a:extLst>
               <a:ext uri="{FF2B5EF4-FFF2-40B4-BE49-F238E27FC236}">
-                <a16:creationId xmlns="" xmlns:a16="http://schemas.microsoft.com/office/drawing/2014/main" id="{88C45C25-BF1B-4018-8A33-8F627F02D4A4}"/>
+                <a16:creationId xmlns:a16="http://schemas.microsoft.com/office/drawing/2014/main" xmlns="" id="{88C45C25-BF1B-4018-8A33-8F627F02D4A4}"/>
               </a:ext>
             </a:extLst>
           </p:cNvPr>
@@ -8165,7 +8816,7 @@
           <p:cNvPr id="10" name="Rectangle 14">
             <a:extLst>
               <a:ext uri="{FF2B5EF4-FFF2-40B4-BE49-F238E27FC236}">
-                <a16:creationId xmlns="" xmlns:a16="http://schemas.microsoft.com/office/drawing/2014/main" id="{88C45C25-BF1B-4018-8A33-8F627F02D4A4}"/>
+                <a16:creationId xmlns:a16="http://schemas.microsoft.com/office/drawing/2014/main" xmlns="" id="{88C45C25-BF1B-4018-8A33-8F627F02D4A4}"/>
               </a:ext>
             </a:extLst>
           </p:cNvPr>
@@ -8253,7 +8904,7 @@
           <p:cNvPr id="11" name="Rectangle 14">
             <a:extLst>
               <a:ext uri="{FF2B5EF4-FFF2-40B4-BE49-F238E27FC236}">
-                <a16:creationId xmlns="" xmlns:a16="http://schemas.microsoft.com/office/drawing/2014/main" id="{88C45C25-BF1B-4018-8A33-8F627F02D4A4}"/>
+                <a16:creationId xmlns:a16="http://schemas.microsoft.com/office/drawing/2014/main" xmlns="" id="{88C45C25-BF1B-4018-8A33-8F627F02D4A4}"/>
               </a:ext>
             </a:extLst>
           </p:cNvPr>
@@ -8385,7 +9036,7 @@
           <p:cNvPr id="2" name="Rectangle 1">
             <a:extLst>
               <a:ext uri="{FF2B5EF4-FFF2-40B4-BE49-F238E27FC236}">
-                <a16:creationId xmlns="" xmlns:a16="http://schemas.microsoft.com/office/drawing/2014/main" id="{4F38584F-66B2-464F-9BA7-6F9A856D602F}"/>
+                <a16:creationId xmlns:a16="http://schemas.microsoft.com/office/drawing/2014/main" xmlns="" id="{4F38584F-66B2-464F-9BA7-6F9A856D602F}"/>
               </a:ext>
             </a:extLst>
           </p:cNvPr>
@@ -8441,7 +9092,7 @@
           <p:cNvPr id="15" name="Rectangle 14">
             <a:extLst>
               <a:ext uri="{FF2B5EF4-FFF2-40B4-BE49-F238E27FC236}">
-                <a16:creationId xmlns="" xmlns:a16="http://schemas.microsoft.com/office/drawing/2014/main" id="{88C45C25-BF1B-4018-8A33-8F627F02D4A4}"/>
+                <a16:creationId xmlns:a16="http://schemas.microsoft.com/office/drawing/2014/main" xmlns="" id="{88C45C25-BF1B-4018-8A33-8F627F02D4A4}"/>
               </a:ext>
             </a:extLst>
           </p:cNvPr>
@@ -8529,7 +9180,7 @@
           <p:cNvPr id="9" name="Rectangle 14">
             <a:extLst>
               <a:ext uri="{FF2B5EF4-FFF2-40B4-BE49-F238E27FC236}">
-                <a16:creationId xmlns="" xmlns:a16="http://schemas.microsoft.com/office/drawing/2014/main" id="{88C45C25-BF1B-4018-8A33-8F627F02D4A4}"/>
+                <a16:creationId xmlns:a16="http://schemas.microsoft.com/office/drawing/2014/main" xmlns="" id="{88C45C25-BF1B-4018-8A33-8F627F02D4A4}"/>
               </a:ext>
             </a:extLst>
           </p:cNvPr>
@@ -8591,7 +9242,7 @@
           <p:cNvPr id="10" name="Rectangle 14">
             <a:extLst>
               <a:ext uri="{FF2B5EF4-FFF2-40B4-BE49-F238E27FC236}">
-                <a16:creationId xmlns="" xmlns:a16="http://schemas.microsoft.com/office/drawing/2014/main" id="{88C45C25-BF1B-4018-8A33-8F627F02D4A4}"/>
+                <a16:creationId xmlns:a16="http://schemas.microsoft.com/office/drawing/2014/main" xmlns="" id="{88C45C25-BF1B-4018-8A33-8F627F02D4A4}"/>
               </a:ext>
             </a:extLst>
           </p:cNvPr>
@@ -8669,7 +9320,7 @@
           <p:cNvPr id="11" name="Rectangle 14">
             <a:extLst>
               <a:ext uri="{FF2B5EF4-FFF2-40B4-BE49-F238E27FC236}">
-                <a16:creationId xmlns="" xmlns:a16="http://schemas.microsoft.com/office/drawing/2014/main" id="{88C45C25-BF1B-4018-8A33-8F627F02D4A4}"/>
+                <a16:creationId xmlns:a16="http://schemas.microsoft.com/office/drawing/2014/main" xmlns="" id="{88C45C25-BF1B-4018-8A33-8F627F02D4A4}"/>
               </a:ext>
             </a:extLst>
           </p:cNvPr>
@@ -8791,7 +9442,7 @@
           <p:cNvPr id="2" name="Rectangle 1">
             <a:extLst>
               <a:ext uri="{FF2B5EF4-FFF2-40B4-BE49-F238E27FC236}">
-                <a16:creationId xmlns="" xmlns:a16="http://schemas.microsoft.com/office/drawing/2014/main" id="{4F38584F-66B2-464F-9BA7-6F9A856D602F}"/>
+                <a16:creationId xmlns:a16="http://schemas.microsoft.com/office/drawing/2014/main" xmlns="" id="{4F38584F-66B2-464F-9BA7-6F9A856D602F}"/>
               </a:ext>
             </a:extLst>
           </p:cNvPr>
@@ -8847,7 +9498,7 @@
           <p:cNvPr id="15" name="Rectangle 14">
             <a:extLst>
               <a:ext uri="{FF2B5EF4-FFF2-40B4-BE49-F238E27FC236}">
-                <a16:creationId xmlns="" xmlns:a16="http://schemas.microsoft.com/office/drawing/2014/main" id="{88C45C25-BF1B-4018-8A33-8F627F02D4A4}"/>
+                <a16:creationId xmlns:a16="http://schemas.microsoft.com/office/drawing/2014/main" xmlns="" id="{88C45C25-BF1B-4018-8A33-8F627F02D4A4}"/>
               </a:ext>
             </a:extLst>
           </p:cNvPr>
@@ -8935,7 +9586,7 @@
           <p:cNvPr id="9" name="Rectangle 14">
             <a:extLst>
               <a:ext uri="{FF2B5EF4-FFF2-40B4-BE49-F238E27FC236}">
-                <a16:creationId xmlns="" xmlns:a16="http://schemas.microsoft.com/office/drawing/2014/main" id="{88C45C25-BF1B-4018-8A33-8F627F02D4A4}"/>
+                <a16:creationId xmlns:a16="http://schemas.microsoft.com/office/drawing/2014/main" xmlns="" id="{88C45C25-BF1B-4018-8A33-8F627F02D4A4}"/>
               </a:ext>
             </a:extLst>
           </p:cNvPr>
@@ -9023,7 +9674,7 @@
           <p:cNvPr id="10" name="Rectangle 14">
             <a:extLst>
               <a:ext uri="{FF2B5EF4-FFF2-40B4-BE49-F238E27FC236}">
-                <a16:creationId xmlns="" xmlns:a16="http://schemas.microsoft.com/office/drawing/2014/main" id="{88C45C25-BF1B-4018-8A33-8F627F02D4A4}"/>
+                <a16:creationId xmlns:a16="http://schemas.microsoft.com/office/drawing/2014/main" xmlns="" id="{88C45C25-BF1B-4018-8A33-8F627F02D4A4}"/>
               </a:ext>
             </a:extLst>
           </p:cNvPr>
@@ -9111,7 +9762,7 @@
           <p:cNvPr id="11" name="Rectangle 14">
             <a:extLst>
               <a:ext uri="{FF2B5EF4-FFF2-40B4-BE49-F238E27FC236}">
-                <a16:creationId xmlns="" xmlns:a16="http://schemas.microsoft.com/office/drawing/2014/main" id="{88C45C25-BF1B-4018-8A33-8F627F02D4A4}"/>
+                <a16:creationId xmlns:a16="http://schemas.microsoft.com/office/drawing/2014/main" xmlns="" id="{88C45C25-BF1B-4018-8A33-8F627F02D4A4}"/>
               </a:ext>
             </a:extLst>
           </p:cNvPr>
@@ -9243,7 +9894,7 @@
           <p:cNvPr id="2" name="Rectangle 1">
             <a:extLst>
               <a:ext uri="{FF2B5EF4-FFF2-40B4-BE49-F238E27FC236}">
-                <a16:creationId xmlns="" xmlns:a16="http://schemas.microsoft.com/office/drawing/2014/main" id="{4F38584F-66B2-464F-9BA7-6F9A856D602F}"/>
+                <a16:creationId xmlns:a16="http://schemas.microsoft.com/office/drawing/2014/main" xmlns="" id="{4F38584F-66B2-464F-9BA7-6F9A856D602F}"/>
               </a:ext>
             </a:extLst>
           </p:cNvPr>
@@ -9299,7 +9950,7 @@
           <p:cNvPr id="15" name="Rectangle 14">
             <a:extLst>
               <a:ext uri="{FF2B5EF4-FFF2-40B4-BE49-F238E27FC236}">
-                <a16:creationId xmlns="" xmlns:a16="http://schemas.microsoft.com/office/drawing/2014/main" id="{88C45C25-BF1B-4018-8A33-8F627F02D4A4}"/>
+                <a16:creationId xmlns:a16="http://schemas.microsoft.com/office/drawing/2014/main" xmlns="" id="{88C45C25-BF1B-4018-8A33-8F627F02D4A4}"/>
               </a:ext>
             </a:extLst>
           </p:cNvPr>
@@ -9387,7 +10038,7 @@
           <p:cNvPr id="9" name="Rectangle 14">
             <a:extLst>
               <a:ext uri="{FF2B5EF4-FFF2-40B4-BE49-F238E27FC236}">
-                <a16:creationId xmlns="" xmlns:a16="http://schemas.microsoft.com/office/drawing/2014/main" id="{88C45C25-BF1B-4018-8A33-8F627F02D4A4}"/>
+                <a16:creationId xmlns:a16="http://schemas.microsoft.com/office/drawing/2014/main" xmlns="" id="{88C45C25-BF1B-4018-8A33-8F627F02D4A4}"/>
               </a:ext>
             </a:extLst>
           </p:cNvPr>
@@ -9449,7 +10100,7 @@
           <p:cNvPr id="10" name="Rectangle 14">
             <a:extLst>
               <a:ext uri="{FF2B5EF4-FFF2-40B4-BE49-F238E27FC236}">
-                <a16:creationId xmlns="" xmlns:a16="http://schemas.microsoft.com/office/drawing/2014/main" id="{88C45C25-BF1B-4018-8A33-8F627F02D4A4}"/>
+                <a16:creationId xmlns:a16="http://schemas.microsoft.com/office/drawing/2014/main" xmlns="" id="{88C45C25-BF1B-4018-8A33-8F627F02D4A4}"/>
               </a:ext>
             </a:extLst>
           </p:cNvPr>
@@ -9527,7 +10178,7 @@
           <p:cNvPr id="11" name="Rectangle 14">
             <a:extLst>
               <a:ext uri="{FF2B5EF4-FFF2-40B4-BE49-F238E27FC236}">
-                <a16:creationId xmlns="" xmlns:a16="http://schemas.microsoft.com/office/drawing/2014/main" id="{88C45C25-BF1B-4018-8A33-8F627F02D4A4}"/>
+                <a16:creationId xmlns:a16="http://schemas.microsoft.com/office/drawing/2014/main" xmlns="" id="{88C45C25-BF1B-4018-8A33-8F627F02D4A4}"/>
               </a:ext>
             </a:extLst>
           </p:cNvPr>
@@ -9649,7 +10300,7 @@
           <p:cNvPr id="2" name="Rectangle 1">
             <a:extLst>
               <a:ext uri="{FF2B5EF4-FFF2-40B4-BE49-F238E27FC236}">
-                <a16:creationId xmlns="" xmlns:a16="http://schemas.microsoft.com/office/drawing/2014/main" id="{4F38584F-66B2-464F-9BA7-6F9A856D602F}"/>
+                <a16:creationId xmlns:a16="http://schemas.microsoft.com/office/drawing/2014/main" xmlns="" id="{4F38584F-66B2-464F-9BA7-6F9A856D602F}"/>
               </a:ext>
             </a:extLst>
           </p:cNvPr>
@@ -9705,7 +10356,7 @@
           <p:cNvPr id="15" name="Rectangle 14">
             <a:extLst>
               <a:ext uri="{FF2B5EF4-FFF2-40B4-BE49-F238E27FC236}">
-                <a16:creationId xmlns="" xmlns:a16="http://schemas.microsoft.com/office/drawing/2014/main" id="{88C45C25-BF1B-4018-8A33-8F627F02D4A4}"/>
+                <a16:creationId xmlns:a16="http://schemas.microsoft.com/office/drawing/2014/main" xmlns="" id="{88C45C25-BF1B-4018-8A33-8F627F02D4A4}"/>
               </a:ext>
             </a:extLst>
           </p:cNvPr>
@@ -9793,7 +10444,7 @@
           <p:cNvPr id="9" name="Rectangle 14">
             <a:extLst>
               <a:ext uri="{FF2B5EF4-FFF2-40B4-BE49-F238E27FC236}">
-                <a16:creationId xmlns="" xmlns:a16="http://schemas.microsoft.com/office/drawing/2014/main" id="{88C45C25-BF1B-4018-8A33-8F627F02D4A4}"/>
+                <a16:creationId xmlns:a16="http://schemas.microsoft.com/office/drawing/2014/main" xmlns="" id="{88C45C25-BF1B-4018-8A33-8F627F02D4A4}"/>
               </a:ext>
             </a:extLst>
           </p:cNvPr>
@@ -9881,7 +10532,7 @@
           <p:cNvPr id="10" name="Rectangle 14">
             <a:extLst>
               <a:ext uri="{FF2B5EF4-FFF2-40B4-BE49-F238E27FC236}">
-                <a16:creationId xmlns="" xmlns:a16="http://schemas.microsoft.com/office/drawing/2014/main" id="{88C45C25-BF1B-4018-8A33-8F627F02D4A4}"/>
+                <a16:creationId xmlns:a16="http://schemas.microsoft.com/office/drawing/2014/main" xmlns="" id="{88C45C25-BF1B-4018-8A33-8F627F02D4A4}"/>
               </a:ext>
             </a:extLst>
           </p:cNvPr>
@@ -9969,7 +10620,7 @@
           <p:cNvPr id="11" name="Rectangle 14">
             <a:extLst>
               <a:ext uri="{FF2B5EF4-FFF2-40B4-BE49-F238E27FC236}">
-                <a16:creationId xmlns="" xmlns:a16="http://schemas.microsoft.com/office/drawing/2014/main" id="{88C45C25-BF1B-4018-8A33-8F627F02D4A4}"/>
+                <a16:creationId xmlns:a16="http://schemas.microsoft.com/office/drawing/2014/main" xmlns="" id="{88C45C25-BF1B-4018-8A33-8F627F02D4A4}"/>
               </a:ext>
             </a:extLst>
           </p:cNvPr>
@@ -10101,7 +10752,7 @@
           <p:cNvPr id="2" name="Rectangle 1">
             <a:extLst>
               <a:ext uri="{FF2B5EF4-FFF2-40B4-BE49-F238E27FC236}">
-                <a16:creationId xmlns="" xmlns:a16="http://schemas.microsoft.com/office/drawing/2014/main" id="{4F38584F-66B2-464F-9BA7-6F9A856D602F}"/>
+                <a16:creationId xmlns:a16="http://schemas.microsoft.com/office/drawing/2014/main" xmlns="" id="{4F38584F-66B2-464F-9BA7-6F9A856D602F}"/>
               </a:ext>
             </a:extLst>
           </p:cNvPr>
@@ -10157,7 +10808,7 @@
           <p:cNvPr id="15" name="Rectangle 14">
             <a:extLst>
               <a:ext uri="{FF2B5EF4-FFF2-40B4-BE49-F238E27FC236}">
-                <a16:creationId xmlns="" xmlns:a16="http://schemas.microsoft.com/office/drawing/2014/main" id="{88C45C25-BF1B-4018-8A33-8F627F02D4A4}"/>
+                <a16:creationId xmlns:a16="http://schemas.microsoft.com/office/drawing/2014/main" xmlns="" id="{88C45C25-BF1B-4018-8A33-8F627F02D4A4}"/>
               </a:ext>
             </a:extLst>
           </p:cNvPr>
@@ -10245,7 +10896,7 @@
           <p:cNvPr id="9" name="Rectangle 14">
             <a:extLst>
               <a:ext uri="{FF2B5EF4-FFF2-40B4-BE49-F238E27FC236}">
-                <a16:creationId xmlns="" xmlns:a16="http://schemas.microsoft.com/office/drawing/2014/main" id="{88C45C25-BF1B-4018-8A33-8F627F02D4A4}"/>
+                <a16:creationId xmlns:a16="http://schemas.microsoft.com/office/drawing/2014/main" xmlns="" id="{88C45C25-BF1B-4018-8A33-8F627F02D4A4}"/>
               </a:ext>
             </a:extLst>
           </p:cNvPr>
@@ -10307,7 +10958,7 @@
           <p:cNvPr id="10" name="Rectangle 14">
             <a:extLst>
               <a:ext uri="{FF2B5EF4-FFF2-40B4-BE49-F238E27FC236}">
-                <a16:creationId xmlns="" xmlns:a16="http://schemas.microsoft.com/office/drawing/2014/main" id="{88C45C25-BF1B-4018-8A33-8F627F02D4A4}"/>
+                <a16:creationId xmlns:a16="http://schemas.microsoft.com/office/drawing/2014/main" xmlns="" id="{88C45C25-BF1B-4018-8A33-8F627F02D4A4}"/>
               </a:ext>
             </a:extLst>
           </p:cNvPr>
@@ -10385,7 +11036,7 @@
           <p:cNvPr id="11" name="Rectangle 14">
             <a:extLst>
               <a:ext uri="{FF2B5EF4-FFF2-40B4-BE49-F238E27FC236}">
-                <a16:creationId xmlns="" xmlns:a16="http://schemas.microsoft.com/office/drawing/2014/main" id="{88C45C25-BF1B-4018-8A33-8F627F02D4A4}"/>
+                <a16:creationId xmlns:a16="http://schemas.microsoft.com/office/drawing/2014/main" xmlns="" id="{88C45C25-BF1B-4018-8A33-8F627F02D4A4}"/>
               </a:ext>
             </a:extLst>
           </p:cNvPr>
@@ -10507,7 +11158,7 @@
           <p:cNvPr id="2" name="Rectangle 1">
             <a:extLst>
               <a:ext uri="{FF2B5EF4-FFF2-40B4-BE49-F238E27FC236}">
-                <a16:creationId xmlns="" xmlns:a16="http://schemas.microsoft.com/office/drawing/2014/main" id="{4F38584F-66B2-464F-9BA7-6F9A856D602F}"/>
+                <a16:creationId xmlns:a16="http://schemas.microsoft.com/office/drawing/2014/main" xmlns="" id="{4F38584F-66B2-464F-9BA7-6F9A856D602F}"/>
               </a:ext>
             </a:extLst>
           </p:cNvPr>
@@ -10583,7 +11234,7 @@
           <p:cNvPr id="15" name="Rectangle 14">
             <a:extLst>
               <a:ext uri="{FF2B5EF4-FFF2-40B4-BE49-F238E27FC236}">
-                <a16:creationId xmlns="" xmlns:a16="http://schemas.microsoft.com/office/drawing/2014/main" id="{88C45C25-BF1B-4018-8A33-8F627F02D4A4}"/>
+                <a16:creationId xmlns:a16="http://schemas.microsoft.com/office/drawing/2014/main" xmlns="" id="{88C45C25-BF1B-4018-8A33-8F627F02D4A4}"/>
               </a:ext>
             </a:extLst>
           </p:cNvPr>
@@ -10681,7 +11332,7 @@
           <p:cNvPr id="9" name="Rectangle 14">
             <a:extLst>
               <a:ext uri="{FF2B5EF4-FFF2-40B4-BE49-F238E27FC236}">
-                <a16:creationId xmlns="" xmlns:a16="http://schemas.microsoft.com/office/drawing/2014/main" id="{88C45C25-BF1B-4018-8A33-8F627F02D4A4}"/>
+                <a16:creationId xmlns:a16="http://schemas.microsoft.com/office/drawing/2014/main" xmlns="" id="{88C45C25-BF1B-4018-8A33-8F627F02D4A4}"/>
               </a:ext>
             </a:extLst>
           </p:cNvPr>
@@ -10769,7 +11420,7 @@
           <p:cNvPr id="10" name="Rectangle 14">
             <a:extLst>
               <a:ext uri="{FF2B5EF4-FFF2-40B4-BE49-F238E27FC236}">
-                <a16:creationId xmlns="" xmlns:a16="http://schemas.microsoft.com/office/drawing/2014/main" id="{88C45C25-BF1B-4018-8A33-8F627F02D4A4}"/>
+                <a16:creationId xmlns:a16="http://schemas.microsoft.com/office/drawing/2014/main" xmlns="" id="{88C45C25-BF1B-4018-8A33-8F627F02D4A4}"/>
               </a:ext>
             </a:extLst>
           </p:cNvPr>
@@ -10857,7 +11508,7 @@
           <p:cNvPr id="11" name="Rectangle 14">
             <a:extLst>
               <a:ext uri="{FF2B5EF4-FFF2-40B4-BE49-F238E27FC236}">
-                <a16:creationId xmlns="" xmlns:a16="http://schemas.microsoft.com/office/drawing/2014/main" id="{88C45C25-BF1B-4018-8A33-8F627F02D4A4}"/>
+                <a16:creationId xmlns:a16="http://schemas.microsoft.com/office/drawing/2014/main" xmlns="" id="{88C45C25-BF1B-4018-8A33-8F627F02D4A4}"/>
               </a:ext>
             </a:extLst>
           </p:cNvPr>
@@ -11071,7 +11722,7 @@
           <p:cNvPr id="2" name="Rectangle 1">
             <a:extLst>
               <a:ext uri="{FF2B5EF4-FFF2-40B4-BE49-F238E27FC236}">
-                <a16:creationId xmlns="" xmlns:a16="http://schemas.microsoft.com/office/drawing/2014/main" id="{4F38584F-66B2-464F-9BA7-6F9A856D602F}"/>
+                <a16:creationId xmlns:a16="http://schemas.microsoft.com/office/drawing/2014/main" xmlns="" id="{4F38584F-66B2-464F-9BA7-6F9A856D602F}"/>
               </a:ext>
             </a:extLst>
           </p:cNvPr>
@@ -11127,7 +11778,7 @@
           <p:cNvPr id="15" name="Rectangle 14">
             <a:extLst>
               <a:ext uri="{FF2B5EF4-FFF2-40B4-BE49-F238E27FC236}">
-                <a16:creationId xmlns="" xmlns:a16="http://schemas.microsoft.com/office/drawing/2014/main" id="{88C45C25-BF1B-4018-8A33-8F627F02D4A4}"/>
+                <a16:creationId xmlns:a16="http://schemas.microsoft.com/office/drawing/2014/main" xmlns="" id="{88C45C25-BF1B-4018-8A33-8F627F02D4A4}"/>
               </a:ext>
             </a:extLst>
           </p:cNvPr>
@@ -11215,7 +11866,7 @@
           <p:cNvPr id="9" name="Rectangle 14">
             <a:extLst>
               <a:ext uri="{FF2B5EF4-FFF2-40B4-BE49-F238E27FC236}">
-                <a16:creationId xmlns="" xmlns:a16="http://schemas.microsoft.com/office/drawing/2014/main" id="{88C45C25-BF1B-4018-8A33-8F627F02D4A4}"/>
+                <a16:creationId xmlns:a16="http://schemas.microsoft.com/office/drawing/2014/main" xmlns="" id="{88C45C25-BF1B-4018-8A33-8F627F02D4A4}"/>
               </a:ext>
             </a:extLst>
           </p:cNvPr>
@@ -11303,7 +11954,7 @@
           <p:cNvPr id="10" name="Rectangle 14">
             <a:extLst>
               <a:ext uri="{FF2B5EF4-FFF2-40B4-BE49-F238E27FC236}">
-                <a16:creationId xmlns="" xmlns:a16="http://schemas.microsoft.com/office/drawing/2014/main" id="{88C45C25-BF1B-4018-8A33-8F627F02D4A4}"/>
+                <a16:creationId xmlns:a16="http://schemas.microsoft.com/office/drawing/2014/main" xmlns="" id="{88C45C25-BF1B-4018-8A33-8F627F02D4A4}"/>
               </a:ext>
             </a:extLst>
           </p:cNvPr>
@@ -11391,7 +12042,7 @@
           <p:cNvPr id="11" name="Rectangle 14">
             <a:extLst>
               <a:ext uri="{FF2B5EF4-FFF2-40B4-BE49-F238E27FC236}">
-                <a16:creationId xmlns="" xmlns:a16="http://schemas.microsoft.com/office/drawing/2014/main" id="{88C45C25-BF1B-4018-8A33-8F627F02D4A4}"/>
+                <a16:creationId xmlns:a16="http://schemas.microsoft.com/office/drawing/2014/main" xmlns="" id="{88C45C25-BF1B-4018-8A33-8F627F02D4A4}"/>
               </a:ext>
             </a:extLst>
           </p:cNvPr>
@@ -11523,7 +12174,7 @@
           <p:cNvPr id="2" name="Rectangle 1">
             <a:extLst>
               <a:ext uri="{FF2B5EF4-FFF2-40B4-BE49-F238E27FC236}">
-                <a16:creationId xmlns="" xmlns:a16="http://schemas.microsoft.com/office/drawing/2014/main" id="{4F38584F-66B2-464F-9BA7-6F9A856D602F}"/>
+                <a16:creationId xmlns:a16="http://schemas.microsoft.com/office/drawing/2014/main" xmlns="" id="{4F38584F-66B2-464F-9BA7-6F9A856D602F}"/>
               </a:ext>
             </a:extLst>
           </p:cNvPr>
@@ -11579,7 +12230,7 @@
           <p:cNvPr id="15" name="Rectangle 14">
             <a:extLst>
               <a:ext uri="{FF2B5EF4-FFF2-40B4-BE49-F238E27FC236}">
-                <a16:creationId xmlns="" xmlns:a16="http://schemas.microsoft.com/office/drawing/2014/main" id="{88C45C25-BF1B-4018-8A33-8F627F02D4A4}"/>
+                <a16:creationId xmlns:a16="http://schemas.microsoft.com/office/drawing/2014/main" xmlns="" id="{88C45C25-BF1B-4018-8A33-8F627F02D4A4}"/>
               </a:ext>
             </a:extLst>
           </p:cNvPr>
@@ -11667,7 +12318,7 @@
           <p:cNvPr id="9" name="Rectangle 14">
             <a:extLst>
               <a:ext uri="{FF2B5EF4-FFF2-40B4-BE49-F238E27FC236}">
-                <a16:creationId xmlns="" xmlns:a16="http://schemas.microsoft.com/office/drawing/2014/main" id="{88C45C25-BF1B-4018-8A33-8F627F02D4A4}"/>
+                <a16:creationId xmlns:a16="http://schemas.microsoft.com/office/drawing/2014/main" xmlns="" id="{88C45C25-BF1B-4018-8A33-8F627F02D4A4}"/>
               </a:ext>
             </a:extLst>
           </p:cNvPr>
@@ -11729,7 +12380,7 @@
           <p:cNvPr id="10" name="Rectangle 14">
             <a:extLst>
               <a:ext uri="{FF2B5EF4-FFF2-40B4-BE49-F238E27FC236}">
-                <a16:creationId xmlns="" xmlns:a16="http://schemas.microsoft.com/office/drawing/2014/main" id="{88C45C25-BF1B-4018-8A33-8F627F02D4A4}"/>
+                <a16:creationId xmlns:a16="http://schemas.microsoft.com/office/drawing/2014/main" xmlns="" id="{88C45C25-BF1B-4018-8A33-8F627F02D4A4}"/>
               </a:ext>
             </a:extLst>
           </p:cNvPr>
@@ -11807,7 +12458,7 @@
           <p:cNvPr id="11" name="Rectangle 14">
             <a:extLst>
               <a:ext uri="{FF2B5EF4-FFF2-40B4-BE49-F238E27FC236}">
-                <a16:creationId xmlns="" xmlns:a16="http://schemas.microsoft.com/office/drawing/2014/main" id="{88C45C25-BF1B-4018-8A33-8F627F02D4A4}"/>
+                <a16:creationId xmlns:a16="http://schemas.microsoft.com/office/drawing/2014/main" xmlns="" id="{88C45C25-BF1B-4018-8A33-8F627F02D4A4}"/>
               </a:ext>
             </a:extLst>
           </p:cNvPr>
@@ -11929,7 +12580,7 @@
           <p:cNvPr id="2" name="Rectangle 1">
             <a:extLst>
               <a:ext uri="{FF2B5EF4-FFF2-40B4-BE49-F238E27FC236}">
-                <a16:creationId xmlns="" xmlns:a16="http://schemas.microsoft.com/office/drawing/2014/main" id="{4F38584F-66B2-464F-9BA7-6F9A856D602F}"/>
+                <a16:creationId xmlns:a16="http://schemas.microsoft.com/office/drawing/2014/main" xmlns="" id="{4F38584F-66B2-464F-9BA7-6F9A856D602F}"/>
               </a:ext>
             </a:extLst>
           </p:cNvPr>
@@ -11985,7 +12636,7 @@
           <p:cNvPr id="15" name="Rectangle 14">
             <a:extLst>
               <a:ext uri="{FF2B5EF4-FFF2-40B4-BE49-F238E27FC236}">
-                <a16:creationId xmlns="" xmlns:a16="http://schemas.microsoft.com/office/drawing/2014/main" id="{88C45C25-BF1B-4018-8A33-8F627F02D4A4}"/>
+                <a16:creationId xmlns:a16="http://schemas.microsoft.com/office/drawing/2014/main" xmlns="" id="{88C45C25-BF1B-4018-8A33-8F627F02D4A4}"/>
               </a:ext>
             </a:extLst>
           </p:cNvPr>
@@ -12073,7 +12724,7 @@
           <p:cNvPr id="9" name="Rectangle 14">
             <a:extLst>
               <a:ext uri="{FF2B5EF4-FFF2-40B4-BE49-F238E27FC236}">
-                <a16:creationId xmlns="" xmlns:a16="http://schemas.microsoft.com/office/drawing/2014/main" id="{88C45C25-BF1B-4018-8A33-8F627F02D4A4}"/>
+                <a16:creationId xmlns:a16="http://schemas.microsoft.com/office/drawing/2014/main" xmlns="" id="{88C45C25-BF1B-4018-8A33-8F627F02D4A4}"/>
               </a:ext>
             </a:extLst>
           </p:cNvPr>
@@ -12161,7 +12812,7 @@
           <p:cNvPr id="10" name="Rectangle 14">
             <a:extLst>
               <a:ext uri="{FF2B5EF4-FFF2-40B4-BE49-F238E27FC236}">
-                <a16:creationId xmlns="" xmlns:a16="http://schemas.microsoft.com/office/drawing/2014/main" id="{88C45C25-BF1B-4018-8A33-8F627F02D4A4}"/>
+                <a16:creationId xmlns:a16="http://schemas.microsoft.com/office/drawing/2014/main" xmlns="" id="{88C45C25-BF1B-4018-8A33-8F627F02D4A4}"/>
               </a:ext>
             </a:extLst>
           </p:cNvPr>
@@ -12249,7 +12900,7 @@
           <p:cNvPr id="11" name="Rectangle 14">
             <a:extLst>
               <a:ext uri="{FF2B5EF4-FFF2-40B4-BE49-F238E27FC236}">
-                <a16:creationId xmlns="" xmlns:a16="http://schemas.microsoft.com/office/drawing/2014/main" id="{88C45C25-BF1B-4018-8A33-8F627F02D4A4}"/>
+                <a16:creationId xmlns:a16="http://schemas.microsoft.com/office/drawing/2014/main" xmlns="" id="{88C45C25-BF1B-4018-8A33-8F627F02D4A4}"/>
               </a:ext>
             </a:extLst>
           </p:cNvPr>
@@ -12381,7 +13032,7 @@
           <p:cNvPr id="2" name="Rectangle 1">
             <a:extLst>
               <a:ext uri="{FF2B5EF4-FFF2-40B4-BE49-F238E27FC236}">
-                <a16:creationId xmlns="" xmlns:a16="http://schemas.microsoft.com/office/drawing/2014/main" id="{4F38584F-66B2-464F-9BA7-6F9A856D602F}"/>
+                <a16:creationId xmlns:a16="http://schemas.microsoft.com/office/drawing/2014/main" xmlns="" id="{4F38584F-66B2-464F-9BA7-6F9A856D602F}"/>
               </a:ext>
             </a:extLst>
           </p:cNvPr>
@@ -12437,7 +13088,7 @@
           <p:cNvPr id="15" name="Rectangle 14">
             <a:extLst>
               <a:ext uri="{FF2B5EF4-FFF2-40B4-BE49-F238E27FC236}">
-                <a16:creationId xmlns="" xmlns:a16="http://schemas.microsoft.com/office/drawing/2014/main" id="{88C45C25-BF1B-4018-8A33-8F627F02D4A4}"/>
+                <a16:creationId xmlns:a16="http://schemas.microsoft.com/office/drawing/2014/main" xmlns="" id="{88C45C25-BF1B-4018-8A33-8F627F02D4A4}"/>
               </a:ext>
             </a:extLst>
           </p:cNvPr>
@@ -12515,7 +13166,7 @@
           <p:cNvPr id="9" name="Rectangle 14">
             <a:extLst>
               <a:ext uri="{FF2B5EF4-FFF2-40B4-BE49-F238E27FC236}">
-                <a16:creationId xmlns="" xmlns:a16="http://schemas.microsoft.com/office/drawing/2014/main" id="{88C45C25-BF1B-4018-8A33-8F627F02D4A4}"/>
+                <a16:creationId xmlns:a16="http://schemas.microsoft.com/office/drawing/2014/main" xmlns="" id="{88C45C25-BF1B-4018-8A33-8F627F02D4A4}"/>
               </a:ext>
             </a:extLst>
           </p:cNvPr>
@@ -12577,7 +13228,7 @@
           <p:cNvPr id="10" name="Rectangle 14">
             <a:extLst>
               <a:ext uri="{FF2B5EF4-FFF2-40B4-BE49-F238E27FC236}">
-                <a16:creationId xmlns="" xmlns:a16="http://schemas.microsoft.com/office/drawing/2014/main" id="{88C45C25-BF1B-4018-8A33-8F627F02D4A4}"/>
+                <a16:creationId xmlns:a16="http://schemas.microsoft.com/office/drawing/2014/main" xmlns="" id="{88C45C25-BF1B-4018-8A33-8F627F02D4A4}"/>
               </a:ext>
             </a:extLst>
           </p:cNvPr>
@@ -12665,7 +13316,7 @@
           <p:cNvPr id="11" name="Rectangle 14">
             <a:extLst>
               <a:ext uri="{FF2B5EF4-FFF2-40B4-BE49-F238E27FC236}">
-                <a16:creationId xmlns="" xmlns:a16="http://schemas.microsoft.com/office/drawing/2014/main" id="{88C45C25-BF1B-4018-8A33-8F627F02D4A4}"/>
+                <a16:creationId xmlns:a16="http://schemas.microsoft.com/office/drawing/2014/main" xmlns="" id="{88C45C25-BF1B-4018-8A33-8F627F02D4A4}"/>
               </a:ext>
             </a:extLst>
           </p:cNvPr>
@@ -12787,7 +13438,7 @@
           <p:cNvPr id="2" name="Rectangle 1">
             <a:extLst>
               <a:ext uri="{FF2B5EF4-FFF2-40B4-BE49-F238E27FC236}">
-                <a16:creationId xmlns="" xmlns:a16="http://schemas.microsoft.com/office/drawing/2014/main" id="{4F38584F-66B2-464F-9BA7-6F9A856D602F}"/>
+                <a16:creationId xmlns:a16="http://schemas.microsoft.com/office/drawing/2014/main" xmlns="" id="{4F38584F-66B2-464F-9BA7-6F9A856D602F}"/>
               </a:ext>
             </a:extLst>
           </p:cNvPr>
@@ -12843,7 +13494,7 @@
           <p:cNvPr id="15" name="Rectangle 14">
             <a:extLst>
               <a:ext uri="{FF2B5EF4-FFF2-40B4-BE49-F238E27FC236}">
-                <a16:creationId xmlns="" xmlns:a16="http://schemas.microsoft.com/office/drawing/2014/main" id="{88C45C25-BF1B-4018-8A33-8F627F02D4A4}"/>
+                <a16:creationId xmlns:a16="http://schemas.microsoft.com/office/drawing/2014/main" xmlns="" id="{88C45C25-BF1B-4018-8A33-8F627F02D4A4}"/>
               </a:ext>
             </a:extLst>
           </p:cNvPr>
@@ -12931,7 +13582,7 @@
           <p:cNvPr id="9" name="Rectangle 14">
             <a:extLst>
               <a:ext uri="{FF2B5EF4-FFF2-40B4-BE49-F238E27FC236}">
-                <a16:creationId xmlns="" xmlns:a16="http://schemas.microsoft.com/office/drawing/2014/main" id="{88C45C25-BF1B-4018-8A33-8F627F02D4A4}"/>
+                <a16:creationId xmlns:a16="http://schemas.microsoft.com/office/drawing/2014/main" xmlns="" id="{88C45C25-BF1B-4018-8A33-8F627F02D4A4}"/>
               </a:ext>
             </a:extLst>
           </p:cNvPr>
@@ -13019,7 +13670,7 @@
           <p:cNvPr id="10" name="Rectangle 14">
             <a:extLst>
               <a:ext uri="{FF2B5EF4-FFF2-40B4-BE49-F238E27FC236}">
-                <a16:creationId xmlns="" xmlns:a16="http://schemas.microsoft.com/office/drawing/2014/main" id="{88C45C25-BF1B-4018-8A33-8F627F02D4A4}"/>
+                <a16:creationId xmlns:a16="http://schemas.microsoft.com/office/drawing/2014/main" xmlns="" id="{88C45C25-BF1B-4018-8A33-8F627F02D4A4}"/>
               </a:ext>
             </a:extLst>
           </p:cNvPr>
@@ -13107,7 +13758,7 @@
           <p:cNvPr id="11" name="Rectangle 14">
             <a:extLst>
               <a:ext uri="{FF2B5EF4-FFF2-40B4-BE49-F238E27FC236}">
-                <a16:creationId xmlns="" xmlns:a16="http://schemas.microsoft.com/office/drawing/2014/main" id="{88C45C25-BF1B-4018-8A33-8F627F02D4A4}"/>
+                <a16:creationId xmlns:a16="http://schemas.microsoft.com/office/drawing/2014/main" xmlns="" id="{88C45C25-BF1B-4018-8A33-8F627F02D4A4}"/>
               </a:ext>
             </a:extLst>
           </p:cNvPr>
@@ -13239,7 +13890,7 @@
           <p:cNvPr id="2" name="Rectangle 1">
             <a:extLst>
               <a:ext uri="{FF2B5EF4-FFF2-40B4-BE49-F238E27FC236}">
-                <a16:creationId xmlns="" xmlns:a16="http://schemas.microsoft.com/office/drawing/2014/main" id="{4F38584F-66B2-464F-9BA7-6F9A856D602F}"/>
+                <a16:creationId xmlns:a16="http://schemas.microsoft.com/office/drawing/2014/main" xmlns="" id="{4F38584F-66B2-464F-9BA7-6F9A856D602F}"/>
               </a:ext>
             </a:extLst>
           </p:cNvPr>
@@ -13295,7 +13946,7 @@
           <p:cNvPr id="15" name="Rectangle 14">
             <a:extLst>
               <a:ext uri="{FF2B5EF4-FFF2-40B4-BE49-F238E27FC236}">
-                <a16:creationId xmlns="" xmlns:a16="http://schemas.microsoft.com/office/drawing/2014/main" id="{88C45C25-BF1B-4018-8A33-8F627F02D4A4}"/>
+                <a16:creationId xmlns:a16="http://schemas.microsoft.com/office/drawing/2014/main" xmlns="" id="{88C45C25-BF1B-4018-8A33-8F627F02D4A4}"/>
               </a:ext>
             </a:extLst>
           </p:cNvPr>
@@ -13373,7 +14024,7 @@
           <p:cNvPr id="9" name="Rectangle 14">
             <a:extLst>
               <a:ext uri="{FF2B5EF4-FFF2-40B4-BE49-F238E27FC236}">
-                <a16:creationId xmlns="" xmlns:a16="http://schemas.microsoft.com/office/drawing/2014/main" id="{88C45C25-BF1B-4018-8A33-8F627F02D4A4}"/>
+                <a16:creationId xmlns:a16="http://schemas.microsoft.com/office/drawing/2014/main" xmlns="" id="{88C45C25-BF1B-4018-8A33-8F627F02D4A4}"/>
               </a:ext>
             </a:extLst>
           </p:cNvPr>
@@ -13461,7 +14112,7 @@
           <p:cNvPr id="10" name="Rectangle 14">
             <a:extLst>
               <a:ext uri="{FF2B5EF4-FFF2-40B4-BE49-F238E27FC236}">
-                <a16:creationId xmlns="" xmlns:a16="http://schemas.microsoft.com/office/drawing/2014/main" id="{88C45C25-BF1B-4018-8A33-8F627F02D4A4}"/>
+                <a16:creationId xmlns:a16="http://schemas.microsoft.com/office/drawing/2014/main" xmlns="" id="{88C45C25-BF1B-4018-8A33-8F627F02D4A4}"/>
               </a:ext>
             </a:extLst>
           </p:cNvPr>
@@ -13539,7 +14190,7 @@
           <p:cNvPr id="11" name="Rectangle 14">
             <a:extLst>
               <a:ext uri="{FF2B5EF4-FFF2-40B4-BE49-F238E27FC236}">
-                <a16:creationId xmlns="" xmlns:a16="http://schemas.microsoft.com/office/drawing/2014/main" id="{88C45C25-BF1B-4018-8A33-8F627F02D4A4}"/>
+                <a16:creationId xmlns:a16="http://schemas.microsoft.com/office/drawing/2014/main" xmlns="" id="{88C45C25-BF1B-4018-8A33-8F627F02D4A4}"/>
               </a:ext>
             </a:extLst>
           </p:cNvPr>
@@ -13661,7 +14312,7 @@
           <p:cNvPr id="2" name="Rectangle 1">
             <a:extLst>
               <a:ext uri="{FF2B5EF4-FFF2-40B4-BE49-F238E27FC236}">
-                <a16:creationId xmlns="" xmlns:a16="http://schemas.microsoft.com/office/drawing/2014/main" id="{4F38584F-66B2-464F-9BA7-6F9A856D602F}"/>
+                <a16:creationId xmlns:a16="http://schemas.microsoft.com/office/drawing/2014/main" xmlns="" id="{4F38584F-66B2-464F-9BA7-6F9A856D602F}"/>
               </a:ext>
             </a:extLst>
           </p:cNvPr>
@@ -13717,7 +14368,7 @@
           <p:cNvPr id="15" name="Rectangle 14">
             <a:extLst>
               <a:ext uri="{FF2B5EF4-FFF2-40B4-BE49-F238E27FC236}">
-                <a16:creationId xmlns="" xmlns:a16="http://schemas.microsoft.com/office/drawing/2014/main" id="{88C45C25-BF1B-4018-8A33-8F627F02D4A4}"/>
+                <a16:creationId xmlns:a16="http://schemas.microsoft.com/office/drawing/2014/main" xmlns="" id="{88C45C25-BF1B-4018-8A33-8F627F02D4A4}"/>
               </a:ext>
             </a:extLst>
           </p:cNvPr>
@@ -13805,7 +14456,7 @@
           <p:cNvPr id="9" name="Rectangle 14">
             <a:extLst>
               <a:ext uri="{FF2B5EF4-FFF2-40B4-BE49-F238E27FC236}">
-                <a16:creationId xmlns="" xmlns:a16="http://schemas.microsoft.com/office/drawing/2014/main" id="{88C45C25-BF1B-4018-8A33-8F627F02D4A4}"/>
+                <a16:creationId xmlns:a16="http://schemas.microsoft.com/office/drawing/2014/main" xmlns="" id="{88C45C25-BF1B-4018-8A33-8F627F02D4A4}"/>
               </a:ext>
             </a:extLst>
           </p:cNvPr>
@@ -13893,7 +14544,7 @@
           <p:cNvPr id="10" name="Rectangle 14">
             <a:extLst>
               <a:ext uri="{FF2B5EF4-FFF2-40B4-BE49-F238E27FC236}">
-                <a16:creationId xmlns="" xmlns:a16="http://schemas.microsoft.com/office/drawing/2014/main" id="{88C45C25-BF1B-4018-8A33-8F627F02D4A4}"/>
+                <a16:creationId xmlns:a16="http://schemas.microsoft.com/office/drawing/2014/main" xmlns="" id="{88C45C25-BF1B-4018-8A33-8F627F02D4A4}"/>
               </a:ext>
             </a:extLst>
           </p:cNvPr>
@@ -13981,7 +14632,7 @@
           <p:cNvPr id="11" name="Rectangle 14">
             <a:extLst>
               <a:ext uri="{FF2B5EF4-FFF2-40B4-BE49-F238E27FC236}">
-                <a16:creationId xmlns="" xmlns:a16="http://schemas.microsoft.com/office/drawing/2014/main" id="{88C45C25-BF1B-4018-8A33-8F627F02D4A4}"/>
+                <a16:creationId xmlns:a16="http://schemas.microsoft.com/office/drawing/2014/main" xmlns="" id="{88C45C25-BF1B-4018-8A33-8F627F02D4A4}"/>
               </a:ext>
             </a:extLst>
           </p:cNvPr>
@@ -14113,7 +14764,7 @@
           <p:cNvPr id="2" name="Rectangle 1">
             <a:extLst>
               <a:ext uri="{FF2B5EF4-FFF2-40B4-BE49-F238E27FC236}">
-                <a16:creationId xmlns="" xmlns:a16="http://schemas.microsoft.com/office/drawing/2014/main" id="{4F38584F-66B2-464F-9BA7-6F9A856D602F}"/>
+                <a16:creationId xmlns:a16="http://schemas.microsoft.com/office/drawing/2014/main" xmlns="" id="{4F38584F-66B2-464F-9BA7-6F9A856D602F}"/>
               </a:ext>
             </a:extLst>
           </p:cNvPr>
@@ -14169,7 +14820,7 @@
           <p:cNvPr id="15" name="Rectangle 14">
             <a:extLst>
               <a:ext uri="{FF2B5EF4-FFF2-40B4-BE49-F238E27FC236}">
-                <a16:creationId xmlns="" xmlns:a16="http://schemas.microsoft.com/office/drawing/2014/main" id="{88C45C25-BF1B-4018-8A33-8F627F02D4A4}"/>
+                <a16:creationId xmlns:a16="http://schemas.microsoft.com/office/drawing/2014/main" xmlns="" id="{88C45C25-BF1B-4018-8A33-8F627F02D4A4}"/>
               </a:ext>
             </a:extLst>
           </p:cNvPr>
@@ -14257,7 +14908,7 @@
           <p:cNvPr id="9" name="Rectangle 14">
             <a:extLst>
               <a:ext uri="{FF2B5EF4-FFF2-40B4-BE49-F238E27FC236}">
-                <a16:creationId xmlns="" xmlns:a16="http://schemas.microsoft.com/office/drawing/2014/main" id="{88C45C25-BF1B-4018-8A33-8F627F02D4A4}"/>
+                <a16:creationId xmlns:a16="http://schemas.microsoft.com/office/drawing/2014/main" xmlns="" id="{88C45C25-BF1B-4018-8A33-8F627F02D4A4}"/>
               </a:ext>
             </a:extLst>
           </p:cNvPr>
@@ -14319,7 +14970,7 @@
           <p:cNvPr id="10" name="Rectangle 14">
             <a:extLst>
               <a:ext uri="{FF2B5EF4-FFF2-40B4-BE49-F238E27FC236}">
-                <a16:creationId xmlns="" xmlns:a16="http://schemas.microsoft.com/office/drawing/2014/main" id="{88C45C25-BF1B-4018-8A33-8F627F02D4A4}"/>
+                <a16:creationId xmlns:a16="http://schemas.microsoft.com/office/drawing/2014/main" xmlns="" id="{88C45C25-BF1B-4018-8A33-8F627F02D4A4}"/>
               </a:ext>
             </a:extLst>
           </p:cNvPr>
@@ -14397,7 +15048,7 @@
           <p:cNvPr id="11" name="Rectangle 14">
             <a:extLst>
               <a:ext uri="{FF2B5EF4-FFF2-40B4-BE49-F238E27FC236}">
-                <a16:creationId xmlns="" xmlns:a16="http://schemas.microsoft.com/office/drawing/2014/main" id="{88C45C25-BF1B-4018-8A33-8F627F02D4A4}"/>
+                <a16:creationId xmlns:a16="http://schemas.microsoft.com/office/drawing/2014/main" xmlns="" id="{88C45C25-BF1B-4018-8A33-8F627F02D4A4}"/>
               </a:ext>
             </a:extLst>
           </p:cNvPr>
@@ -14474,6 +15125,723 @@
     <p:extLst>
       <p:ext uri="{BB962C8B-B14F-4D97-AF65-F5344CB8AC3E}">
         <p14:creationId xmlns:p14="http://schemas.microsoft.com/office/powerpoint/2010/main" val="412017755"/>
+      </p:ext>
+    </p:extLst>
+  </p:cSld>
+  <p:clrMapOvr>
+    <a:masterClrMapping/>
+  </p:clrMapOvr>
+  <p:transition spd="slow">
+    <p:wipe/>
+  </p:transition>
+</p:sld>
+</file>
+
+<file path=ppt/slides/slide28.xml><?xml version="1.0" encoding="utf-8"?>
+<p:sld xmlns:a="http://schemas.openxmlformats.org/drawingml/2006/main" xmlns:r="http://schemas.openxmlformats.org/officeDocument/2006/relationships" xmlns:p="http://schemas.openxmlformats.org/presentationml/2006/main">
+  <p:cSld>
+    <p:bg>
+      <p:bgPr>
+        <a:blipFill>
+          <a:blip r:embed="rId3"/>
+          <a:stretch>
+            <a:fillRect/>
+          </a:stretch>
+        </a:blipFill>
+        <a:effectLst/>
+      </p:bgPr>
+    </p:bg>
+    <p:spTree>
+      <p:nvGrpSpPr>
+        <p:cNvPr id="1" name=""/>
+        <p:cNvGrpSpPr/>
+        <p:nvPr/>
+      </p:nvGrpSpPr>
+      <p:grpSpPr>
+        <a:xfrm>
+          <a:off x="0" y="0"/>
+          <a:ext cx="0" cy="0"/>
+          <a:chOff x="0" y="0"/>
+          <a:chExt cx="0" cy="0"/>
+        </a:xfrm>
+      </p:grpSpPr>
+      <p:sp>
+        <p:nvSpPr>
+          <p:cNvPr id="2" name="Rectangle 1">
+            <a:extLst>
+              <a:ext uri="{FF2B5EF4-FFF2-40B4-BE49-F238E27FC236}">
+                <a16:creationId xmlns:a16="http://schemas.microsoft.com/office/drawing/2014/main" xmlns="" id="{4F38584F-66B2-464F-9BA7-6F9A856D602F}"/>
+              </a:ext>
+            </a:extLst>
+          </p:cNvPr>
+          <p:cNvSpPr/>
+          <p:nvPr/>
+        </p:nvSpPr>
+        <p:spPr>
+          <a:xfrm>
+            <a:off x="262486" y="117793"/>
+            <a:ext cx="6255944" cy="532126"/>
+          </a:xfrm>
+          <a:prstGeom prst="rect">
+            <a:avLst/>
+          </a:prstGeom>
+          <a:noFill/>
+        </p:spPr>
+        <p:txBody>
+          <a:bodyPr wrap="square" lIns="39300" tIns="19650" rIns="39300" bIns="19650">
+            <a:spAutoFit/>
+          </a:bodyPr>
+          <a:lstStyle/>
+          <a:p>
+            <a:r>
+              <a:rPr lang="pt-BR" sz="3200" i="1" dirty="0">
+                <a:solidFill>
+                  <a:schemeClr val="bg1"/>
+                </a:solidFill>
+                <a:latin typeface="Batang" panose="02030600000101010101" pitchFamily="18" charset="-127"/>
+                <a:ea typeface="Batang" panose="02030600000101010101" pitchFamily="18" charset="-127"/>
+              </a:rPr>
+              <a:t>Dividir 24 por 2.</a:t>
+            </a:r>
+            <a:endParaRPr lang="en-US" sz="3200" b="1" i="1" dirty="0">
+              <a:ln w="0"/>
+              <a:solidFill>
+                <a:schemeClr val="bg1"/>
+              </a:solidFill>
+              <a:effectLst>
+                <a:outerShdw blurRad="38100" dist="19050" dir="2700000" algn="tl" rotWithShape="0">
+                  <a:schemeClr val="dk1">
+                    <a:alpha val="40000"/>
+                  </a:schemeClr>
+                </a:outerShdw>
+              </a:effectLst>
+              <a:latin typeface="Batang" panose="02030600000101010101" pitchFamily="18" charset="-127"/>
+              <a:ea typeface="Batang" panose="02030600000101010101" pitchFamily="18" charset="-127"/>
+            </a:endParaRPr>
+          </a:p>
+        </p:txBody>
+      </p:sp>
+      <p:sp>
+        <p:nvSpPr>
+          <p:cNvPr id="15" name="Rectangle 14">
+            <a:extLst>
+              <a:ext uri="{FF2B5EF4-FFF2-40B4-BE49-F238E27FC236}">
+                <a16:creationId xmlns:a16="http://schemas.microsoft.com/office/drawing/2014/main" xmlns="" id="{88C45C25-BF1B-4018-8A33-8F627F02D4A4}"/>
+              </a:ext>
+            </a:extLst>
+          </p:cNvPr>
+          <p:cNvSpPr/>
+          <p:nvPr/>
+        </p:nvSpPr>
+        <p:spPr>
+          <a:xfrm>
+            <a:off x="262486" y="1151702"/>
+            <a:ext cx="4792200" cy="409016"/>
+          </a:xfrm>
+          <a:prstGeom prst="rect">
+            <a:avLst/>
+          </a:prstGeom>
+          <a:noFill/>
+        </p:spPr>
+        <p:txBody>
+          <a:bodyPr wrap="square" lIns="39300" tIns="19650" rIns="39300" bIns="19650">
+            <a:spAutoFit/>
+          </a:bodyPr>
+          <a:lstStyle/>
+          <a:p>
+            <a:r>
+              <a:rPr lang="pt-BR" sz="2400" b="1" dirty="0">
+                <a:ln w="0"/>
+                <a:solidFill>
+                  <a:srgbClr val="FFFF00"/>
+                </a:solidFill>
+                <a:effectLst>
+                  <a:outerShdw blurRad="38100" dist="19050" dir="2700000" algn="tl" rotWithShape="0">
+                    <a:schemeClr val="dk1">
+                      <a:alpha val="40000"/>
+                    </a:schemeClr>
+                  </a:outerShdw>
+                </a:effectLst>
+              </a:rPr>
+              <a:t>A</a:t>
+            </a:r>
+            <a:r>
+              <a:rPr lang="pt-BR" sz="2400" b="1" dirty="0" smtClean="0">
+                <a:ln w="0"/>
+                <a:solidFill>
+                  <a:srgbClr val="FFFF00"/>
+                </a:solidFill>
+                <a:effectLst>
+                  <a:outerShdw blurRad="38100" dist="19050" dir="2700000" algn="tl" rotWithShape="0">
+                    <a:schemeClr val="dk1">
+                      <a:alpha val="40000"/>
+                    </a:schemeClr>
+                  </a:outerShdw>
+                </a:effectLst>
+              </a:rPr>
+              <a:t>) </a:t>
+            </a:r>
+            <a:r>
+              <a:rPr lang="pt-BR" sz="2400" dirty="0" smtClean="0">
+                <a:ln w="0"/>
+                <a:solidFill>
+                  <a:schemeClr val="bg1"/>
+                </a:solidFill>
+                <a:latin typeface="Batang" panose="02030600000101010101" pitchFamily="18" charset="-127"/>
+                <a:ea typeface="Batang" panose="02030600000101010101" pitchFamily="18" charset="-127"/>
+              </a:rPr>
+              <a:t>13</a:t>
+            </a:r>
+            <a:endParaRPr lang="en-US" sz="1848" i="1" dirty="0">
+              <a:ln w="0"/>
+              <a:solidFill>
+                <a:schemeClr val="bg1"/>
+              </a:solidFill>
+              <a:latin typeface="Batang" panose="02030600000101010101" pitchFamily="18" charset="-127"/>
+              <a:ea typeface="Batang" panose="02030600000101010101" pitchFamily="18" charset="-127"/>
+            </a:endParaRPr>
+          </a:p>
+        </p:txBody>
+      </p:sp>
+      <p:sp>
+        <p:nvSpPr>
+          <p:cNvPr id="9" name="Rectangle 14">
+            <a:extLst>
+              <a:ext uri="{FF2B5EF4-FFF2-40B4-BE49-F238E27FC236}">
+                <a16:creationId xmlns:a16="http://schemas.microsoft.com/office/drawing/2014/main" xmlns="" id="{88C45C25-BF1B-4018-8A33-8F627F02D4A4}"/>
+              </a:ext>
+            </a:extLst>
+          </p:cNvPr>
+          <p:cNvSpPr/>
+          <p:nvPr/>
+        </p:nvSpPr>
+        <p:spPr>
+          <a:xfrm>
+            <a:off x="262486" y="1677686"/>
+            <a:ext cx="4792200" cy="409016"/>
+          </a:xfrm>
+          <a:prstGeom prst="rect">
+            <a:avLst/>
+          </a:prstGeom>
+          <a:noFill/>
+        </p:spPr>
+        <p:txBody>
+          <a:bodyPr wrap="square" lIns="39300" tIns="19650" rIns="39300" bIns="19650">
+            <a:spAutoFit/>
+          </a:bodyPr>
+          <a:lstStyle/>
+          <a:p>
+            <a:r>
+              <a:rPr lang="pt-BR" sz="2400" b="1" dirty="0" smtClean="0">
+                <a:ln w="0"/>
+                <a:solidFill>
+                  <a:srgbClr val="FFFF00"/>
+                </a:solidFill>
+                <a:effectLst>
+                  <a:outerShdw blurRad="38100" dist="19050" dir="2700000" algn="tl" rotWithShape="0">
+                    <a:schemeClr val="dk1">
+                      <a:alpha val="40000"/>
+                    </a:schemeClr>
+                  </a:outerShdw>
+                </a:effectLst>
+              </a:rPr>
+              <a:t>B</a:t>
+            </a:r>
+            <a:r>
+              <a:rPr lang="pt-BR" sz="2400" b="1" dirty="0" smtClean="0">
+                <a:ln w="0"/>
+                <a:solidFill>
+                  <a:srgbClr val="FFFF00"/>
+                </a:solidFill>
+                <a:effectLst>
+                  <a:outerShdw blurRad="38100" dist="19050" dir="2700000" algn="tl" rotWithShape="0">
+                    <a:schemeClr val="dk1">
+                      <a:alpha val="40000"/>
+                    </a:schemeClr>
+                  </a:outerShdw>
+                </a:effectLst>
+              </a:rPr>
+              <a:t>) </a:t>
+            </a:r>
+            <a:r>
+              <a:rPr lang="pt-BR" sz="2400" dirty="0" smtClean="0">
+                <a:ln w="0"/>
+                <a:solidFill>
+                  <a:schemeClr val="bg1"/>
+                </a:solidFill>
+                <a:latin typeface="Batang" panose="02030600000101010101" pitchFamily="18" charset="-127"/>
+                <a:ea typeface="Batang" panose="02030600000101010101" pitchFamily="18" charset="-127"/>
+              </a:rPr>
+              <a:t>12</a:t>
+            </a:r>
+            <a:endParaRPr lang="en-US" sz="2016" i="1" dirty="0">
+              <a:ln w="0"/>
+              <a:solidFill>
+                <a:schemeClr val="bg1"/>
+              </a:solidFill>
+              <a:latin typeface="Batang" panose="02030600000101010101" pitchFamily="18" charset="-127"/>
+              <a:ea typeface="Batang" panose="02030600000101010101" pitchFamily="18" charset="-127"/>
+            </a:endParaRPr>
+          </a:p>
+        </p:txBody>
+      </p:sp>
+      <p:sp>
+        <p:nvSpPr>
+          <p:cNvPr id="10" name="Rectangle 14">
+            <a:extLst>
+              <a:ext uri="{FF2B5EF4-FFF2-40B4-BE49-F238E27FC236}">
+                <a16:creationId xmlns:a16="http://schemas.microsoft.com/office/drawing/2014/main" xmlns="" id="{88C45C25-BF1B-4018-8A33-8F627F02D4A4}"/>
+              </a:ext>
+            </a:extLst>
+          </p:cNvPr>
+          <p:cNvSpPr/>
+          <p:nvPr/>
+        </p:nvSpPr>
+        <p:spPr>
+          <a:xfrm>
+            <a:off x="262486" y="2203670"/>
+            <a:ext cx="4792200" cy="409016"/>
+          </a:xfrm>
+          <a:prstGeom prst="rect">
+            <a:avLst/>
+          </a:prstGeom>
+          <a:noFill/>
+        </p:spPr>
+        <p:txBody>
+          <a:bodyPr wrap="square" lIns="39300" tIns="19650" rIns="39300" bIns="19650">
+            <a:spAutoFit/>
+          </a:bodyPr>
+          <a:lstStyle/>
+          <a:p>
+            <a:r>
+              <a:rPr lang="pt-BR" sz="2400" b="1" dirty="0">
+                <a:ln w="0"/>
+                <a:solidFill>
+                  <a:srgbClr val="FFFF00"/>
+                </a:solidFill>
+                <a:effectLst>
+                  <a:outerShdw blurRad="38100" dist="19050" dir="2700000" algn="tl" rotWithShape="0">
+                    <a:schemeClr val="dk1">
+                      <a:alpha val="40000"/>
+                    </a:schemeClr>
+                  </a:outerShdw>
+                </a:effectLst>
+              </a:rPr>
+              <a:t>C</a:t>
+            </a:r>
+            <a:r>
+              <a:rPr lang="pt-BR" sz="2400" b="1" dirty="0" smtClean="0">
+                <a:ln w="0"/>
+                <a:solidFill>
+                  <a:srgbClr val="FFFF00"/>
+                </a:solidFill>
+                <a:effectLst>
+                  <a:outerShdw blurRad="38100" dist="19050" dir="2700000" algn="tl" rotWithShape="0">
+                    <a:schemeClr val="dk1">
+                      <a:alpha val="40000"/>
+                    </a:schemeClr>
+                  </a:outerShdw>
+                </a:effectLst>
+              </a:rPr>
+              <a:t>) </a:t>
+            </a:r>
+            <a:r>
+              <a:rPr lang="pt-BR" sz="2400" dirty="0" smtClean="0">
+                <a:ln w="0"/>
+                <a:solidFill>
+                  <a:schemeClr val="bg1"/>
+                </a:solidFill>
+                <a:latin typeface="Batang" panose="02030600000101010101" pitchFamily="18" charset="-127"/>
+                <a:ea typeface="Batang" panose="02030600000101010101" pitchFamily="18" charset="-127"/>
+              </a:rPr>
+              <a:t>11</a:t>
+            </a:r>
+            <a:endParaRPr lang="en-US" sz="2016" i="1" dirty="0">
+              <a:ln w="0"/>
+              <a:solidFill>
+                <a:schemeClr val="bg1"/>
+              </a:solidFill>
+              <a:latin typeface="Batang" panose="02030600000101010101" pitchFamily="18" charset="-127"/>
+              <a:ea typeface="Batang" panose="02030600000101010101" pitchFamily="18" charset="-127"/>
+            </a:endParaRPr>
+          </a:p>
+        </p:txBody>
+      </p:sp>
+      <p:sp>
+        <p:nvSpPr>
+          <p:cNvPr id="11" name="Rectangle 14">
+            <a:extLst>
+              <a:ext uri="{FF2B5EF4-FFF2-40B4-BE49-F238E27FC236}">
+                <a16:creationId xmlns:a16="http://schemas.microsoft.com/office/drawing/2014/main" xmlns="" id="{88C45C25-BF1B-4018-8A33-8F627F02D4A4}"/>
+              </a:ext>
+            </a:extLst>
+          </p:cNvPr>
+          <p:cNvSpPr/>
+          <p:nvPr/>
+        </p:nvSpPr>
+        <p:spPr>
+          <a:xfrm>
+            <a:off x="262486" y="2897466"/>
+            <a:ext cx="4792200" cy="409016"/>
+          </a:xfrm>
+          <a:prstGeom prst="rect">
+            <a:avLst/>
+          </a:prstGeom>
+          <a:noFill/>
+        </p:spPr>
+        <p:txBody>
+          <a:bodyPr wrap="square" lIns="39300" tIns="19650" rIns="39300" bIns="19650">
+            <a:spAutoFit/>
+          </a:bodyPr>
+          <a:lstStyle/>
+          <a:p>
+            <a:r>
+              <a:rPr lang="pt-BR" sz="2400" b="1" dirty="0" smtClean="0">
+                <a:ln w="0"/>
+                <a:solidFill>
+                  <a:srgbClr val="FFFF00"/>
+                </a:solidFill>
+                <a:effectLst>
+                  <a:outerShdw blurRad="38100" dist="19050" dir="2700000" algn="tl" rotWithShape="0">
+                    <a:schemeClr val="dk1">
+                      <a:alpha val="40000"/>
+                    </a:schemeClr>
+                  </a:outerShdw>
+                </a:effectLst>
+              </a:rPr>
+              <a:t>D) </a:t>
+            </a:r>
+            <a:r>
+              <a:rPr lang="pt-BR" sz="2400" dirty="0" smtClean="0">
+                <a:ln w="0"/>
+                <a:solidFill>
+                  <a:schemeClr val="bg1"/>
+                </a:solidFill>
+                <a:latin typeface="Batang" panose="02030600000101010101" pitchFamily="18" charset="-127"/>
+                <a:ea typeface="Batang" panose="02030600000101010101" pitchFamily="18" charset="-127"/>
+              </a:rPr>
+              <a:t>10</a:t>
+            </a:r>
+            <a:endParaRPr lang="en-US" sz="2016" i="1" dirty="0">
+              <a:ln w="0"/>
+              <a:solidFill>
+                <a:schemeClr val="bg1"/>
+              </a:solidFill>
+              <a:latin typeface="Batang" panose="02030600000101010101" pitchFamily="18" charset="-127"/>
+              <a:ea typeface="Batang" panose="02030600000101010101" pitchFamily="18" charset="-127"/>
+            </a:endParaRPr>
+          </a:p>
+        </p:txBody>
+      </p:sp>
+      <p:pic>
+        <p:nvPicPr>
+          <p:cNvPr id="1026" name="Picture 2" descr="Resultado de imagem para divisão"/>
+          <p:cNvPicPr>
+            <a:picLocks noChangeAspect="1" noChangeArrowheads="1"/>
+          </p:cNvPicPr>
+          <p:nvPr/>
+        </p:nvPicPr>
+        <p:blipFill>
+          <a:blip r:embed="rId4">
+            <a:extLst>
+              <a:ext uri="{28A0092B-C50C-407E-A947-70E740481C1C}">
+                <a14:useLocalDpi xmlns:a14="http://schemas.microsoft.com/office/drawing/2010/main" val="0"/>
+              </a:ext>
+            </a:extLst>
+          </a:blip>
+          <a:srcRect/>
+          <a:stretch>
+            <a:fillRect/>
+          </a:stretch>
+        </p:blipFill>
+        <p:spPr bwMode="auto">
+          <a:xfrm>
+            <a:off x="4510912" y="383856"/>
+            <a:ext cx="1999949" cy="2777707"/>
+          </a:xfrm>
+          <a:prstGeom prst="rect">
+            <a:avLst/>
+          </a:prstGeom>
+          <a:noFill/>
+          <a:extLst>
+            <a:ext uri="{909E8E84-426E-40DD-AFC4-6F175D3DCCD1}">
+              <a14:hiddenFill xmlns:a14="http://schemas.microsoft.com/office/drawing/2010/main">
+                <a:solidFill>
+                  <a:srgbClr val="FFFFFF"/>
+                </a:solidFill>
+              </a14:hiddenFill>
+            </a:ext>
+          </a:extLst>
+        </p:spPr>
+      </p:pic>
+      <p:pic>
+        <p:nvPicPr>
+          <p:cNvPr id="1028" name="Picture 4" descr="Resultado de imagem para divisão"/>
+          <p:cNvPicPr>
+            <a:picLocks noChangeAspect="1" noChangeArrowheads="1"/>
+          </p:cNvPicPr>
+          <p:nvPr/>
+        </p:nvPicPr>
+        <p:blipFill>
+          <a:blip r:embed="rId5" cstate="print">
+            <a:extLst>
+              <a:ext uri="{28A0092B-C50C-407E-A947-70E740481C1C}">
+                <a14:useLocalDpi xmlns:a14="http://schemas.microsoft.com/office/drawing/2010/main" val="0"/>
+              </a:ext>
+            </a:extLst>
+          </a:blip>
+          <a:srcRect/>
+          <a:stretch>
+            <a:fillRect/>
+          </a:stretch>
+        </p:blipFill>
+        <p:spPr bwMode="auto">
+          <a:xfrm>
+            <a:off x="1535993" y="1387205"/>
+            <a:ext cx="2885088" cy="2129555"/>
+          </a:xfrm>
+          <a:prstGeom prst="rect">
+            <a:avLst/>
+          </a:prstGeom>
+          <a:noFill/>
+          <a:extLst>
+            <a:ext uri="{909E8E84-426E-40DD-AFC4-6F175D3DCCD1}">
+              <a14:hiddenFill xmlns:a14="http://schemas.microsoft.com/office/drawing/2010/main">
+                <a:solidFill>
+                  <a:srgbClr val="FFFFFF"/>
+                </a:solidFill>
+              </a14:hiddenFill>
+            </a:ext>
+          </a:extLst>
+        </p:spPr>
+      </p:pic>
+    </p:spTree>
+    <p:extLst>
+      <p:ext uri="{BB962C8B-B14F-4D97-AF65-F5344CB8AC3E}">
+        <p14:creationId xmlns:p14="http://schemas.microsoft.com/office/powerpoint/2010/main" val="1771813419"/>
+      </p:ext>
+    </p:extLst>
+  </p:cSld>
+  <p:clrMapOvr>
+    <a:masterClrMapping/>
+  </p:clrMapOvr>
+  <p:transition spd="slow">
+    <p:wipe/>
+  </p:transition>
+</p:sld>
+</file>
+
+<file path=ppt/slides/slide29.xml><?xml version="1.0" encoding="utf-8"?>
+<p:sld xmlns:a="http://schemas.openxmlformats.org/drawingml/2006/main" xmlns:r="http://schemas.openxmlformats.org/officeDocument/2006/relationships" xmlns:p="http://schemas.openxmlformats.org/presentationml/2006/main">
+  <p:cSld>
+    <p:bg>
+      <p:bgPr>
+        <a:blipFill>
+          <a:blip r:embed="rId3"/>
+          <a:stretch>
+            <a:fillRect/>
+          </a:stretch>
+        </a:blipFill>
+        <a:effectLst/>
+      </p:bgPr>
+    </p:bg>
+    <p:spTree>
+      <p:nvGrpSpPr>
+        <p:cNvPr id="1" name=""/>
+        <p:cNvGrpSpPr/>
+        <p:nvPr/>
+      </p:nvGrpSpPr>
+      <p:grpSpPr>
+        <a:xfrm>
+          <a:off x="0" y="0"/>
+          <a:ext cx="0" cy="0"/>
+          <a:chOff x="0" y="0"/>
+          <a:chExt cx="0" cy="0"/>
+        </a:xfrm>
+      </p:grpSpPr>
+      <p:sp>
+        <p:nvSpPr>
+          <p:cNvPr id="2" name="Rectangle 1">
+            <a:extLst>
+              <a:ext uri="{FF2B5EF4-FFF2-40B4-BE49-F238E27FC236}">
+                <a16:creationId xmlns:a16="http://schemas.microsoft.com/office/drawing/2014/main" xmlns="" id="{4F38584F-66B2-464F-9BA7-6F9A856D602F}"/>
+              </a:ext>
+            </a:extLst>
+          </p:cNvPr>
+          <p:cNvSpPr/>
+          <p:nvPr/>
+        </p:nvSpPr>
+        <p:spPr>
+          <a:xfrm>
+            <a:off x="262486" y="117793"/>
+            <a:ext cx="6255944" cy="532126"/>
+          </a:xfrm>
+          <a:prstGeom prst="rect">
+            <a:avLst/>
+          </a:prstGeom>
+          <a:noFill/>
+        </p:spPr>
+        <p:txBody>
+          <a:bodyPr wrap="square" lIns="39300" tIns="19650" rIns="39300" bIns="19650">
+            <a:spAutoFit/>
+          </a:bodyPr>
+          <a:lstStyle/>
+          <a:p>
+            <a:r>
+              <a:rPr lang="pt-BR" sz="3200" i="1" dirty="0">
+                <a:solidFill>
+                  <a:schemeClr val="bg1"/>
+                </a:solidFill>
+                <a:latin typeface="Batang" panose="02030600000101010101" pitchFamily="18" charset="-127"/>
+                <a:ea typeface="Batang" panose="02030600000101010101" pitchFamily="18" charset="-127"/>
+              </a:rPr>
+              <a:t>Dividir 24 por 2.</a:t>
+            </a:r>
+            <a:endParaRPr lang="en-US" sz="3200" b="1" i="1" dirty="0">
+              <a:ln w="0"/>
+              <a:solidFill>
+                <a:schemeClr val="bg1"/>
+              </a:solidFill>
+              <a:effectLst>
+                <a:outerShdw blurRad="38100" dist="19050" dir="2700000" algn="tl" rotWithShape="0">
+                  <a:schemeClr val="dk1">
+                    <a:alpha val="40000"/>
+                  </a:schemeClr>
+                </a:outerShdw>
+              </a:effectLst>
+              <a:latin typeface="Batang" panose="02030600000101010101" pitchFamily="18" charset="-127"/>
+              <a:ea typeface="Batang" panose="02030600000101010101" pitchFamily="18" charset="-127"/>
+            </a:endParaRPr>
+          </a:p>
+        </p:txBody>
+      </p:sp>
+      <p:sp>
+        <p:nvSpPr>
+          <p:cNvPr id="9" name="Rectangle 14">
+            <a:extLst>
+              <a:ext uri="{FF2B5EF4-FFF2-40B4-BE49-F238E27FC236}">
+                <a16:creationId xmlns:a16="http://schemas.microsoft.com/office/drawing/2014/main" xmlns="" id="{88C45C25-BF1B-4018-8A33-8F627F02D4A4}"/>
+              </a:ext>
+            </a:extLst>
+          </p:cNvPr>
+          <p:cNvSpPr/>
+          <p:nvPr/>
+        </p:nvSpPr>
+        <p:spPr>
+          <a:xfrm>
+            <a:off x="262486" y="1677686"/>
+            <a:ext cx="4792200" cy="409016"/>
+          </a:xfrm>
+          <a:prstGeom prst="rect">
+            <a:avLst/>
+          </a:prstGeom>
+          <a:noFill/>
+        </p:spPr>
+        <p:txBody>
+          <a:bodyPr wrap="square" lIns="39300" tIns="19650" rIns="39300" bIns="19650">
+            <a:spAutoFit/>
+          </a:bodyPr>
+          <a:lstStyle/>
+          <a:p>
+            <a:r>
+              <a:rPr lang="pt-BR" sz="2400" b="1" dirty="0" smtClean="0">
+                <a:ln w="0"/>
+                <a:solidFill>
+                  <a:srgbClr val="FFFF00"/>
+                </a:solidFill>
+                <a:effectLst>
+                  <a:outerShdw blurRad="38100" dist="19050" dir="2700000" algn="tl" rotWithShape="0">
+                    <a:schemeClr val="dk1">
+                      <a:alpha val="40000"/>
+                    </a:schemeClr>
+                  </a:outerShdw>
+                </a:effectLst>
+              </a:rPr>
+              <a:t>B</a:t>
+            </a:r>
+            <a:r>
+              <a:rPr lang="pt-BR" sz="2400" b="1" dirty="0" smtClean="0">
+                <a:ln w="0"/>
+                <a:solidFill>
+                  <a:srgbClr val="FFFF00"/>
+                </a:solidFill>
+                <a:effectLst>
+                  <a:outerShdw blurRad="38100" dist="19050" dir="2700000" algn="tl" rotWithShape="0">
+                    <a:schemeClr val="dk1">
+                      <a:alpha val="40000"/>
+                    </a:schemeClr>
+                  </a:outerShdw>
+                </a:effectLst>
+              </a:rPr>
+              <a:t>) </a:t>
+            </a:r>
+            <a:r>
+              <a:rPr lang="pt-BR" sz="2400" dirty="0" smtClean="0">
+                <a:ln w="0"/>
+                <a:solidFill>
+                  <a:schemeClr val="bg1"/>
+                </a:solidFill>
+                <a:latin typeface="Batang" panose="02030600000101010101" pitchFamily="18" charset="-127"/>
+                <a:ea typeface="Batang" panose="02030600000101010101" pitchFamily="18" charset="-127"/>
+              </a:rPr>
+              <a:t>12</a:t>
+            </a:r>
+            <a:endParaRPr lang="en-US" sz="2016" i="1" dirty="0">
+              <a:ln w="0"/>
+              <a:solidFill>
+                <a:schemeClr val="bg1"/>
+              </a:solidFill>
+              <a:latin typeface="Batang" panose="02030600000101010101" pitchFamily="18" charset="-127"/>
+              <a:ea typeface="Batang" panose="02030600000101010101" pitchFamily="18" charset="-127"/>
+            </a:endParaRPr>
+          </a:p>
+        </p:txBody>
+      </p:sp>
+      <p:pic>
+        <p:nvPicPr>
+          <p:cNvPr id="2050" name="Picture 2" descr="https://sabermatematica.com.br/wp-content/uploads/2018/04/exercicios-resolvidos-24-por-2-contas-de-divisao.png"/>
+          <p:cNvPicPr>
+            <a:picLocks noChangeAspect="1" noChangeArrowheads="1"/>
+          </p:cNvPicPr>
+          <p:nvPr/>
+        </p:nvPicPr>
+        <p:blipFill>
+          <a:blip r:embed="rId4">
+            <a:extLst>
+              <a:ext uri="{28A0092B-C50C-407E-A947-70E740481C1C}">
+                <a14:useLocalDpi xmlns:a14="http://schemas.microsoft.com/office/drawing/2010/main" val="0"/>
+              </a:ext>
+            </a:extLst>
+          </a:blip>
+          <a:srcRect/>
+          <a:stretch>
+            <a:fillRect/>
+          </a:stretch>
+        </p:blipFill>
+        <p:spPr bwMode="auto">
+          <a:xfrm>
+            <a:off x="2087935" y="1267597"/>
+            <a:ext cx="2966751" cy="2215831"/>
+          </a:xfrm>
+          <a:prstGeom prst="rect">
+            <a:avLst/>
+          </a:prstGeom>
+          <a:noFill/>
+          <a:extLst>
+            <a:ext uri="{909E8E84-426E-40DD-AFC4-6F175D3DCCD1}">
+              <a14:hiddenFill xmlns:a14="http://schemas.microsoft.com/office/drawing/2010/main">
+                <a:solidFill>
+                  <a:srgbClr val="FFFFFF"/>
+                </a:solidFill>
+              </a14:hiddenFill>
+            </a:ext>
+          </a:extLst>
+        </p:spPr>
+      </p:pic>
+    </p:spTree>
+    <p:extLst>
+      <p:ext uri="{BB962C8B-B14F-4D97-AF65-F5344CB8AC3E}">
+        <p14:creationId xmlns:p14="http://schemas.microsoft.com/office/powerpoint/2010/main" val="299669696"/>
       </p:ext>
     </p:extLst>
   </p:cSld>
@@ -14519,7 +15887,7 @@
           <p:cNvPr id="2" name="Rectangle 1">
             <a:extLst>
               <a:ext uri="{FF2B5EF4-FFF2-40B4-BE49-F238E27FC236}">
-                <a16:creationId xmlns="" xmlns:a16="http://schemas.microsoft.com/office/drawing/2014/main" id="{4F38584F-66B2-464F-9BA7-6F9A856D602F}"/>
+                <a16:creationId xmlns:a16="http://schemas.microsoft.com/office/drawing/2014/main" xmlns="" id="{4F38584F-66B2-464F-9BA7-6F9A856D602F}"/>
               </a:ext>
             </a:extLst>
           </p:cNvPr>
@@ -14595,7 +15963,7 @@
           <p:cNvPr id="10" name="Rectangle 14">
             <a:extLst>
               <a:ext uri="{FF2B5EF4-FFF2-40B4-BE49-F238E27FC236}">
-                <a16:creationId xmlns="" xmlns:a16="http://schemas.microsoft.com/office/drawing/2014/main" id="{88C45C25-BF1B-4018-8A33-8F627F02D4A4}"/>
+                <a16:creationId xmlns:a16="http://schemas.microsoft.com/office/drawing/2014/main" xmlns="" id="{88C45C25-BF1B-4018-8A33-8F627F02D4A4}"/>
               </a:ext>
             </a:extLst>
           </p:cNvPr>
@@ -14764,6 +16132,1754 @@
     <p:extLst>
       <p:ext uri="{BB962C8B-B14F-4D97-AF65-F5344CB8AC3E}">
         <p14:creationId xmlns:p14="http://schemas.microsoft.com/office/powerpoint/2010/main" val="3318557978"/>
+      </p:ext>
+    </p:extLst>
+  </p:cSld>
+  <p:clrMapOvr>
+    <a:masterClrMapping/>
+  </p:clrMapOvr>
+  <p:transition spd="slow">
+    <p:wipe/>
+  </p:transition>
+</p:sld>
+</file>
+
+<file path=ppt/slides/slide30.xml><?xml version="1.0" encoding="utf-8"?>
+<p:sld xmlns:a="http://schemas.openxmlformats.org/drawingml/2006/main" xmlns:r="http://schemas.openxmlformats.org/officeDocument/2006/relationships" xmlns:p="http://schemas.openxmlformats.org/presentationml/2006/main">
+  <p:cSld>
+    <p:bg>
+      <p:bgPr>
+        <a:blipFill>
+          <a:blip r:embed="rId3"/>
+          <a:stretch>
+            <a:fillRect/>
+          </a:stretch>
+        </a:blipFill>
+        <a:effectLst/>
+      </p:bgPr>
+    </p:bg>
+    <p:spTree>
+      <p:nvGrpSpPr>
+        <p:cNvPr id="1" name=""/>
+        <p:cNvGrpSpPr/>
+        <p:nvPr/>
+      </p:nvGrpSpPr>
+      <p:grpSpPr>
+        <a:xfrm>
+          <a:off x="0" y="0"/>
+          <a:ext cx="0" cy="0"/>
+          <a:chOff x="0" y="0"/>
+          <a:chExt cx="0" cy="0"/>
+        </a:xfrm>
+      </p:grpSpPr>
+      <p:sp>
+        <p:nvSpPr>
+          <p:cNvPr id="2" name="Rectangle 1">
+            <a:extLst>
+              <a:ext uri="{FF2B5EF4-FFF2-40B4-BE49-F238E27FC236}">
+                <a16:creationId xmlns:a16="http://schemas.microsoft.com/office/drawing/2014/main" xmlns="" id="{4F38584F-66B2-464F-9BA7-6F9A856D602F}"/>
+              </a:ext>
+            </a:extLst>
+          </p:cNvPr>
+          <p:cNvSpPr/>
+          <p:nvPr/>
+        </p:nvSpPr>
+        <p:spPr>
+          <a:xfrm>
+            <a:off x="262486" y="117793"/>
+            <a:ext cx="6255944" cy="532126"/>
+          </a:xfrm>
+          <a:prstGeom prst="rect">
+            <a:avLst/>
+          </a:prstGeom>
+          <a:noFill/>
+        </p:spPr>
+        <p:txBody>
+          <a:bodyPr wrap="square" lIns="39300" tIns="19650" rIns="39300" bIns="19650">
+            <a:spAutoFit/>
+          </a:bodyPr>
+          <a:lstStyle/>
+          <a:p>
+            <a:r>
+              <a:rPr lang="pt-BR" sz="3200" dirty="0">
+                <a:solidFill>
+                  <a:schemeClr val="bg1"/>
+                </a:solidFill>
+                <a:latin typeface="Batang" panose="02030600000101010101" pitchFamily="18" charset="-127"/>
+                <a:ea typeface="Batang" panose="02030600000101010101" pitchFamily="18" charset="-127"/>
+              </a:rPr>
+              <a:t>Dividir 423 por 3.</a:t>
+            </a:r>
+            <a:endParaRPr lang="en-US" sz="3200" i="1" dirty="0">
+              <a:ln w="0"/>
+              <a:solidFill>
+                <a:schemeClr val="bg1"/>
+              </a:solidFill>
+              <a:effectLst>
+                <a:outerShdw blurRad="38100" dist="19050" dir="2700000" algn="tl" rotWithShape="0">
+                  <a:schemeClr val="dk1">
+                    <a:alpha val="40000"/>
+                  </a:schemeClr>
+                </a:outerShdw>
+              </a:effectLst>
+              <a:latin typeface="Batang" panose="02030600000101010101" pitchFamily="18" charset="-127"/>
+              <a:ea typeface="Batang" panose="02030600000101010101" pitchFamily="18" charset="-127"/>
+            </a:endParaRPr>
+          </a:p>
+        </p:txBody>
+      </p:sp>
+      <p:sp>
+        <p:nvSpPr>
+          <p:cNvPr id="15" name="Rectangle 14">
+            <a:extLst>
+              <a:ext uri="{FF2B5EF4-FFF2-40B4-BE49-F238E27FC236}">
+                <a16:creationId xmlns:a16="http://schemas.microsoft.com/office/drawing/2014/main" xmlns="" id="{88C45C25-BF1B-4018-8A33-8F627F02D4A4}"/>
+              </a:ext>
+            </a:extLst>
+          </p:cNvPr>
+          <p:cNvSpPr/>
+          <p:nvPr/>
+        </p:nvSpPr>
+        <p:spPr>
+          <a:xfrm>
+            <a:off x="262486" y="1063193"/>
+            <a:ext cx="4792200" cy="409016"/>
+          </a:xfrm>
+          <a:prstGeom prst="rect">
+            <a:avLst/>
+          </a:prstGeom>
+          <a:noFill/>
+        </p:spPr>
+        <p:txBody>
+          <a:bodyPr wrap="square" lIns="39300" tIns="19650" rIns="39300" bIns="19650">
+            <a:spAutoFit/>
+          </a:bodyPr>
+          <a:lstStyle/>
+          <a:p>
+            <a:r>
+              <a:rPr lang="pt-BR" sz="2400" b="1" dirty="0">
+                <a:ln w="0"/>
+                <a:solidFill>
+                  <a:srgbClr val="FFFF00"/>
+                </a:solidFill>
+                <a:effectLst>
+                  <a:outerShdw blurRad="38100" dist="19050" dir="2700000" algn="tl" rotWithShape="0">
+                    <a:schemeClr val="dk1">
+                      <a:alpha val="40000"/>
+                    </a:schemeClr>
+                  </a:outerShdw>
+                </a:effectLst>
+              </a:rPr>
+              <a:t>A</a:t>
+            </a:r>
+            <a:r>
+              <a:rPr lang="pt-BR" sz="2400" b="1" dirty="0" smtClean="0">
+                <a:ln w="0"/>
+                <a:solidFill>
+                  <a:srgbClr val="FFFF00"/>
+                </a:solidFill>
+                <a:effectLst>
+                  <a:outerShdw blurRad="38100" dist="19050" dir="2700000" algn="tl" rotWithShape="0">
+                    <a:schemeClr val="dk1">
+                      <a:alpha val="40000"/>
+                    </a:schemeClr>
+                  </a:outerShdw>
+                </a:effectLst>
+              </a:rPr>
+              <a:t>) </a:t>
+            </a:r>
+            <a:r>
+              <a:rPr lang="pt-BR" sz="2400" dirty="0" smtClean="0">
+                <a:ln w="0"/>
+                <a:solidFill>
+                  <a:schemeClr val="bg1"/>
+                </a:solidFill>
+                <a:latin typeface="Batang" panose="02030600000101010101" pitchFamily="18" charset="-127"/>
+                <a:ea typeface="Batang" panose="02030600000101010101" pitchFamily="18" charset="-127"/>
+              </a:rPr>
+              <a:t>141</a:t>
+            </a:r>
+            <a:endParaRPr lang="en-US" sz="1848" i="1" dirty="0">
+              <a:ln w="0"/>
+              <a:solidFill>
+                <a:schemeClr val="bg1"/>
+              </a:solidFill>
+              <a:latin typeface="Batang" panose="02030600000101010101" pitchFamily="18" charset="-127"/>
+              <a:ea typeface="Batang" panose="02030600000101010101" pitchFamily="18" charset="-127"/>
+            </a:endParaRPr>
+          </a:p>
+        </p:txBody>
+      </p:sp>
+      <p:sp>
+        <p:nvSpPr>
+          <p:cNvPr id="9" name="Rectangle 14">
+            <a:extLst>
+              <a:ext uri="{FF2B5EF4-FFF2-40B4-BE49-F238E27FC236}">
+                <a16:creationId xmlns:a16="http://schemas.microsoft.com/office/drawing/2014/main" xmlns="" id="{88C45C25-BF1B-4018-8A33-8F627F02D4A4}"/>
+              </a:ext>
+            </a:extLst>
+          </p:cNvPr>
+          <p:cNvSpPr/>
+          <p:nvPr/>
+        </p:nvSpPr>
+        <p:spPr>
+          <a:xfrm>
+            <a:off x="262486" y="1677686"/>
+            <a:ext cx="4792200" cy="409016"/>
+          </a:xfrm>
+          <a:prstGeom prst="rect">
+            <a:avLst/>
+          </a:prstGeom>
+          <a:noFill/>
+        </p:spPr>
+        <p:txBody>
+          <a:bodyPr wrap="square" lIns="39300" tIns="19650" rIns="39300" bIns="19650">
+            <a:spAutoFit/>
+          </a:bodyPr>
+          <a:lstStyle/>
+          <a:p>
+            <a:r>
+              <a:rPr lang="pt-BR" sz="2400" b="1" dirty="0" smtClean="0">
+                <a:ln w="0"/>
+                <a:solidFill>
+                  <a:srgbClr val="FFFF00"/>
+                </a:solidFill>
+                <a:effectLst>
+                  <a:outerShdw blurRad="38100" dist="19050" dir="2700000" algn="tl" rotWithShape="0">
+                    <a:schemeClr val="dk1">
+                      <a:alpha val="40000"/>
+                    </a:schemeClr>
+                  </a:outerShdw>
+                </a:effectLst>
+              </a:rPr>
+              <a:t>B</a:t>
+            </a:r>
+            <a:r>
+              <a:rPr lang="pt-BR" sz="2400" b="1" dirty="0" smtClean="0">
+                <a:ln w="0"/>
+                <a:solidFill>
+                  <a:srgbClr val="FFFF00"/>
+                </a:solidFill>
+                <a:effectLst>
+                  <a:outerShdw blurRad="38100" dist="19050" dir="2700000" algn="tl" rotWithShape="0">
+                    <a:schemeClr val="dk1">
+                      <a:alpha val="40000"/>
+                    </a:schemeClr>
+                  </a:outerShdw>
+                </a:effectLst>
+              </a:rPr>
+              <a:t>) </a:t>
+            </a:r>
+            <a:r>
+              <a:rPr lang="pt-BR" sz="2400" dirty="0" smtClean="0">
+                <a:ln w="0"/>
+                <a:solidFill>
+                  <a:schemeClr val="bg1"/>
+                </a:solidFill>
+                <a:latin typeface="Batang" panose="02030600000101010101" pitchFamily="18" charset="-127"/>
+                <a:ea typeface="Batang" panose="02030600000101010101" pitchFamily="18" charset="-127"/>
+              </a:rPr>
+              <a:t>140</a:t>
+            </a:r>
+            <a:endParaRPr lang="en-US" sz="2016" i="1" dirty="0">
+              <a:ln w="0"/>
+              <a:solidFill>
+                <a:schemeClr val="bg1"/>
+              </a:solidFill>
+              <a:latin typeface="Batang" panose="02030600000101010101" pitchFamily="18" charset="-127"/>
+              <a:ea typeface="Batang" panose="02030600000101010101" pitchFamily="18" charset="-127"/>
+            </a:endParaRPr>
+          </a:p>
+        </p:txBody>
+      </p:sp>
+      <p:sp>
+        <p:nvSpPr>
+          <p:cNvPr id="10" name="Rectangle 14">
+            <a:extLst>
+              <a:ext uri="{FF2B5EF4-FFF2-40B4-BE49-F238E27FC236}">
+                <a16:creationId xmlns:a16="http://schemas.microsoft.com/office/drawing/2014/main" xmlns="" id="{88C45C25-BF1B-4018-8A33-8F627F02D4A4}"/>
+              </a:ext>
+            </a:extLst>
+          </p:cNvPr>
+          <p:cNvSpPr/>
+          <p:nvPr/>
+        </p:nvSpPr>
+        <p:spPr>
+          <a:xfrm>
+            <a:off x="262486" y="2292179"/>
+            <a:ext cx="4792200" cy="409016"/>
+          </a:xfrm>
+          <a:prstGeom prst="rect">
+            <a:avLst/>
+          </a:prstGeom>
+          <a:noFill/>
+        </p:spPr>
+        <p:txBody>
+          <a:bodyPr wrap="square" lIns="39300" tIns="19650" rIns="39300" bIns="19650">
+            <a:spAutoFit/>
+          </a:bodyPr>
+          <a:lstStyle/>
+          <a:p>
+            <a:r>
+              <a:rPr lang="pt-BR" sz="2400" b="1" dirty="0">
+                <a:ln w="0"/>
+                <a:solidFill>
+                  <a:srgbClr val="FFFF00"/>
+                </a:solidFill>
+                <a:effectLst>
+                  <a:outerShdw blurRad="38100" dist="19050" dir="2700000" algn="tl" rotWithShape="0">
+                    <a:schemeClr val="dk1">
+                      <a:alpha val="40000"/>
+                    </a:schemeClr>
+                  </a:outerShdw>
+                </a:effectLst>
+              </a:rPr>
+              <a:t>C</a:t>
+            </a:r>
+            <a:r>
+              <a:rPr lang="pt-BR" sz="2400" b="1" dirty="0" smtClean="0">
+                <a:ln w="0"/>
+                <a:solidFill>
+                  <a:srgbClr val="FFFF00"/>
+                </a:solidFill>
+                <a:effectLst>
+                  <a:outerShdw blurRad="38100" dist="19050" dir="2700000" algn="tl" rotWithShape="0">
+                    <a:schemeClr val="dk1">
+                      <a:alpha val="40000"/>
+                    </a:schemeClr>
+                  </a:outerShdw>
+                </a:effectLst>
+              </a:rPr>
+              <a:t>) </a:t>
+            </a:r>
+            <a:r>
+              <a:rPr lang="pt-BR" sz="2400" dirty="0" smtClean="0">
+                <a:ln w="0"/>
+                <a:solidFill>
+                  <a:schemeClr val="bg1"/>
+                </a:solidFill>
+                <a:latin typeface="Batang" panose="02030600000101010101" pitchFamily="18" charset="-127"/>
+                <a:ea typeface="Batang" panose="02030600000101010101" pitchFamily="18" charset="-127"/>
+              </a:rPr>
+              <a:t>105</a:t>
+            </a:r>
+            <a:endParaRPr lang="en-US" sz="2016" i="1" dirty="0">
+              <a:ln w="0"/>
+              <a:solidFill>
+                <a:schemeClr val="bg1"/>
+              </a:solidFill>
+              <a:latin typeface="Batang" panose="02030600000101010101" pitchFamily="18" charset="-127"/>
+              <a:ea typeface="Batang" panose="02030600000101010101" pitchFamily="18" charset="-127"/>
+            </a:endParaRPr>
+          </a:p>
+        </p:txBody>
+      </p:sp>
+      <p:sp>
+        <p:nvSpPr>
+          <p:cNvPr id="11" name="Rectangle 14">
+            <a:extLst>
+              <a:ext uri="{FF2B5EF4-FFF2-40B4-BE49-F238E27FC236}">
+                <a16:creationId xmlns:a16="http://schemas.microsoft.com/office/drawing/2014/main" xmlns="" id="{88C45C25-BF1B-4018-8A33-8F627F02D4A4}"/>
+              </a:ext>
+            </a:extLst>
+          </p:cNvPr>
+          <p:cNvSpPr/>
+          <p:nvPr/>
+        </p:nvSpPr>
+        <p:spPr>
+          <a:xfrm>
+            <a:off x="262486" y="2827625"/>
+            <a:ext cx="4792200" cy="409016"/>
+          </a:xfrm>
+          <a:prstGeom prst="rect">
+            <a:avLst/>
+          </a:prstGeom>
+          <a:noFill/>
+        </p:spPr>
+        <p:txBody>
+          <a:bodyPr wrap="square" lIns="39300" tIns="19650" rIns="39300" bIns="19650">
+            <a:spAutoFit/>
+          </a:bodyPr>
+          <a:lstStyle/>
+          <a:p>
+            <a:r>
+              <a:rPr lang="pt-BR" sz="2400" b="1" dirty="0" smtClean="0">
+                <a:ln w="0"/>
+                <a:solidFill>
+                  <a:srgbClr val="FFFF00"/>
+                </a:solidFill>
+                <a:effectLst>
+                  <a:outerShdw blurRad="38100" dist="19050" dir="2700000" algn="tl" rotWithShape="0">
+                    <a:schemeClr val="dk1">
+                      <a:alpha val="40000"/>
+                    </a:schemeClr>
+                  </a:outerShdw>
+                </a:effectLst>
+              </a:rPr>
+              <a:t>D) </a:t>
+            </a:r>
+            <a:r>
+              <a:rPr lang="pt-BR" sz="2400" dirty="0" smtClean="0">
+                <a:ln w="0"/>
+                <a:solidFill>
+                  <a:schemeClr val="bg1"/>
+                </a:solidFill>
+                <a:latin typeface="Batang" panose="02030600000101010101" pitchFamily="18" charset="-127"/>
+                <a:ea typeface="Batang" panose="02030600000101010101" pitchFamily="18" charset="-127"/>
+              </a:rPr>
+              <a:t>131</a:t>
+            </a:r>
+            <a:endParaRPr lang="en-US" sz="2016" i="1" dirty="0">
+              <a:ln w="0"/>
+              <a:solidFill>
+                <a:schemeClr val="bg1"/>
+              </a:solidFill>
+              <a:latin typeface="Batang" panose="02030600000101010101" pitchFamily="18" charset="-127"/>
+              <a:ea typeface="Batang" panose="02030600000101010101" pitchFamily="18" charset="-127"/>
+            </a:endParaRPr>
+          </a:p>
+        </p:txBody>
+      </p:sp>
+      <p:pic>
+        <p:nvPicPr>
+          <p:cNvPr id="3074" name="Picture 2" descr="Resultado de imagem para divisão"/>
+          <p:cNvPicPr>
+            <a:picLocks noChangeAspect="1" noChangeArrowheads="1"/>
+          </p:cNvPicPr>
+          <p:nvPr/>
+        </p:nvPicPr>
+        <p:blipFill>
+          <a:blip r:embed="rId4">
+            <a:extLst>
+              <a:ext uri="{28A0092B-C50C-407E-A947-70E740481C1C}">
+                <a14:useLocalDpi xmlns:a14="http://schemas.microsoft.com/office/drawing/2010/main" val="0"/>
+              </a:ext>
+            </a:extLst>
+          </a:blip>
+          <a:srcRect/>
+          <a:stretch>
+            <a:fillRect/>
+          </a:stretch>
+        </p:blipFill>
+        <p:spPr bwMode="auto">
+          <a:xfrm>
+            <a:off x="1849597" y="1238786"/>
+            <a:ext cx="4661662" cy="1997855"/>
+          </a:xfrm>
+          <a:prstGeom prst="rect">
+            <a:avLst/>
+          </a:prstGeom>
+          <a:noFill/>
+          <a:extLst>
+            <a:ext uri="{909E8E84-426E-40DD-AFC4-6F175D3DCCD1}">
+              <a14:hiddenFill xmlns:a14="http://schemas.microsoft.com/office/drawing/2010/main">
+                <a:solidFill>
+                  <a:srgbClr val="FFFFFF"/>
+                </a:solidFill>
+              </a14:hiddenFill>
+            </a:ext>
+          </a:extLst>
+        </p:spPr>
+      </p:pic>
+    </p:spTree>
+    <p:extLst>
+      <p:ext uri="{BB962C8B-B14F-4D97-AF65-F5344CB8AC3E}">
+        <p14:creationId xmlns:p14="http://schemas.microsoft.com/office/powerpoint/2010/main" val="3888067372"/>
+      </p:ext>
+    </p:extLst>
+  </p:cSld>
+  <p:clrMapOvr>
+    <a:masterClrMapping/>
+  </p:clrMapOvr>
+  <p:transition spd="slow">
+    <p:wipe/>
+  </p:transition>
+</p:sld>
+</file>
+
+<file path=ppt/slides/slide31.xml><?xml version="1.0" encoding="utf-8"?>
+<p:sld xmlns:a="http://schemas.openxmlformats.org/drawingml/2006/main" xmlns:r="http://schemas.openxmlformats.org/officeDocument/2006/relationships" xmlns:p="http://schemas.openxmlformats.org/presentationml/2006/main">
+  <p:cSld>
+    <p:bg>
+      <p:bgPr>
+        <a:blipFill>
+          <a:blip r:embed="rId3"/>
+          <a:stretch>
+            <a:fillRect/>
+          </a:stretch>
+        </a:blipFill>
+        <a:effectLst/>
+      </p:bgPr>
+    </p:bg>
+    <p:spTree>
+      <p:nvGrpSpPr>
+        <p:cNvPr id="1" name=""/>
+        <p:cNvGrpSpPr/>
+        <p:nvPr/>
+      </p:nvGrpSpPr>
+      <p:grpSpPr>
+        <a:xfrm>
+          <a:off x="0" y="0"/>
+          <a:ext cx="0" cy="0"/>
+          <a:chOff x="0" y="0"/>
+          <a:chExt cx="0" cy="0"/>
+        </a:xfrm>
+      </p:grpSpPr>
+      <p:sp>
+        <p:nvSpPr>
+          <p:cNvPr id="2" name="Rectangle 1">
+            <a:extLst>
+              <a:ext uri="{FF2B5EF4-FFF2-40B4-BE49-F238E27FC236}">
+                <a16:creationId xmlns:a16="http://schemas.microsoft.com/office/drawing/2014/main" xmlns="" id="{4F38584F-66B2-464F-9BA7-6F9A856D602F}"/>
+              </a:ext>
+            </a:extLst>
+          </p:cNvPr>
+          <p:cNvSpPr/>
+          <p:nvPr/>
+        </p:nvSpPr>
+        <p:spPr>
+          <a:xfrm>
+            <a:off x="262486" y="117793"/>
+            <a:ext cx="6255944" cy="532126"/>
+          </a:xfrm>
+          <a:prstGeom prst="rect">
+            <a:avLst/>
+          </a:prstGeom>
+          <a:noFill/>
+        </p:spPr>
+        <p:txBody>
+          <a:bodyPr wrap="square" lIns="39300" tIns="19650" rIns="39300" bIns="19650">
+            <a:spAutoFit/>
+          </a:bodyPr>
+          <a:lstStyle/>
+          <a:p>
+            <a:r>
+              <a:rPr lang="pt-BR" sz="3200" dirty="0">
+                <a:solidFill>
+                  <a:schemeClr val="bg1"/>
+                </a:solidFill>
+                <a:latin typeface="Batang" panose="02030600000101010101" pitchFamily="18" charset="-127"/>
+                <a:ea typeface="Batang" panose="02030600000101010101" pitchFamily="18" charset="-127"/>
+              </a:rPr>
+              <a:t>Dividir 423 por 3.</a:t>
+            </a:r>
+            <a:endParaRPr lang="en-US" sz="3200" i="1" dirty="0">
+              <a:ln w="0"/>
+              <a:solidFill>
+                <a:schemeClr val="bg1"/>
+              </a:solidFill>
+              <a:effectLst>
+                <a:outerShdw blurRad="38100" dist="19050" dir="2700000" algn="tl" rotWithShape="0">
+                  <a:schemeClr val="dk1">
+                    <a:alpha val="40000"/>
+                  </a:schemeClr>
+                </a:outerShdw>
+              </a:effectLst>
+              <a:latin typeface="Batang" panose="02030600000101010101" pitchFamily="18" charset="-127"/>
+              <a:ea typeface="Batang" panose="02030600000101010101" pitchFamily="18" charset="-127"/>
+            </a:endParaRPr>
+          </a:p>
+        </p:txBody>
+      </p:sp>
+      <p:sp>
+        <p:nvSpPr>
+          <p:cNvPr id="15" name="Rectangle 14">
+            <a:extLst>
+              <a:ext uri="{FF2B5EF4-FFF2-40B4-BE49-F238E27FC236}">
+                <a16:creationId xmlns:a16="http://schemas.microsoft.com/office/drawing/2014/main" xmlns="" id="{88C45C25-BF1B-4018-8A33-8F627F02D4A4}"/>
+              </a:ext>
+            </a:extLst>
+          </p:cNvPr>
+          <p:cNvSpPr/>
+          <p:nvPr/>
+        </p:nvSpPr>
+        <p:spPr>
+          <a:xfrm>
+            <a:off x="262486" y="1455079"/>
+            <a:ext cx="4792200" cy="532126"/>
+          </a:xfrm>
+          <a:prstGeom prst="rect">
+            <a:avLst/>
+          </a:prstGeom>
+          <a:noFill/>
+        </p:spPr>
+        <p:txBody>
+          <a:bodyPr wrap="square" lIns="39300" tIns="19650" rIns="39300" bIns="19650">
+            <a:spAutoFit/>
+          </a:bodyPr>
+          <a:lstStyle/>
+          <a:p>
+            <a:r>
+              <a:rPr lang="pt-BR" sz="3200" b="1" dirty="0">
+                <a:ln w="0"/>
+                <a:solidFill>
+                  <a:srgbClr val="FFFF00"/>
+                </a:solidFill>
+                <a:effectLst>
+                  <a:outerShdw blurRad="38100" dist="19050" dir="2700000" algn="tl" rotWithShape="0">
+                    <a:schemeClr val="dk1">
+                      <a:alpha val="40000"/>
+                    </a:schemeClr>
+                  </a:outerShdw>
+                </a:effectLst>
+              </a:rPr>
+              <a:t>A</a:t>
+            </a:r>
+            <a:r>
+              <a:rPr lang="pt-BR" sz="3200" b="1" dirty="0" smtClean="0">
+                <a:ln w="0"/>
+                <a:solidFill>
+                  <a:srgbClr val="FFFF00"/>
+                </a:solidFill>
+                <a:effectLst>
+                  <a:outerShdw blurRad="38100" dist="19050" dir="2700000" algn="tl" rotWithShape="0">
+                    <a:schemeClr val="dk1">
+                      <a:alpha val="40000"/>
+                    </a:schemeClr>
+                  </a:outerShdw>
+                </a:effectLst>
+              </a:rPr>
+              <a:t>) </a:t>
+            </a:r>
+            <a:r>
+              <a:rPr lang="pt-BR" sz="3200" dirty="0" smtClean="0">
+                <a:ln w="0"/>
+                <a:solidFill>
+                  <a:schemeClr val="bg1"/>
+                </a:solidFill>
+                <a:latin typeface="Batang" panose="02030600000101010101" pitchFamily="18" charset="-127"/>
+                <a:ea typeface="Batang" panose="02030600000101010101" pitchFamily="18" charset="-127"/>
+              </a:rPr>
+              <a:t>141</a:t>
+            </a:r>
+            <a:endParaRPr lang="en-US" sz="3200" i="1" dirty="0">
+              <a:ln w="0"/>
+              <a:solidFill>
+                <a:schemeClr val="bg1"/>
+              </a:solidFill>
+              <a:latin typeface="Batang" panose="02030600000101010101" pitchFamily="18" charset="-127"/>
+              <a:ea typeface="Batang" panose="02030600000101010101" pitchFamily="18" charset="-127"/>
+            </a:endParaRPr>
+          </a:p>
+        </p:txBody>
+      </p:sp>
+      <p:pic>
+        <p:nvPicPr>
+          <p:cNvPr id="4098" name="Picture 2" descr="Resultado de imagem para divisão"/>
+          <p:cNvPicPr>
+            <a:picLocks noChangeAspect="1" noChangeArrowheads="1"/>
+          </p:cNvPicPr>
+          <p:nvPr/>
+        </p:nvPicPr>
+        <p:blipFill>
+          <a:blip r:embed="rId4">
+            <a:extLst>
+              <a:ext uri="{28A0092B-C50C-407E-A947-70E740481C1C}">
+                <a14:useLocalDpi xmlns:a14="http://schemas.microsoft.com/office/drawing/2010/main" val="0"/>
+              </a:ext>
+            </a:extLst>
+          </a:blip>
+          <a:srcRect/>
+          <a:stretch>
+            <a:fillRect/>
+          </a:stretch>
+        </p:blipFill>
+        <p:spPr bwMode="auto">
+          <a:xfrm>
+            <a:off x="2754086" y="755421"/>
+            <a:ext cx="2819400" cy="2750913"/>
+          </a:xfrm>
+          <a:prstGeom prst="rect">
+            <a:avLst/>
+          </a:prstGeom>
+          <a:noFill/>
+          <a:extLst>
+            <a:ext uri="{909E8E84-426E-40DD-AFC4-6F175D3DCCD1}">
+              <a14:hiddenFill xmlns:a14="http://schemas.microsoft.com/office/drawing/2010/main">
+                <a:solidFill>
+                  <a:srgbClr val="FFFFFF"/>
+                </a:solidFill>
+              </a14:hiddenFill>
+            </a:ext>
+          </a:extLst>
+        </p:spPr>
+      </p:pic>
+    </p:spTree>
+    <p:extLst>
+      <p:ext uri="{BB962C8B-B14F-4D97-AF65-F5344CB8AC3E}">
+        <p14:creationId xmlns:p14="http://schemas.microsoft.com/office/powerpoint/2010/main" val="1072115149"/>
+      </p:ext>
+    </p:extLst>
+  </p:cSld>
+  <p:clrMapOvr>
+    <a:masterClrMapping/>
+  </p:clrMapOvr>
+  <p:transition spd="slow">
+    <p:wipe/>
+  </p:transition>
+</p:sld>
+</file>
+
+<file path=ppt/slides/slide32.xml><?xml version="1.0" encoding="utf-8"?>
+<p:sld xmlns:a="http://schemas.openxmlformats.org/drawingml/2006/main" xmlns:r="http://schemas.openxmlformats.org/officeDocument/2006/relationships" xmlns:p="http://schemas.openxmlformats.org/presentationml/2006/main">
+  <p:cSld>
+    <p:bg>
+      <p:bgPr>
+        <a:blipFill>
+          <a:blip r:embed="rId3"/>
+          <a:stretch>
+            <a:fillRect/>
+          </a:stretch>
+        </a:blipFill>
+        <a:effectLst/>
+      </p:bgPr>
+    </p:bg>
+    <p:spTree>
+      <p:nvGrpSpPr>
+        <p:cNvPr id="1" name=""/>
+        <p:cNvGrpSpPr/>
+        <p:nvPr/>
+      </p:nvGrpSpPr>
+      <p:grpSpPr>
+        <a:xfrm>
+          <a:off x="0" y="0"/>
+          <a:ext cx="0" cy="0"/>
+          <a:chOff x="0" y="0"/>
+          <a:chExt cx="0" cy="0"/>
+        </a:xfrm>
+      </p:grpSpPr>
+      <p:sp>
+        <p:nvSpPr>
+          <p:cNvPr id="2" name="Rectangle 1">
+            <a:extLst>
+              <a:ext uri="{FF2B5EF4-FFF2-40B4-BE49-F238E27FC236}">
+                <a16:creationId xmlns:a16="http://schemas.microsoft.com/office/drawing/2014/main" xmlns="" id="{4F38584F-66B2-464F-9BA7-6F9A856D602F}"/>
+              </a:ext>
+            </a:extLst>
+          </p:cNvPr>
+          <p:cNvSpPr/>
+          <p:nvPr/>
+        </p:nvSpPr>
+        <p:spPr>
+          <a:xfrm>
+            <a:off x="262486" y="117793"/>
+            <a:ext cx="6255944" cy="532126"/>
+          </a:xfrm>
+          <a:prstGeom prst="rect">
+            <a:avLst/>
+          </a:prstGeom>
+          <a:noFill/>
+        </p:spPr>
+        <p:txBody>
+          <a:bodyPr wrap="square" lIns="39300" tIns="19650" rIns="39300" bIns="19650">
+            <a:spAutoFit/>
+          </a:bodyPr>
+          <a:lstStyle/>
+          <a:p>
+            <a:r>
+              <a:rPr lang="pt-BR" sz="3200" dirty="0">
+                <a:solidFill>
+                  <a:schemeClr val="bg1"/>
+                </a:solidFill>
+                <a:latin typeface="Batang" panose="02030600000101010101" pitchFamily="18" charset="-127"/>
+                <a:ea typeface="Batang" panose="02030600000101010101" pitchFamily="18" charset="-127"/>
+              </a:rPr>
+              <a:t>Dividir 326 por 3.</a:t>
+            </a:r>
+            <a:endParaRPr lang="en-US" sz="3200" dirty="0">
+              <a:ln w="0"/>
+              <a:solidFill>
+                <a:schemeClr val="bg1"/>
+              </a:solidFill>
+              <a:effectLst>
+                <a:outerShdw blurRad="38100" dist="19050" dir="2700000" algn="tl" rotWithShape="0">
+                  <a:schemeClr val="dk1">
+                    <a:alpha val="40000"/>
+                  </a:schemeClr>
+                </a:outerShdw>
+              </a:effectLst>
+              <a:latin typeface="Batang" panose="02030600000101010101" pitchFamily="18" charset="-127"/>
+              <a:ea typeface="Batang" panose="02030600000101010101" pitchFamily="18" charset="-127"/>
+            </a:endParaRPr>
+          </a:p>
+        </p:txBody>
+      </p:sp>
+      <p:sp>
+        <p:nvSpPr>
+          <p:cNvPr id="15" name="Rectangle 14">
+            <a:extLst>
+              <a:ext uri="{FF2B5EF4-FFF2-40B4-BE49-F238E27FC236}">
+                <a16:creationId xmlns:a16="http://schemas.microsoft.com/office/drawing/2014/main" xmlns="" id="{88C45C25-BF1B-4018-8A33-8F627F02D4A4}"/>
+              </a:ext>
+            </a:extLst>
+          </p:cNvPr>
+          <p:cNvSpPr/>
+          <p:nvPr/>
+        </p:nvSpPr>
+        <p:spPr>
+          <a:xfrm>
+            <a:off x="262486" y="1063193"/>
+            <a:ext cx="4792200" cy="409016"/>
+          </a:xfrm>
+          <a:prstGeom prst="rect">
+            <a:avLst/>
+          </a:prstGeom>
+          <a:noFill/>
+        </p:spPr>
+        <p:txBody>
+          <a:bodyPr wrap="square" lIns="39300" tIns="19650" rIns="39300" bIns="19650">
+            <a:spAutoFit/>
+          </a:bodyPr>
+          <a:lstStyle/>
+          <a:p>
+            <a:r>
+              <a:rPr lang="pt-BR" sz="2400" b="1" dirty="0">
+                <a:ln w="0"/>
+                <a:solidFill>
+                  <a:srgbClr val="FFFF00"/>
+                </a:solidFill>
+                <a:effectLst>
+                  <a:outerShdw blurRad="38100" dist="19050" dir="2700000" algn="tl" rotWithShape="0">
+                    <a:schemeClr val="dk1">
+                      <a:alpha val="40000"/>
+                    </a:schemeClr>
+                  </a:outerShdw>
+                </a:effectLst>
+              </a:rPr>
+              <a:t>A</a:t>
+            </a:r>
+            <a:r>
+              <a:rPr lang="pt-BR" sz="2400" b="1" dirty="0" smtClean="0">
+                <a:ln w="0"/>
+                <a:solidFill>
+                  <a:srgbClr val="FFFF00"/>
+                </a:solidFill>
+                <a:effectLst>
+                  <a:outerShdw blurRad="38100" dist="19050" dir="2700000" algn="tl" rotWithShape="0">
+                    <a:schemeClr val="dk1">
+                      <a:alpha val="40000"/>
+                    </a:schemeClr>
+                  </a:outerShdw>
+                </a:effectLst>
+              </a:rPr>
+              <a:t>) </a:t>
+            </a:r>
+            <a:r>
+              <a:rPr lang="pt-BR" sz="2400" dirty="0" smtClean="0">
+                <a:ln w="0"/>
+                <a:solidFill>
+                  <a:schemeClr val="bg1"/>
+                </a:solidFill>
+                <a:latin typeface="Batang" panose="02030600000101010101" pitchFamily="18" charset="-127"/>
+                <a:ea typeface="Batang" panose="02030600000101010101" pitchFamily="18" charset="-127"/>
+              </a:rPr>
+              <a:t>109</a:t>
+            </a:r>
+            <a:endParaRPr lang="en-US" sz="1848" i="1" dirty="0">
+              <a:ln w="0"/>
+              <a:solidFill>
+                <a:schemeClr val="bg1"/>
+              </a:solidFill>
+              <a:latin typeface="Batang" panose="02030600000101010101" pitchFamily="18" charset="-127"/>
+              <a:ea typeface="Batang" panose="02030600000101010101" pitchFamily="18" charset="-127"/>
+            </a:endParaRPr>
+          </a:p>
+        </p:txBody>
+      </p:sp>
+      <p:sp>
+        <p:nvSpPr>
+          <p:cNvPr id="9" name="Rectangle 14">
+            <a:extLst>
+              <a:ext uri="{FF2B5EF4-FFF2-40B4-BE49-F238E27FC236}">
+                <a16:creationId xmlns:a16="http://schemas.microsoft.com/office/drawing/2014/main" xmlns="" id="{88C45C25-BF1B-4018-8A33-8F627F02D4A4}"/>
+              </a:ext>
+            </a:extLst>
+          </p:cNvPr>
+          <p:cNvSpPr/>
+          <p:nvPr/>
+        </p:nvSpPr>
+        <p:spPr>
+          <a:xfrm>
+            <a:off x="262486" y="1677686"/>
+            <a:ext cx="4792200" cy="409016"/>
+          </a:xfrm>
+          <a:prstGeom prst="rect">
+            <a:avLst/>
+          </a:prstGeom>
+          <a:noFill/>
+        </p:spPr>
+        <p:txBody>
+          <a:bodyPr wrap="square" lIns="39300" tIns="19650" rIns="39300" bIns="19650">
+            <a:spAutoFit/>
+          </a:bodyPr>
+          <a:lstStyle/>
+          <a:p>
+            <a:r>
+              <a:rPr lang="pt-BR" sz="2400" b="1" dirty="0" smtClean="0">
+                <a:ln w="0"/>
+                <a:solidFill>
+                  <a:srgbClr val="FFFF00"/>
+                </a:solidFill>
+                <a:effectLst>
+                  <a:outerShdw blurRad="38100" dist="19050" dir="2700000" algn="tl" rotWithShape="0">
+                    <a:schemeClr val="dk1">
+                      <a:alpha val="40000"/>
+                    </a:schemeClr>
+                  </a:outerShdw>
+                </a:effectLst>
+              </a:rPr>
+              <a:t>B</a:t>
+            </a:r>
+            <a:r>
+              <a:rPr lang="pt-BR" sz="2400" b="1" dirty="0" smtClean="0">
+                <a:ln w="0"/>
+                <a:solidFill>
+                  <a:srgbClr val="FFFF00"/>
+                </a:solidFill>
+                <a:effectLst>
+                  <a:outerShdw blurRad="38100" dist="19050" dir="2700000" algn="tl" rotWithShape="0">
+                    <a:schemeClr val="dk1">
+                      <a:alpha val="40000"/>
+                    </a:schemeClr>
+                  </a:outerShdw>
+                </a:effectLst>
+              </a:rPr>
+              <a:t>) </a:t>
+            </a:r>
+            <a:r>
+              <a:rPr lang="pt-BR" sz="2400" dirty="0" smtClean="0">
+                <a:ln w="0"/>
+                <a:solidFill>
+                  <a:schemeClr val="bg1"/>
+                </a:solidFill>
+                <a:latin typeface="Batang" panose="02030600000101010101" pitchFamily="18" charset="-127"/>
+                <a:ea typeface="Batang" panose="02030600000101010101" pitchFamily="18" charset="-127"/>
+              </a:rPr>
+              <a:t>111</a:t>
+            </a:r>
+            <a:endParaRPr lang="en-US" sz="2016" i="1" dirty="0">
+              <a:ln w="0"/>
+              <a:solidFill>
+                <a:schemeClr val="bg1"/>
+              </a:solidFill>
+              <a:latin typeface="Batang" panose="02030600000101010101" pitchFamily="18" charset="-127"/>
+              <a:ea typeface="Batang" panose="02030600000101010101" pitchFamily="18" charset="-127"/>
+            </a:endParaRPr>
+          </a:p>
+        </p:txBody>
+      </p:sp>
+      <p:sp>
+        <p:nvSpPr>
+          <p:cNvPr id="10" name="Rectangle 14">
+            <a:extLst>
+              <a:ext uri="{FF2B5EF4-FFF2-40B4-BE49-F238E27FC236}">
+                <a16:creationId xmlns:a16="http://schemas.microsoft.com/office/drawing/2014/main" xmlns="" id="{88C45C25-BF1B-4018-8A33-8F627F02D4A4}"/>
+              </a:ext>
+            </a:extLst>
+          </p:cNvPr>
+          <p:cNvSpPr/>
+          <p:nvPr/>
+        </p:nvSpPr>
+        <p:spPr>
+          <a:xfrm>
+            <a:off x="262486" y="2292179"/>
+            <a:ext cx="4792200" cy="409016"/>
+          </a:xfrm>
+          <a:prstGeom prst="rect">
+            <a:avLst/>
+          </a:prstGeom>
+          <a:noFill/>
+        </p:spPr>
+        <p:txBody>
+          <a:bodyPr wrap="square" lIns="39300" tIns="19650" rIns="39300" bIns="19650">
+            <a:spAutoFit/>
+          </a:bodyPr>
+          <a:lstStyle/>
+          <a:p>
+            <a:r>
+              <a:rPr lang="pt-BR" sz="2400" b="1" dirty="0">
+                <a:ln w="0"/>
+                <a:solidFill>
+                  <a:srgbClr val="FFFF00"/>
+                </a:solidFill>
+                <a:effectLst>
+                  <a:outerShdw blurRad="38100" dist="19050" dir="2700000" algn="tl" rotWithShape="0">
+                    <a:schemeClr val="dk1">
+                      <a:alpha val="40000"/>
+                    </a:schemeClr>
+                  </a:outerShdw>
+                </a:effectLst>
+              </a:rPr>
+              <a:t>C</a:t>
+            </a:r>
+            <a:r>
+              <a:rPr lang="pt-BR" sz="2400" b="1" dirty="0" smtClean="0">
+                <a:ln w="0"/>
+                <a:solidFill>
+                  <a:srgbClr val="FFFF00"/>
+                </a:solidFill>
+                <a:effectLst>
+                  <a:outerShdw blurRad="38100" dist="19050" dir="2700000" algn="tl" rotWithShape="0">
+                    <a:schemeClr val="dk1">
+                      <a:alpha val="40000"/>
+                    </a:schemeClr>
+                  </a:outerShdw>
+                </a:effectLst>
+              </a:rPr>
+              <a:t>) </a:t>
+            </a:r>
+            <a:r>
+              <a:rPr lang="pt-BR" sz="2400" dirty="0" smtClean="0">
+                <a:ln w="0"/>
+                <a:solidFill>
+                  <a:schemeClr val="bg1"/>
+                </a:solidFill>
+                <a:latin typeface="Batang" panose="02030600000101010101" pitchFamily="18" charset="-127"/>
+                <a:ea typeface="Batang" panose="02030600000101010101" pitchFamily="18" charset="-127"/>
+              </a:rPr>
+              <a:t>105</a:t>
+            </a:r>
+            <a:endParaRPr lang="en-US" sz="2016" i="1" dirty="0">
+              <a:ln w="0"/>
+              <a:solidFill>
+                <a:schemeClr val="bg1"/>
+              </a:solidFill>
+              <a:latin typeface="Batang" panose="02030600000101010101" pitchFamily="18" charset="-127"/>
+              <a:ea typeface="Batang" panose="02030600000101010101" pitchFamily="18" charset="-127"/>
+            </a:endParaRPr>
+          </a:p>
+        </p:txBody>
+      </p:sp>
+      <p:sp>
+        <p:nvSpPr>
+          <p:cNvPr id="11" name="Rectangle 14">
+            <a:extLst>
+              <a:ext uri="{FF2B5EF4-FFF2-40B4-BE49-F238E27FC236}">
+                <a16:creationId xmlns:a16="http://schemas.microsoft.com/office/drawing/2014/main" xmlns="" id="{88C45C25-BF1B-4018-8A33-8F627F02D4A4}"/>
+              </a:ext>
+            </a:extLst>
+          </p:cNvPr>
+          <p:cNvSpPr/>
+          <p:nvPr/>
+        </p:nvSpPr>
+        <p:spPr>
+          <a:xfrm>
+            <a:off x="262486" y="2827625"/>
+            <a:ext cx="4792200" cy="409016"/>
+          </a:xfrm>
+          <a:prstGeom prst="rect">
+            <a:avLst/>
+          </a:prstGeom>
+          <a:noFill/>
+        </p:spPr>
+        <p:txBody>
+          <a:bodyPr wrap="square" lIns="39300" tIns="19650" rIns="39300" bIns="19650">
+            <a:spAutoFit/>
+          </a:bodyPr>
+          <a:lstStyle/>
+          <a:p>
+            <a:r>
+              <a:rPr lang="pt-BR" sz="2400" b="1" dirty="0" smtClean="0">
+                <a:ln w="0"/>
+                <a:solidFill>
+                  <a:srgbClr val="FFFF00"/>
+                </a:solidFill>
+                <a:effectLst>
+                  <a:outerShdw blurRad="38100" dist="19050" dir="2700000" algn="tl" rotWithShape="0">
+                    <a:schemeClr val="dk1">
+                      <a:alpha val="40000"/>
+                    </a:schemeClr>
+                  </a:outerShdw>
+                </a:effectLst>
+              </a:rPr>
+              <a:t>D) </a:t>
+            </a:r>
+            <a:r>
+              <a:rPr lang="pt-BR" sz="2400" dirty="0" smtClean="0">
+                <a:ln w="0"/>
+                <a:solidFill>
+                  <a:schemeClr val="bg1"/>
+                </a:solidFill>
+                <a:latin typeface="Batang" panose="02030600000101010101" pitchFamily="18" charset="-127"/>
+                <a:ea typeface="Batang" panose="02030600000101010101" pitchFamily="18" charset="-127"/>
+              </a:rPr>
+              <a:t>108</a:t>
+            </a:r>
+            <a:endParaRPr lang="en-US" sz="2016" i="1" dirty="0">
+              <a:ln w="0"/>
+              <a:solidFill>
+                <a:schemeClr val="bg1"/>
+              </a:solidFill>
+              <a:latin typeface="Batang" panose="02030600000101010101" pitchFamily="18" charset="-127"/>
+              <a:ea typeface="Batang" panose="02030600000101010101" pitchFamily="18" charset="-127"/>
+            </a:endParaRPr>
+          </a:p>
+        </p:txBody>
+      </p:sp>
+      <p:pic>
+        <p:nvPicPr>
+          <p:cNvPr id="5122" name="Picture 2" descr="Resultado de imagem para divisão"/>
+          <p:cNvPicPr>
+            <a:picLocks noChangeAspect="1" noChangeArrowheads="1"/>
+          </p:cNvPicPr>
+          <p:nvPr/>
+        </p:nvPicPr>
+        <p:blipFill>
+          <a:blip r:embed="rId4">
+            <a:extLst>
+              <a:ext uri="{28A0092B-C50C-407E-A947-70E740481C1C}">
+                <a14:useLocalDpi xmlns:a14="http://schemas.microsoft.com/office/drawing/2010/main" val="0"/>
+              </a:ext>
+            </a:extLst>
+          </a:blip>
+          <a:srcRect/>
+          <a:stretch>
+            <a:fillRect/>
+          </a:stretch>
+        </p:blipFill>
+        <p:spPr bwMode="auto">
+          <a:xfrm>
+            <a:off x="2658586" y="738644"/>
+            <a:ext cx="2918871" cy="2696115"/>
+          </a:xfrm>
+          <a:prstGeom prst="rect">
+            <a:avLst/>
+          </a:prstGeom>
+          <a:noFill/>
+          <a:extLst>
+            <a:ext uri="{909E8E84-426E-40DD-AFC4-6F175D3DCCD1}">
+              <a14:hiddenFill xmlns:a14="http://schemas.microsoft.com/office/drawing/2010/main">
+                <a:solidFill>
+                  <a:srgbClr val="FFFFFF"/>
+                </a:solidFill>
+              </a14:hiddenFill>
+            </a:ext>
+          </a:extLst>
+        </p:spPr>
+      </p:pic>
+    </p:spTree>
+    <p:extLst>
+      <p:ext uri="{BB962C8B-B14F-4D97-AF65-F5344CB8AC3E}">
+        <p14:creationId xmlns:p14="http://schemas.microsoft.com/office/powerpoint/2010/main" val="4088699107"/>
+      </p:ext>
+    </p:extLst>
+  </p:cSld>
+  <p:clrMapOvr>
+    <a:masterClrMapping/>
+  </p:clrMapOvr>
+  <p:transition spd="slow">
+    <p:wipe/>
+  </p:transition>
+</p:sld>
+</file>
+
+<file path=ppt/slides/slide33.xml><?xml version="1.0" encoding="utf-8"?>
+<p:sld xmlns:a="http://schemas.openxmlformats.org/drawingml/2006/main" xmlns:r="http://schemas.openxmlformats.org/officeDocument/2006/relationships" xmlns:p="http://schemas.openxmlformats.org/presentationml/2006/main">
+  <p:cSld>
+    <p:bg>
+      <p:bgPr>
+        <a:blipFill>
+          <a:blip r:embed="rId3"/>
+          <a:stretch>
+            <a:fillRect/>
+          </a:stretch>
+        </a:blipFill>
+        <a:effectLst/>
+      </p:bgPr>
+    </p:bg>
+    <p:spTree>
+      <p:nvGrpSpPr>
+        <p:cNvPr id="1" name=""/>
+        <p:cNvGrpSpPr/>
+        <p:nvPr/>
+      </p:nvGrpSpPr>
+      <p:grpSpPr>
+        <a:xfrm>
+          <a:off x="0" y="0"/>
+          <a:ext cx="0" cy="0"/>
+          <a:chOff x="0" y="0"/>
+          <a:chExt cx="0" cy="0"/>
+        </a:xfrm>
+      </p:grpSpPr>
+      <p:sp>
+        <p:nvSpPr>
+          <p:cNvPr id="2" name="Rectangle 1">
+            <a:extLst>
+              <a:ext uri="{FF2B5EF4-FFF2-40B4-BE49-F238E27FC236}">
+                <a16:creationId xmlns:a16="http://schemas.microsoft.com/office/drawing/2014/main" xmlns="" id="{4F38584F-66B2-464F-9BA7-6F9A856D602F}"/>
+              </a:ext>
+            </a:extLst>
+          </p:cNvPr>
+          <p:cNvSpPr/>
+          <p:nvPr/>
+        </p:nvSpPr>
+        <p:spPr>
+          <a:xfrm>
+            <a:off x="262486" y="117793"/>
+            <a:ext cx="6255944" cy="532126"/>
+          </a:xfrm>
+          <a:prstGeom prst="rect">
+            <a:avLst/>
+          </a:prstGeom>
+          <a:noFill/>
+        </p:spPr>
+        <p:txBody>
+          <a:bodyPr wrap="square" lIns="39300" tIns="19650" rIns="39300" bIns="19650">
+            <a:spAutoFit/>
+          </a:bodyPr>
+          <a:lstStyle/>
+          <a:p>
+            <a:r>
+              <a:rPr lang="pt-BR" sz="3200" dirty="0">
+                <a:solidFill>
+                  <a:schemeClr val="bg1"/>
+                </a:solidFill>
+                <a:latin typeface="Batang" panose="02030600000101010101" pitchFamily="18" charset="-127"/>
+                <a:ea typeface="Batang" panose="02030600000101010101" pitchFamily="18" charset="-127"/>
+              </a:rPr>
+              <a:t>Dividir 326 por 3.</a:t>
+            </a:r>
+            <a:endParaRPr lang="en-US" sz="3200" dirty="0">
+              <a:ln w="0"/>
+              <a:solidFill>
+                <a:schemeClr val="bg1"/>
+              </a:solidFill>
+              <a:effectLst>
+                <a:outerShdw blurRad="38100" dist="19050" dir="2700000" algn="tl" rotWithShape="0">
+                  <a:schemeClr val="dk1">
+                    <a:alpha val="40000"/>
+                  </a:schemeClr>
+                </a:outerShdw>
+              </a:effectLst>
+              <a:latin typeface="Batang" panose="02030600000101010101" pitchFamily="18" charset="-127"/>
+              <a:ea typeface="Batang" panose="02030600000101010101" pitchFamily="18" charset="-127"/>
+            </a:endParaRPr>
+          </a:p>
+        </p:txBody>
+      </p:sp>
+      <p:sp>
+        <p:nvSpPr>
+          <p:cNvPr id="11" name="Rectangle 14">
+            <a:extLst>
+              <a:ext uri="{FF2B5EF4-FFF2-40B4-BE49-F238E27FC236}">
+                <a16:creationId xmlns:a16="http://schemas.microsoft.com/office/drawing/2014/main" xmlns="" id="{88C45C25-BF1B-4018-8A33-8F627F02D4A4}"/>
+              </a:ext>
+            </a:extLst>
+          </p:cNvPr>
+          <p:cNvSpPr/>
+          <p:nvPr/>
+        </p:nvSpPr>
+        <p:spPr>
+          <a:xfrm>
+            <a:off x="262486" y="1466910"/>
+            <a:ext cx="4792200" cy="470571"/>
+          </a:xfrm>
+          <a:prstGeom prst="rect">
+            <a:avLst/>
+          </a:prstGeom>
+          <a:noFill/>
+        </p:spPr>
+        <p:txBody>
+          <a:bodyPr wrap="square" lIns="39300" tIns="19650" rIns="39300" bIns="19650">
+            <a:spAutoFit/>
+          </a:bodyPr>
+          <a:lstStyle/>
+          <a:p>
+            <a:r>
+              <a:rPr lang="pt-BR" sz="2800" b="1" dirty="0" smtClean="0">
+                <a:ln w="0"/>
+                <a:solidFill>
+                  <a:srgbClr val="FFFF00"/>
+                </a:solidFill>
+                <a:effectLst>
+                  <a:outerShdw blurRad="38100" dist="19050" dir="2700000" algn="tl" rotWithShape="0">
+                    <a:schemeClr val="dk1">
+                      <a:alpha val="40000"/>
+                    </a:schemeClr>
+                  </a:outerShdw>
+                </a:effectLst>
+              </a:rPr>
+              <a:t>D) </a:t>
+            </a:r>
+            <a:r>
+              <a:rPr lang="pt-BR" sz="2800" dirty="0" smtClean="0">
+                <a:ln w="0"/>
+                <a:solidFill>
+                  <a:schemeClr val="bg1"/>
+                </a:solidFill>
+                <a:latin typeface="Batang" panose="02030600000101010101" pitchFamily="18" charset="-127"/>
+                <a:ea typeface="Batang" panose="02030600000101010101" pitchFamily="18" charset="-127"/>
+              </a:rPr>
+              <a:t>108</a:t>
+            </a:r>
+            <a:endParaRPr lang="en-US" sz="2800" i="1" dirty="0">
+              <a:ln w="0"/>
+              <a:solidFill>
+                <a:schemeClr val="bg1"/>
+              </a:solidFill>
+              <a:latin typeface="Batang" panose="02030600000101010101" pitchFamily="18" charset="-127"/>
+              <a:ea typeface="Batang" panose="02030600000101010101" pitchFamily="18" charset="-127"/>
+            </a:endParaRPr>
+          </a:p>
+        </p:txBody>
+      </p:sp>
+      <p:pic>
+        <p:nvPicPr>
+          <p:cNvPr id="6146" name="Picture 2" descr="https://sabermatematica.com.br/wp-content/uploads/2018/04/exercicios-resolvidos-326-por-3-contas-de-divisao.png"/>
+          <p:cNvPicPr>
+            <a:picLocks noChangeAspect="1" noChangeArrowheads="1"/>
+          </p:cNvPicPr>
+          <p:nvPr/>
+        </p:nvPicPr>
+        <p:blipFill>
+          <a:blip r:embed="rId4">
+            <a:extLst>
+              <a:ext uri="{28A0092B-C50C-407E-A947-70E740481C1C}">
+                <a14:useLocalDpi xmlns:a14="http://schemas.microsoft.com/office/drawing/2010/main" val="0"/>
+              </a:ext>
+            </a:extLst>
+          </a:blip>
+          <a:srcRect/>
+          <a:stretch>
+            <a:fillRect/>
+          </a:stretch>
+        </p:blipFill>
+        <p:spPr bwMode="auto">
+          <a:xfrm>
+            <a:off x="2158546" y="957944"/>
+            <a:ext cx="2794454" cy="2540514"/>
+          </a:xfrm>
+          <a:prstGeom prst="rect">
+            <a:avLst/>
+          </a:prstGeom>
+          <a:noFill/>
+          <a:extLst>
+            <a:ext uri="{909E8E84-426E-40DD-AFC4-6F175D3DCCD1}">
+              <a14:hiddenFill xmlns:a14="http://schemas.microsoft.com/office/drawing/2010/main">
+                <a:solidFill>
+                  <a:srgbClr val="FFFFFF"/>
+                </a:solidFill>
+              </a14:hiddenFill>
+            </a:ext>
+          </a:extLst>
+        </p:spPr>
+      </p:pic>
+    </p:spTree>
+    <p:extLst>
+      <p:ext uri="{BB962C8B-B14F-4D97-AF65-F5344CB8AC3E}">
+        <p14:creationId xmlns:p14="http://schemas.microsoft.com/office/powerpoint/2010/main" val="2069012343"/>
+      </p:ext>
+    </p:extLst>
+  </p:cSld>
+  <p:clrMapOvr>
+    <a:masterClrMapping/>
+  </p:clrMapOvr>
+  <p:transition spd="slow">
+    <p:wipe/>
+  </p:transition>
+</p:sld>
+</file>
+
+<file path=ppt/slides/slide34.xml><?xml version="1.0" encoding="utf-8"?>
+<p:sld xmlns:a="http://schemas.openxmlformats.org/drawingml/2006/main" xmlns:r="http://schemas.openxmlformats.org/officeDocument/2006/relationships" xmlns:p="http://schemas.openxmlformats.org/presentationml/2006/main">
+  <p:cSld>
+    <p:bg>
+      <p:bgPr>
+        <a:blipFill>
+          <a:blip r:embed="rId3"/>
+          <a:stretch>
+            <a:fillRect/>
+          </a:stretch>
+        </a:blipFill>
+        <a:effectLst/>
+      </p:bgPr>
+    </p:bg>
+    <p:spTree>
+      <p:nvGrpSpPr>
+        <p:cNvPr id="1" name=""/>
+        <p:cNvGrpSpPr/>
+        <p:nvPr/>
+      </p:nvGrpSpPr>
+      <p:grpSpPr>
+        <a:xfrm>
+          <a:off x="0" y="0"/>
+          <a:ext cx="0" cy="0"/>
+          <a:chOff x="0" y="0"/>
+          <a:chExt cx="0" cy="0"/>
+        </a:xfrm>
+      </p:grpSpPr>
+      <p:sp>
+        <p:nvSpPr>
+          <p:cNvPr id="2" name="Rectangle 1">
+            <a:extLst>
+              <a:ext uri="{FF2B5EF4-FFF2-40B4-BE49-F238E27FC236}">
+                <a16:creationId xmlns:a16="http://schemas.microsoft.com/office/drawing/2014/main" xmlns="" id="{4F38584F-66B2-464F-9BA7-6F9A856D602F}"/>
+              </a:ext>
+            </a:extLst>
+          </p:cNvPr>
+          <p:cNvSpPr/>
+          <p:nvPr/>
+        </p:nvSpPr>
+        <p:spPr>
+          <a:xfrm>
+            <a:off x="262486" y="117793"/>
+            <a:ext cx="6255944" cy="532126"/>
+          </a:xfrm>
+          <a:prstGeom prst="rect">
+            <a:avLst/>
+          </a:prstGeom>
+          <a:noFill/>
+        </p:spPr>
+        <p:txBody>
+          <a:bodyPr wrap="square" lIns="39300" tIns="19650" rIns="39300" bIns="19650">
+            <a:spAutoFit/>
+          </a:bodyPr>
+          <a:lstStyle/>
+          <a:p>
+            <a:r>
+              <a:rPr lang="pt-BR" sz="3200" dirty="0">
+                <a:solidFill>
+                  <a:schemeClr val="bg1"/>
+                </a:solidFill>
+                <a:latin typeface="Batang" panose="02030600000101010101" pitchFamily="18" charset="-127"/>
+                <a:ea typeface="Batang" panose="02030600000101010101" pitchFamily="18" charset="-127"/>
+              </a:rPr>
+              <a:t>Dividir 326 por 3.</a:t>
+            </a:r>
+            <a:endParaRPr lang="en-US" sz="3200" dirty="0">
+              <a:ln w="0"/>
+              <a:solidFill>
+                <a:schemeClr val="bg1"/>
+              </a:solidFill>
+              <a:effectLst>
+                <a:outerShdw blurRad="38100" dist="19050" dir="2700000" algn="tl" rotWithShape="0">
+                  <a:schemeClr val="dk1">
+                    <a:alpha val="40000"/>
+                  </a:schemeClr>
+                </a:outerShdw>
+              </a:effectLst>
+              <a:latin typeface="Batang" panose="02030600000101010101" pitchFamily="18" charset="-127"/>
+              <a:ea typeface="Batang" panose="02030600000101010101" pitchFamily="18" charset="-127"/>
+            </a:endParaRPr>
+          </a:p>
+        </p:txBody>
+      </p:sp>
+      <p:sp>
+        <p:nvSpPr>
+          <p:cNvPr id="15" name="Rectangle 14">
+            <a:extLst>
+              <a:ext uri="{FF2B5EF4-FFF2-40B4-BE49-F238E27FC236}">
+                <a16:creationId xmlns:a16="http://schemas.microsoft.com/office/drawing/2014/main" xmlns="" id="{88C45C25-BF1B-4018-8A33-8F627F02D4A4}"/>
+              </a:ext>
+            </a:extLst>
+          </p:cNvPr>
+          <p:cNvSpPr/>
+          <p:nvPr/>
+        </p:nvSpPr>
+        <p:spPr>
+          <a:xfrm>
+            <a:off x="262486" y="1063193"/>
+            <a:ext cx="4792200" cy="409016"/>
+          </a:xfrm>
+          <a:prstGeom prst="rect">
+            <a:avLst/>
+          </a:prstGeom>
+          <a:noFill/>
+        </p:spPr>
+        <p:txBody>
+          <a:bodyPr wrap="square" lIns="39300" tIns="19650" rIns="39300" bIns="19650">
+            <a:spAutoFit/>
+          </a:bodyPr>
+          <a:lstStyle/>
+          <a:p>
+            <a:r>
+              <a:rPr lang="pt-BR" sz="2400" b="1" dirty="0">
+                <a:ln w="0"/>
+                <a:solidFill>
+                  <a:srgbClr val="FFFF00"/>
+                </a:solidFill>
+                <a:effectLst>
+                  <a:outerShdw blurRad="38100" dist="19050" dir="2700000" algn="tl" rotWithShape="0">
+                    <a:schemeClr val="dk1">
+                      <a:alpha val="40000"/>
+                    </a:schemeClr>
+                  </a:outerShdw>
+                </a:effectLst>
+              </a:rPr>
+              <a:t>A</a:t>
+            </a:r>
+            <a:r>
+              <a:rPr lang="pt-BR" sz="2400" b="1" dirty="0" smtClean="0">
+                <a:ln w="0"/>
+                <a:solidFill>
+                  <a:srgbClr val="FFFF00"/>
+                </a:solidFill>
+                <a:effectLst>
+                  <a:outerShdw blurRad="38100" dist="19050" dir="2700000" algn="tl" rotWithShape="0">
+                    <a:schemeClr val="dk1">
+                      <a:alpha val="40000"/>
+                    </a:schemeClr>
+                  </a:outerShdw>
+                </a:effectLst>
+              </a:rPr>
+              <a:t>) </a:t>
+            </a:r>
+            <a:r>
+              <a:rPr lang="pt-BR" sz="2400" dirty="0" smtClean="0">
+                <a:ln w="0"/>
+                <a:solidFill>
+                  <a:schemeClr val="bg1"/>
+                </a:solidFill>
+                <a:latin typeface="Batang" panose="02030600000101010101" pitchFamily="18" charset="-127"/>
+                <a:ea typeface="Batang" panose="02030600000101010101" pitchFamily="18" charset="-127"/>
+              </a:rPr>
+              <a:t>109</a:t>
+            </a:r>
+            <a:endParaRPr lang="en-US" sz="1848" i="1" dirty="0">
+              <a:ln w="0"/>
+              <a:solidFill>
+                <a:schemeClr val="bg1"/>
+              </a:solidFill>
+              <a:latin typeface="Batang" panose="02030600000101010101" pitchFamily="18" charset="-127"/>
+              <a:ea typeface="Batang" panose="02030600000101010101" pitchFamily="18" charset="-127"/>
+            </a:endParaRPr>
+          </a:p>
+        </p:txBody>
+      </p:sp>
+      <p:sp>
+        <p:nvSpPr>
+          <p:cNvPr id="9" name="Rectangle 14">
+            <a:extLst>
+              <a:ext uri="{FF2B5EF4-FFF2-40B4-BE49-F238E27FC236}">
+                <a16:creationId xmlns:a16="http://schemas.microsoft.com/office/drawing/2014/main" xmlns="" id="{88C45C25-BF1B-4018-8A33-8F627F02D4A4}"/>
+              </a:ext>
+            </a:extLst>
+          </p:cNvPr>
+          <p:cNvSpPr/>
+          <p:nvPr/>
+        </p:nvSpPr>
+        <p:spPr>
+          <a:xfrm>
+            <a:off x="262486" y="1677686"/>
+            <a:ext cx="4792200" cy="409016"/>
+          </a:xfrm>
+          <a:prstGeom prst="rect">
+            <a:avLst/>
+          </a:prstGeom>
+          <a:noFill/>
+        </p:spPr>
+        <p:txBody>
+          <a:bodyPr wrap="square" lIns="39300" tIns="19650" rIns="39300" bIns="19650">
+            <a:spAutoFit/>
+          </a:bodyPr>
+          <a:lstStyle/>
+          <a:p>
+            <a:r>
+              <a:rPr lang="pt-BR" sz="2400" b="1" dirty="0" smtClean="0">
+                <a:ln w="0"/>
+                <a:solidFill>
+                  <a:srgbClr val="FFFF00"/>
+                </a:solidFill>
+                <a:effectLst>
+                  <a:outerShdw blurRad="38100" dist="19050" dir="2700000" algn="tl" rotWithShape="0">
+                    <a:schemeClr val="dk1">
+                      <a:alpha val="40000"/>
+                    </a:schemeClr>
+                  </a:outerShdw>
+                </a:effectLst>
+              </a:rPr>
+              <a:t>B</a:t>
+            </a:r>
+            <a:r>
+              <a:rPr lang="pt-BR" sz="2400" b="1" dirty="0" smtClean="0">
+                <a:ln w="0"/>
+                <a:solidFill>
+                  <a:srgbClr val="FFFF00"/>
+                </a:solidFill>
+                <a:effectLst>
+                  <a:outerShdw blurRad="38100" dist="19050" dir="2700000" algn="tl" rotWithShape="0">
+                    <a:schemeClr val="dk1">
+                      <a:alpha val="40000"/>
+                    </a:schemeClr>
+                  </a:outerShdw>
+                </a:effectLst>
+              </a:rPr>
+              <a:t>) </a:t>
+            </a:r>
+            <a:r>
+              <a:rPr lang="pt-BR" sz="2400" dirty="0" smtClean="0">
+                <a:ln w="0"/>
+                <a:solidFill>
+                  <a:schemeClr val="bg1"/>
+                </a:solidFill>
+                <a:latin typeface="Batang" panose="02030600000101010101" pitchFamily="18" charset="-127"/>
+                <a:ea typeface="Batang" panose="02030600000101010101" pitchFamily="18" charset="-127"/>
+              </a:rPr>
+              <a:t>111</a:t>
+            </a:r>
+            <a:endParaRPr lang="en-US" sz="2016" i="1" dirty="0">
+              <a:ln w="0"/>
+              <a:solidFill>
+                <a:schemeClr val="bg1"/>
+              </a:solidFill>
+              <a:latin typeface="Batang" panose="02030600000101010101" pitchFamily="18" charset="-127"/>
+              <a:ea typeface="Batang" panose="02030600000101010101" pitchFamily="18" charset="-127"/>
+            </a:endParaRPr>
+          </a:p>
+        </p:txBody>
+      </p:sp>
+      <p:sp>
+        <p:nvSpPr>
+          <p:cNvPr id="10" name="Rectangle 14">
+            <a:extLst>
+              <a:ext uri="{FF2B5EF4-FFF2-40B4-BE49-F238E27FC236}">
+                <a16:creationId xmlns:a16="http://schemas.microsoft.com/office/drawing/2014/main" xmlns="" id="{88C45C25-BF1B-4018-8A33-8F627F02D4A4}"/>
+              </a:ext>
+            </a:extLst>
+          </p:cNvPr>
+          <p:cNvSpPr/>
+          <p:nvPr/>
+        </p:nvSpPr>
+        <p:spPr>
+          <a:xfrm>
+            <a:off x="262486" y="2292179"/>
+            <a:ext cx="4792200" cy="409016"/>
+          </a:xfrm>
+          <a:prstGeom prst="rect">
+            <a:avLst/>
+          </a:prstGeom>
+          <a:noFill/>
+        </p:spPr>
+        <p:txBody>
+          <a:bodyPr wrap="square" lIns="39300" tIns="19650" rIns="39300" bIns="19650">
+            <a:spAutoFit/>
+          </a:bodyPr>
+          <a:lstStyle/>
+          <a:p>
+            <a:r>
+              <a:rPr lang="pt-BR" sz="2400" b="1" dirty="0">
+                <a:ln w="0"/>
+                <a:solidFill>
+                  <a:srgbClr val="FFFF00"/>
+                </a:solidFill>
+                <a:effectLst>
+                  <a:outerShdw blurRad="38100" dist="19050" dir="2700000" algn="tl" rotWithShape="0">
+                    <a:schemeClr val="dk1">
+                      <a:alpha val="40000"/>
+                    </a:schemeClr>
+                  </a:outerShdw>
+                </a:effectLst>
+              </a:rPr>
+              <a:t>C</a:t>
+            </a:r>
+            <a:r>
+              <a:rPr lang="pt-BR" sz="2400" b="1" dirty="0" smtClean="0">
+                <a:ln w="0"/>
+                <a:solidFill>
+                  <a:srgbClr val="FFFF00"/>
+                </a:solidFill>
+                <a:effectLst>
+                  <a:outerShdw blurRad="38100" dist="19050" dir="2700000" algn="tl" rotWithShape="0">
+                    <a:schemeClr val="dk1">
+                      <a:alpha val="40000"/>
+                    </a:schemeClr>
+                  </a:outerShdw>
+                </a:effectLst>
+              </a:rPr>
+              <a:t>) </a:t>
+            </a:r>
+            <a:r>
+              <a:rPr lang="pt-BR" sz="2400" dirty="0" smtClean="0">
+                <a:ln w="0"/>
+                <a:solidFill>
+                  <a:schemeClr val="bg1"/>
+                </a:solidFill>
+                <a:latin typeface="Batang" panose="02030600000101010101" pitchFamily="18" charset="-127"/>
+                <a:ea typeface="Batang" panose="02030600000101010101" pitchFamily="18" charset="-127"/>
+              </a:rPr>
+              <a:t>105</a:t>
+            </a:r>
+            <a:endParaRPr lang="en-US" sz="2016" i="1" dirty="0">
+              <a:ln w="0"/>
+              <a:solidFill>
+                <a:schemeClr val="bg1"/>
+              </a:solidFill>
+              <a:latin typeface="Batang" panose="02030600000101010101" pitchFamily="18" charset="-127"/>
+              <a:ea typeface="Batang" panose="02030600000101010101" pitchFamily="18" charset="-127"/>
+            </a:endParaRPr>
+          </a:p>
+        </p:txBody>
+      </p:sp>
+      <p:sp>
+        <p:nvSpPr>
+          <p:cNvPr id="11" name="Rectangle 14">
+            <a:extLst>
+              <a:ext uri="{FF2B5EF4-FFF2-40B4-BE49-F238E27FC236}">
+                <a16:creationId xmlns:a16="http://schemas.microsoft.com/office/drawing/2014/main" xmlns="" id="{88C45C25-BF1B-4018-8A33-8F627F02D4A4}"/>
+              </a:ext>
+            </a:extLst>
+          </p:cNvPr>
+          <p:cNvSpPr/>
+          <p:nvPr/>
+        </p:nvSpPr>
+        <p:spPr>
+          <a:xfrm>
+            <a:off x="262486" y="2827625"/>
+            <a:ext cx="4792200" cy="409016"/>
+          </a:xfrm>
+          <a:prstGeom prst="rect">
+            <a:avLst/>
+          </a:prstGeom>
+          <a:noFill/>
+        </p:spPr>
+        <p:txBody>
+          <a:bodyPr wrap="square" lIns="39300" tIns="19650" rIns="39300" bIns="19650">
+            <a:spAutoFit/>
+          </a:bodyPr>
+          <a:lstStyle/>
+          <a:p>
+            <a:r>
+              <a:rPr lang="pt-BR" sz="2400" b="1" dirty="0" smtClean="0">
+                <a:ln w="0"/>
+                <a:solidFill>
+                  <a:srgbClr val="FFFF00"/>
+                </a:solidFill>
+                <a:effectLst>
+                  <a:outerShdw blurRad="38100" dist="19050" dir="2700000" algn="tl" rotWithShape="0">
+                    <a:schemeClr val="dk1">
+                      <a:alpha val="40000"/>
+                    </a:schemeClr>
+                  </a:outerShdw>
+                </a:effectLst>
+              </a:rPr>
+              <a:t>D) </a:t>
+            </a:r>
+            <a:r>
+              <a:rPr lang="pt-BR" sz="2400" dirty="0" smtClean="0">
+                <a:ln w="0"/>
+                <a:solidFill>
+                  <a:schemeClr val="bg1"/>
+                </a:solidFill>
+                <a:latin typeface="Batang" panose="02030600000101010101" pitchFamily="18" charset="-127"/>
+                <a:ea typeface="Batang" panose="02030600000101010101" pitchFamily="18" charset="-127"/>
+              </a:rPr>
+              <a:t>108</a:t>
+            </a:r>
+            <a:endParaRPr lang="en-US" sz="2016" i="1" dirty="0">
+              <a:ln w="0"/>
+              <a:solidFill>
+                <a:schemeClr val="bg1"/>
+              </a:solidFill>
+              <a:latin typeface="Batang" panose="02030600000101010101" pitchFamily="18" charset="-127"/>
+              <a:ea typeface="Batang" panose="02030600000101010101" pitchFamily="18" charset="-127"/>
+            </a:endParaRPr>
+          </a:p>
+        </p:txBody>
+      </p:sp>
+    </p:spTree>
+    <p:extLst>
+      <p:ext uri="{BB962C8B-B14F-4D97-AF65-F5344CB8AC3E}">
+        <p14:creationId xmlns:p14="http://schemas.microsoft.com/office/powerpoint/2010/main" val="1883045210"/>
       </p:ext>
     </p:extLst>
   </p:cSld>
@@ -14809,7 +17925,7 @@
           <p:cNvPr id="2" name="Rectangle 1">
             <a:extLst>
               <a:ext uri="{FF2B5EF4-FFF2-40B4-BE49-F238E27FC236}">
-                <a16:creationId xmlns="" xmlns:a16="http://schemas.microsoft.com/office/drawing/2014/main" id="{4F38584F-66B2-464F-9BA7-6F9A856D602F}"/>
+                <a16:creationId xmlns:a16="http://schemas.microsoft.com/office/drawing/2014/main" xmlns="" id="{4F38584F-66B2-464F-9BA7-6F9A856D602F}"/>
               </a:ext>
             </a:extLst>
           </p:cNvPr>
@@ -14865,7 +17981,7 @@
           <p:cNvPr id="15" name="Rectangle 14">
             <a:extLst>
               <a:ext uri="{FF2B5EF4-FFF2-40B4-BE49-F238E27FC236}">
-                <a16:creationId xmlns="" xmlns:a16="http://schemas.microsoft.com/office/drawing/2014/main" id="{88C45C25-BF1B-4018-8A33-8F627F02D4A4}"/>
+                <a16:creationId xmlns:a16="http://schemas.microsoft.com/office/drawing/2014/main" xmlns="" id="{88C45C25-BF1B-4018-8A33-8F627F02D4A4}"/>
               </a:ext>
             </a:extLst>
           </p:cNvPr>
@@ -14953,7 +18069,7 @@
           <p:cNvPr id="9" name="Rectangle 14">
             <a:extLst>
               <a:ext uri="{FF2B5EF4-FFF2-40B4-BE49-F238E27FC236}">
-                <a16:creationId xmlns="" xmlns:a16="http://schemas.microsoft.com/office/drawing/2014/main" id="{88C45C25-BF1B-4018-8A33-8F627F02D4A4}"/>
+                <a16:creationId xmlns:a16="http://schemas.microsoft.com/office/drawing/2014/main" xmlns="" id="{88C45C25-BF1B-4018-8A33-8F627F02D4A4}"/>
               </a:ext>
             </a:extLst>
           </p:cNvPr>
@@ -15041,7 +18157,7 @@
           <p:cNvPr id="10" name="Rectangle 14">
             <a:extLst>
               <a:ext uri="{FF2B5EF4-FFF2-40B4-BE49-F238E27FC236}">
-                <a16:creationId xmlns="" xmlns:a16="http://schemas.microsoft.com/office/drawing/2014/main" id="{88C45C25-BF1B-4018-8A33-8F627F02D4A4}"/>
+                <a16:creationId xmlns:a16="http://schemas.microsoft.com/office/drawing/2014/main" xmlns="" id="{88C45C25-BF1B-4018-8A33-8F627F02D4A4}"/>
               </a:ext>
             </a:extLst>
           </p:cNvPr>
@@ -15129,7 +18245,7 @@
           <p:cNvPr id="11" name="Rectangle 14">
             <a:extLst>
               <a:ext uri="{FF2B5EF4-FFF2-40B4-BE49-F238E27FC236}">
-                <a16:creationId xmlns="" xmlns:a16="http://schemas.microsoft.com/office/drawing/2014/main" id="{88C45C25-BF1B-4018-8A33-8F627F02D4A4}"/>
+                <a16:creationId xmlns:a16="http://schemas.microsoft.com/office/drawing/2014/main" xmlns="" id="{88C45C25-BF1B-4018-8A33-8F627F02D4A4}"/>
               </a:ext>
             </a:extLst>
           </p:cNvPr>
@@ -15353,7 +18469,7 @@
           <p:cNvPr id="2" name="Rectangle 1">
             <a:extLst>
               <a:ext uri="{FF2B5EF4-FFF2-40B4-BE49-F238E27FC236}">
-                <a16:creationId xmlns="" xmlns:a16="http://schemas.microsoft.com/office/drawing/2014/main" id="{4F38584F-66B2-464F-9BA7-6F9A856D602F}"/>
+                <a16:creationId xmlns:a16="http://schemas.microsoft.com/office/drawing/2014/main" xmlns="" id="{4F38584F-66B2-464F-9BA7-6F9A856D602F}"/>
               </a:ext>
             </a:extLst>
           </p:cNvPr>
@@ -15409,7 +18525,7 @@
           <p:cNvPr id="11" name="Rectangle 14">
             <a:extLst>
               <a:ext uri="{FF2B5EF4-FFF2-40B4-BE49-F238E27FC236}">
-                <a16:creationId xmlns="" xmlns:a16="http://schemas.microsoft.com/office/drawing/2014/main" id="{88C45C25-BF1B-4018-8A33-8F627F02D4A4}"/>
+                <a16:creationId xmlns:a16="http://schemas.microsoft.com/office/drawing/2014/main" xmlns="" id="{88C45C25-BF1B-4018-8A33-8F627F02D4A4}"/>
               </a:ext>
             </a:extLst>
           </p:cNvPr>
@@ -15616,7 +18732,7 @@
           <p:cNvPr id="2" name="Rectangle 1">
             <a:extLst>
               <a:ext uri="{FF2B5EF4-FFF2-40B4-BE49-F238E27FC236}">
-                <a16:creationId xmlns="" xmlns:a16="http://schemas.microsoft.com/office/drawing/2014/main" id="{4F38584F-66B2-464F-9BA7-6F9A856D602F}"/>
+                <a16:creationId xmlns:a16="http://schemas.microsoft.com/office/drawing/2014/main" xmlns="" id="{4F38584F-66B2-464F-9BA7-6F9A856D602F}"/>
               </a:ext>
             </a:extLst>
           </p:cNvPr>
@@ -15669,27 +18785,7 @@
                 <a:latin typeface="Batang" panose="02030600000101010101" pitchFamily="18" charset="-127"/>
                 <a:ea typeface="Batang" panose="02030600000101010101" pitchFamily="18" charset="-127"/>
               </a:rPr>
-              <a:t>Sabendo que o filho de </a:t>
-            </a:r>
-            <a:r>
-              <a:rPr lang="pt-BR" sz="1600" i="1" dirty="0">
-                <a:solidFill>
-                  <a:schemeClr val="bg1"/>
-                </a:solidFill>
-                <a:latin typeface="Batang" panose="02030600000101010101" pitchFamily="18" charset="-127"/>
-                <a:ea typeface="Batang" panose="02030600000101010101" pitchFamily="18" charset="-127"/>
-              </a:rPr>
-              <a:t>Nataly possui </a:t>
-            </a:r>
-            <a:r>
-              <a:rPr lang="pt-BR" sz="1600" i="1" dirty="0">
-                <a:solidFill>
-                  <a:schemeClr val="bg1"/>
-                </a:solidFill>
-                <a:latin typeface="Batang" panose="02030600000101010101" pitchFamily="18" charset="-127"/>
-                <a:ea typeface="Batang" panose="02030600000101010101" pitchFamily="18" charset="-127"/>
-              </a:rPr>
-              <a:t>1,31 m de altura e 65,5 kg, sua classificação é de:</a:t>
+              <a:t>Sabendo que o filho de Nataly possui 1,31 m de altura e 65,5 kg, sua classificação é de:</a:t>
             </a:r>
           </a:p>
         </p:txBody>
@@ -15699,7 +18795,7 @@
           <p:cNvPr id="15" name="Rectangle 14">
             <a:extLst>
               <a:ext uri="{FF2B5EF4-FFF2-40B4-BE49-F238E27FC236}">
-                <a16:creationId xmlns="" xmlns:a16="http://schemas.microsoft.com/office/drawing/2014/main" id="{88C45C25-BF1B-4018-8A33-8F627F02D4A4}"/>
+                <a16:creationId xmlns:a16="http://schemas.microsoft.com/office/drawing/2014/main" xmlns="" id="{88C45C25-BF1B-4018-8A33-8F627F02D4A4}"/>
               </a:ext>
             </a:extLst>
           </p:cNvPr>
@@ -15787,7 +18883,7 @@
           <p:cNvPr id="9" name="Rectangle 14">
             <a:extLst>
               <a:ext uri="{FF2B5EF4-FFF2-40B4-BE49-F238E27FC236}">
-                <a16:creationId xmlns="" xmlns:a16="http://schemas.microsoft.com/office/drawing/2014/main" id="{88C45C25-BF1B-4018-8A33-8F627F02D4A4}"/>
+                <a16:creationId xmlns:a16="http://schemas.microsoft.com/office/drawing/2014/main" xmlns="" id="{88C45C25-BF1B-4018-8A33-8F627F02D4A4}"/>
               </a:ext>
             </a:extLst>
           </p:cNvPr>
@@ -15883,7 +18979,7 @@
           <p:cNvPr id="10" name="Rectangle 14">
             <a:extLst>
               <a:ext uri="{FF2B5EF4-FFF2-40B4-BE49-F238E27FC236}">
-                <a16:creationId xmlns="" xmlns:a16="http://schemas.microsoft.com/office/drawing/2014/main" id="{88C45C25-BF1B-4018-8A33-8F627F02D4A4}"/>
+                <a16:creationId xmlns:a16="http://schemas.microsoft.com/office/drawing/2014/main" xmlns="" id="{88C45C25-BF1B-4018-8A33-8F627F02D4A4}"/>
               </a:ext>
             </a:extLst>
           </p:cNvPr>
@@ -15971,7 +19067,7 @@
           <p:cNvPr id="11" name="Rectangle 14">
             <a:extLst>
               <a:ext uri="{FF2B5EF4-FFF2-40B4-BE49-F238E27FC236}">
-                <a16:creationId xmlns="" xmlns:a16="http://schemas.microsoft.com/office/drawing/2014/main" id="{88C45C25-BF1B-4018-8A33-8F627F02D4A4}"/>
+                <a16:creationId xmlns:a16="http://schemas.microsoft.com/office/drawing/2014/main" xmlns="" id="{88C45C25-BF1B-4018-8A33-8F627F02D4A4}"/>
               </a:ext>
             </a:extLst>
           </p:cNvPr>
@@ -16144,7 +19240,7 @@
           <p:cNvPr id="2" name="Rectangle 1">
             <a:extLst>
               <a:ext uri="{FF2B5EF4-FFF2-40B4-BE49-F238E27FC236}">
-                <a16:creationId xmlns="" xmlns:a16="http://schemas.microsoft.com/office/drawing/2014/main" id="{4F38584F-66B2-464F-9BA7-6F9A856D602F}"/>
+                <a16:creationId xmlns:a16="http://schemas.microsoft.com/office/drawing/2014/main" xmlns="" id="{4F38584F-66B2-464F-9BA7-6F9A856D602F}"/>
               </a:ext>
             </a:extLst>
           </p:cNvPr>
@@ -16197,7 +19293,7 @@
           <p:cNvPr id="15" name="Rectangle 14">
             <a:extLst>
               <a:ext uri="{FF2B5EF4-FFF2-40B4-BE49-F238E27FC236}">
-                <a16:creationId xmlns="" xmlns:a16="http://schemas.microsoft.com/office/drawing/2014/main" id="{88C45C25-BF1B-4018-8A33-8F627F02D4A4}"/>
+                <a16:creationId xmlns:a16="http://schemas.microsoft.com/office/drawing/2014/main" xmlns="" id="{88C45C25-BF1B-4018-8A33-8F627F02D4A4}"/>
               </a:ext>
             </a:extLst>
           </p:cNvPr>
@@ -16370,7 +19466,7 @@
           <p:cNvPr id="2" name="Rectangle 1">
             <a:extLst>
               <a:ext uri="{FF2B5EF4-FFF2-40B4-BE49-F238E27FC236}">
-                <a16:creationId xmlns="" xmlns:a16="http://schemas.microsoft.com/office/drawing/2014/main" id="{4F38584F-66B2-464F-9BA7-6F9A856D602F}"/>
+                <a16:creationId xmlns:a16="http://schemas.microsoft.com/office/drawing/2014/main" xmlns="" id="{4F38584F-66B2-464F-9BA7-6F9A856D602F}"/>
               </a:ext>
             </a:extLst>
           </p:cNvPr>
@@ -16456,7 +19552,7 @@
           <p:cNvPr id="15" name="Rectangle 14">
             <a:extLst>
               <a:ext uri="{FF2B5EF4-FFF2-40B4-BE49-F238E27FC236}">
-                <a16:creationId xmlns="" xmlns:a16="http://schemas.microsoft.com/office/drawing/2014/main" id="{88C45C25-BF1B-4018-8A33-8F627F02D4A4}"/>
+                <a16:creationId xmlns:a16="http://schemas.microsoft.com/office/drawing/2014/main" xmlns="" id="{88C45C25-BF1B-4018-8A33-8F627F02D4A4}"/>
               </a:ext>
             </a:extLst>
           </p:cNvPr>
@@ -16544,7 +19640,7 @@
           <p:cNvPr id="9" name="Rectangle 14">
             <a:extLst>
               <a:ext uri="{FF2B5EF4-FFF2-40B4-BE49-F238E27FC236}">
-                <a16:creationId xmlns="" xmlns:a16="http://schemas.microsoft.com/office/drawing/2014/main" id="{88C45C25-BF1B-4018-8A33-8F627F02D4A4}"/>
+                <a16:creationId xmlns:a16="http://schemas.microsoft.com/office/drawing/2014/main" xmlns="" id="{88C45C25-BF1B-4018-8A33-8F627F02D4A4}"/>
               </a:ext>
             </a:extLst>
           </p:cNvPr>
@@ -16642,7 +19738,7 @@
           <p:cNvPr id="10" name="Rectangle 14">
             <a:extLst>
               <a:ext uri="{FF2B5EF4-FFF2-40B4-BE49-F238E27FC236}">
-                <a16:creationId xmlns="" xmlns:a16="http://schemas.microsoft.com/office/drawing/2014/main" id="{88C45C25-BF1B-4018-8A33-8F627F02D4A4}"/>
+                <a16:creationId xmlns:a16="http://schemas.microsoft.com/office/drawing/2014/main" xmlns="" id="{88C45C25-BF1B-4018-8A33-8F627F02D4A4}"/>
               </a:ext>
             </a:extLst>
           </p:cNvPr>
@@ -16740,7 +19836,7 @@
           <p:cNvPr id="11" name="Rectangle 14">
             <a:extLst>
               <a:ext uri="{FF2B5EF4-FFF2-40B4-BE49-F238E27FC236}">
-                <a16:creationId xmlns="" xmlns:a16="http://schemas.microsoft.com/office/drawing/2014/main" id="{88C45C25-BF1B-4018-8A33-8F627F02D4A4}"/>
+                <a16:creationId xmlns:a16="http://schemas.microsoft.com/office/drawing/2014/main" xmlns="" id="{88C45C25-BF1B-4018-8A33-8F627F02D4A4}"/>
               </a:ext>
             </a:extLst>
           </p:cNvPr>
@@ -16964,7 +20060,7 @@
           <p:cNvPr id="2" name="Rectangle 1">
             <a:extLst>
               <a:ext uri="{FF2B5EF4-FFF2-40B4-BE49-F238E27FC236}">
-                <a16:creationId xmlns="" xmlns:a16="http://schemas.microsoft.com/office/drawing/2014/main" id="{4F38584F-66B2-464F-9BA7-6F9A856D602F}"/>
+                <a16:creationId xmlns:a16="http://schemas.microsoft.com/office/drawing/2014/main" xmlns="" id="{4F38584F-66B2-464F-9BA7-6F9A856D602F}"/>
               </a:ext>
             </a:extLst>
           </p:cNvPr>
@@ -17050,7 +20146,7 @@
           <p:cNvPr id="15" name="Rectangle 14">
             <a:extLst>
               <a:ext uri="{FF2B5EF4-FFF2-40B4-BE49-F238E27FC236}">
-                <a16:creationId xmlns="" xmlns:a16="http://schemas.microsoft.com/office/drawing/2014/main" id="{88C45C25-BF1B-4018-8A33-8F627F02D4A4}"/>
+                <a16:creationId xmlns:a16="http://schemas.microsoft.com/office/drawing/2014/main" xmlns="" id="{88C45C25-BF1B-4018-8A33-8F627F02D4A4}"/>
               </a:ext>
             </a:extLst>
           </p:cNvPr>
